--- a/doc/SMZL_中間発表.pptx
+++ b/doc/SMZL_中間発表.pptx
@@ -5,16 +5,18 @@
     <p:sldMasterId id="2147483648" r:id="rId1"/>
   </p:sldMasterIdLst>
   <p:notesMasterIdLst>
-    <p:notesMasterId r:id="rId9"/>
+    <p:notesMasterId r:id="rId11"/>
   </p:notesMasterIdLst>
   <p:sldIdLst>
     <p:sldId id="256" r:id="rId2"/>
     <p:sldId id="257" r:id="rId3"/>
     <p:sldId id="259" r:id="rId4"/>
-    <p:sldId id="260" r:id="rId5"/>
-    <p:sldId id="262" r:id="rId6"/>
-    <p:sldId id="263" r:id="rId7"/>
-    <p:sldId id="261" r:id="rId8"/>
+    <p:sldId id="264" r:id="rId5"/>
+    <p:sldId id="266" r:id="rId6"/>
+    <p:sldId id="262" r:id="rId7"/>
+    <p:sldId id="263" r:id="rId8"/>
+    <p:sldId id="261" r:id="rId9"/>
+    <p:sldId id="260" r:id="rId10"/>
   </p:sldIdLst>
   <p:sldSz cx="12192000" cy="6858000"/>
   <p:notesSz cx="6858000" cy="9144000"/>
@@ -116,7 +118,7 @@
   <p:extLst>
     <p:ext uri="{EFAFB233-063F-42B5-8137-9DF3F51BA10A}">
       <p15:sldGuideLst xmlns:p15="http://schemas.microsoft.com/office/powerpoint/2012/main">
-        <p15:guide id="1" orient="horz" pos="2160" userDrawn="1">
+        <p15:guide id="1" orient="horz" pos="2024" userDrawn="1">
           <p15:clr>
             <a:srgbClr val="A4A3A4"/>
           </p15:clr>
@@ -214,7 +216,7 @@
           <a:p>
             <a:fld id="{644A11F8-FFDA-D548-B383-505FC41EDC25}" type="datetimeFigureOut">
               <a:rPr kumimoji="1" lang="ja-JP" altLang="en-US" smtClean="0"/>
-              <a:t>2017/9/20</a:t>
+              <a:t>2017/9/21</a:t>
             </a:fld>
             <a:endParaRPr kumimoji="1" lang="ja-JP" altLang="en-US"/>
           </a:p>
@@ -760,7 +762,7 @@
     </p:spTree>
     <p:extLst>
       <p:ext uri="{BB962C8B-B14F-4D97-AF65-F5344CB8AC3E}">
-        <p14:creationId xmlns:p14="http://schemas.microsoft.com/office/powerpoint/2010/main" val="1369363870"/>
+        <p14:creationId xmlns:p14="http://schemas.microsoft.com/office/powerpoint/2010/main" val="1784186123"/>
       </p:ext>
     </p:extLst>
   </p:cSld>
@@ -814,7 +816,7 @@
           <a:bodyPr/>
           <a:lstStyle/>
           <a:p>
-            <a:endParaRPr kumimoji="1" lang="en-US" altLang="ja-JP" dirty="0" smtClean="0"/>
+            <a:endParaRPr kumimoji="1" lang="ja-JP" altLang="en-US" dirty="0"/>
           </a:p>
         </p:txBody>
       </p:sp>
@@ -844,7 +846,7 @@
     </p:spTree>
     <p:extLst>
       <p:ext uri="{BB962C8B-B14F-4D97-AF65-F5344CB8AC3E}">
-        <p14:creationId xmlns:p14="http://schemas.microsoft.com/office/powerpoint/2010/main" val="273069214"/>
+        <p14:creationId xmlns:p14="http://schemas.microsoft.com/office/powerpoint/2010/main" val="1050092801"/>
       </p:ext>
     </p:extLst>
   </p:cSld>
@@ -898,7 +900,7 @@
           <a:bodyPr/>
           <a:lstStyle/>
           <a:p>
-            <a:endParaRPr kumimoji="1" lang="ja-JP" altLang="en-US" dirty="0"/>
+            <a:endParaRPr kumimoji="1" lang="en-US" altLang="ja-JP" dirty="0" smtClean="0"/>
           </a:p>
         </p:txBody>
       </p:sp>
@@ -928,7 +930,7 @@
     </p:spTree>
     <p:extLst>
       <p:ext uri="{BB962C8B-B14F-4D97-AF65-F5344CB8AC3E}">
-        <p14:creationId xmlns:p14="http://schemas.microsoft.com/office/powerpoint/2010/main" val="1077058292"/>
+        <p14:creationId xmlns:p14="http://schemas.microsoft.com/office/powerpoint/2010/main" val="273069214"/>
       </p:ext>
     </p:extLst>
   </p:cSld>
@@ -1012,7 +1014,175 @@
     </p:spTree>
     <p:extLst>
       <p:ext uri="{BB962C8B-B14F-4D97-AF65-F5344CB8AC3E}">
+        <p14:creationId xmlns:p14="http://schemas.microsoft.com/office/powerpoint/2010/main" val="1077058292"/>
+      </p:ext>
+    </p:extLst>
+  </p:cSld>
+  <p:clrMapOvr>
+    <a:masterClrMapping/>
+  </p:clrMapOvr>
+</p:notes>
+</file>
+
+<file path=ppt/notesSlides/notesSlide7.xml><?xml version="1.0" encoding="utf-8"?>
+<p:notes xmlns:a="http://schemas.openxmlformats.org/drawingml/2006/main" xmlns:r="http://schemas.openxmlformats.org/officeDocument/2006/relationships" xmlns:p="http://schemas.openxmlformats.org/presentationml/2006/main">
+  <p:cSld>
+    <p:spTree>
+      <p:nvGrpSpPr>
+        <p:cNvPr id="1" name=""/>
+        <p:cNvGrpSpPr/>
+        <p:nvPr/>
+      </p:nvGrpSpPr>
+      <p:grpSpPr>
+        <a:xfrm>
+          <a:off x="0" y="0"/>
+          <a:ext cx="0" cy="0"/>
+          <a:chOff x="0" y="0"/>
+          <a:chExt cx="0" cy="0"/>
+        </a:xfrm>
+      </p:grpSpPr>
+      <p:sp>
+        <p:nvSpPr>
+          <p:cNvPr id="2" name="スライド イメージ プレースホルダー 1"/>
+          <p:cNvSpPr>
+            <a:spLocks noGrp="1" noRot="1" noChangeAspect="1"/>
+          </p:cNvSpPr>
+          <p:nvPr>
+            <p:ph type="sldImg"/>
+          </p:nvPr>
+        </p:nvSpPr>
+        <p:spPr/>
+      </p:sp>
+      <p:sp>
+        <p:nvSpPr>
+          <p:cNvPr id="3" name="ノート プレースホルダー 2"/>
+          <p:cNvSpPr>
+            <a:spLocks noGrp="1"/>
+          </p:cNvSpPr>
+          <p:nvPr>
+            <p:ph type="body" idx="1"/>
+          </p:nvPr>
+        </p:nvSpPr>
+        <p:spPr/>
+        <p:txBody>
+          <a:bodyPr/>
+          <a:lstStyle/>
+          <a:p>
+            <a:endParaRPr kumimoji="1" lang="ja-JP" altLang="en-US" dirty="0"/>
+          </a:p>
+        </p:txBody>
+      </p:sp>
+      <p:sp>
+        <p:nvSpPr>
+          <p:cNvPr id="4" name="スライド番号プレースホルダー 3"/>
+          <p:cNvSpPr>
+            <a:spLocks noGrp="1"/>
+          </p:cNvSpPr>
+          <p:nvPr>
+            <p:ph type="sldNum" sz="quarter" idx="10"/>
+          </p:nvPr>
+        </p:nvSpPr>
+        <p:spPr/>
+        <p:txBody>
+          <a:bodyPr/>
+          <a:lstStyle/>
+          <a:p>
+            <a:fld id="{C4AE683F-129F-BD41-AD25-B8DC12A31EC0}" type="slidenum">
+              <a:rPr kumimoji="1" lang="ja-JP" altLang="en-US" smtClean="0"/>
+              <a:t>8</a:t>
+            </a:fld>
+            <a:endParaRPr kumimoji="1" lang="ja-JP" altLang="en-US"/>
+          </a:p>
+        </p:txBody>
+      </p:sp>
+    </p:spTree>
+    <p:extLst>
+      <p:ext uri="{BB962C8B-B14F-4D97-AF65-F5344CB8AC3E}">
         <p14:creationId xmlns:p14="http://schemas.microsoft.com/office/powerpoint/2010/main" val="1926841555"/>
+      </p:ext>
+    </p:extLst>
+  </p:cSld>
+  <p:clrMapOvr>
+    <a:masterClrMapping/>
+  </p:clrMapOvr>
+</p:notes>
+</file>
+
+<file path=ppt/notesSlides/notesSlide8.xml><?xml version="1.0" encoding="utf-8"?>
+<p:notes xmlns:a="http://schemas.openxmlformats.org/drawingml/2006/main" xmlns:r="http://schemas.openxmlformats.org/officeDocument/2006/relationships" xmlns:p="http://schemas.openxmlformats.org/presentationml/2006/main">
+  <p:cSld>
+    <p:spTree>
+      <p:nvGrpSpPr>
+        <p:cNvPr id="1" name=""/>
+        <p:cNvGrpSpPr/>
+        <p:nvPr/>
+      </p:nvGrpSpPr>
+      <p:grpSpPr>
+        <a:xfrm>
+          <a:off x="0" y="0"/>
+          <a:ext cx="0" cy="0"/>
+          <a:chOff x="0" y="0"/>
+          <a:chExt cx="0" cy="0"/>
+        </a:xfrm>
+      </p:grpSpPr>
+      <p:sp>
+        <p:nvSpPr>
+          <p:cNvPr id="2" name="スライド イメージ プレースホルダー 1"/>
+          <p:cNvSpPr>
+            <a:spLocks noGrp="1" noRot="1" noChangeAspect="1"/>
+          </p:cNvSpPr>
+          <p:nvPr>
+            <p:ph type="sldImg"/>
+          </p:nvPr>
+        </p:nvSpPr>
+        <p:spPr/>
+      </p:sp>
+      <p:sp>
+        <p:nvSpPr>
+          <p:cNvPr id="3" name="ノート プレースホルダー 2"/>
+          <p:cNvSpPr>
+            <a:spLocks noGrp="1"/>
+          </p:cNvSpPr>
+          <p:nvPr>
+            <p:ph type="body" idx="1"/>
+          </p:nvPr>
+        </p:nvSpPr>
+        <p:spPr/>
+        <p:txBody>
+          <a:bodyPr/>
+          <a:lstStyle/>
+          <a:p>
+            <a:endParaRPr kumimoji="1" lang="ja-JP" altLang="en-US" dirty="0"/>
+          </a:p>
+        </p:txBody>
+      </p:sp>
+      <p:sp>
+        <p:nvSpPr>
+          <p:cNvPr id="4" name="スライド番号プレースホルダー 3"/>
+          <p:cNvSpPr>
+            <a:spLocks noGrp="1"/>
+          </p:cNvSpPr>
+          <p:nvPr>
+            <p:ph type="sldNum" sz="quarter" idx="10"/>
+          </p:nvPr>
+        </p:nvSpPr>
+        <p:spPr/>
+        <p:txBody>
+          <a:bodyPr/>
+          <a:lstStyle/>
+          <a:p>
+            <a:fld id="{C4AE683F-129F-BD41-AD25-B8DC12A31EC0}" type="slidenum">
+              <a:rPr kumimoji="1" lang="ja-JP" altLang="en-US" smtClean="0"/>
+              <a:t>9</a:t>
+            </a:fld>
+            <a:endParaRPr kumimoji="1" lang="ja-JP" altLang="en-US"/>
+          </a:p>
+        </p:txBody>
+      </p:sp>
+    </p:spTree>
+    <p:extLst>
+      <p:ext uri="{BB962C8B-B14F-4D97-AF65-F5344CB8AC3E}">
+        <p14:creationId xmlns:p14="http://schemas.microsoft.com/office/powerpoint/2010/main" val="1369363870"/>
       </p:ext>
     </p:extLst>
   </p:cSld>
@@ -1153,7 +1323,7 @@
           <a:p>
             <a:fld id="{72891AF1-2B75-7047-A190-2DA959576892}" type="datetime1">
               <a:rPr kumimoji="1" lang="ja-JP" altLang="en-US" smtClean="0"/>
-              <a:t>2017/9/20</a:t>
+              <a:t>2017/9/21</a:t>
             </a:fld>
             <a:endParaRPr kumimoji="1" lang="ja-JP" altLang="en-US"/>
           </a:p>
@@ -1355,7 +1525,7 @@
           <a:p>
             <a:fld id="{96724C2B-21BE-6848-BF87-F71D0A55E5C8}" type="datetime1">
               <a:rPr kumimoji="1" lang="ja-JP" altLang="en-US" smtClean="0"/>
-              <a:t>2017/9/20</a:t>
+              <a:t>2017/9/21</a:t>
             </a:fld>
             <a:endParaRPr kumimoji="1" lang="ja-JP" altLang="en-US"/>
           </a:p>
@@ -1567,7 +1737,7 @@
           <a:p>
             <a:fld id="{83760CAA-A408-C646-B5F0-3F699587A8DA}" type="datetime1">
               <a:rPr kumimoji="1" lang="ja-JP" altLang="en-US" smtClean="0"/>
-              <a:t>2017/9/20</a:t>
+              <a:t>2017/9/21</a:t>
             </a:fld>
             <a:endParaRPr kumimoji="1" lang="ja-JP" altLang="en-US"/>
           </a:p>
@@ -1784,7 +1954,7 @@
           <a:p>
             <a:fld id="{9049A358-72E7-E14C-B104-CB982AFB6FAB}" type="datetime1">
               <a:rPr kumimoji="1" lang="ja-JP" altLang="en-US" smtClean="0"/>
-              <a:t>2017/9/20</a:t>
+              <a:t>2017/9/21</a:t>
             </a:fld>
             <a:endParaRPr kumimoji="1" lang="ja-JP" altLang="en-US"/>
           </a:p>
@@ -2040,7 +2210,7 @@
           <a:p>
             <a:fld id="{8D25F37A-FA72-CA4A-A0C4-FFC03C89754F}" type="datetime1">
               <a:rPr kumimoji="1" lang="ja-JP" altLang="en-US" smtClean="0"/>
-              <a:t>2017/9/20</a:t>
+              <a:t>2017/9/21</a:t>
             </a:fld>
             <a:endParaRPr kumimoji="1" lang="ja-JP" altLang="en-US"/>
           </a:p>
@@ -2336,7 +2506,7 @@
           <a:p>
             <a:fld id="{C187D535-FC19-D041-954A-DEC0BE40E41D}" type="datetime1">
               <a:rPr kumimoji="1" lang="ja-JP" altLang="en-US" smtClean="0"/>
-              <a:t>2017/9/20</a:t>
+              <a:t>2017/9/21</a:t>
             </a:fld>
             <a:endParaRPr kumimoji="1" lang="ja-JP" altLang="en-US"/>
           </a:p>
@@ -2767,7 +2937,7 @@
           <a:p>
             <a:fld id="{A476346D-D5F5-6A47-BE85-DB1EFA9EDB0E}" type="datetime1">
               <a:rPr kumimoji="1" lang="ja-JP" altLang="en-US" smtClean="0"/>
-              <a:t>2017/9/20</a:t>
+              <a:t>2017/9/21</a:t>
             </a:fld>
             <a:endParaRPr kumimoji="1" lang="ja-JP" altLang="en-US"/>
           </a:p>
@@ -2885,7 +3055,7 @@
           <a:p>
             <a:fld id="{1CB932DE-BA58-4B40-8791-4E54EC32C520}" type="datetime1">
               <a:rPr kumimoji="1" lang="ja-JP" altLang="en-US" smtClean="0"/>
-              <a:t>2017/9/20</a:t>
+              <a:t>2017/9/21</a:t>
             </a:fld>
             <a:endParaRPr kumimoji="1" lang="ja-JP" altLang="en-US"/>
           </a:p>
@@ -2980,7 +3150,7 @@
           <a:p>
             <a:fld id="{2F77C11B-F62E-A140-8B67-CC52434B693B}" type="datetime1">
               <a:rPr kumimoji="1" lang="ja-JP" altLang="en-US" smtClean="0"/>
-              <a:t>2017/9/20</a:t>
+              <a:t>2017/9/21</a:t>
             </a:fld>
             <a:endParaRPr kumimoji="1" lang="ja-JP" altLang="en-US"/>
           </a:p>
@@ -3289,7 +3459,7 @@
           <a:p>
             <a:fld id="{A8A8FDA8-3060-9146-AFB2-41EC3C29A0DC}" type="datetime1">
               <a:rPr kumimoji="1" lang="ja-JP" altLang="en-US" smtClean="0"/>
-              <a:t>2017/9/20</a:t>
+              <a:t>2017/9/21</a:t>
             </a:fld>
             <a:endParaRPr kumimoji="1" lang="ja-JP" altLang="en-US"/>
           </a:p>
@@ -3542,7 +3712,7 @@
           <a:p>
             <a:fld id="{6B06CAE6-13F3-5944-833A-A5B0BA9E51ED}" type="datetime1">
               <a:rPr kumimoji="1" lang="ja-JP" altLang="en-US" smtClean="0"/>
-              <a:t>2017/9/20</a:t>
+              <a:t>2017/9/21</a:t>
             </a:fld>
             <a:endParaRPr kumimoji="1" lang="ja-JP" altLang="en-US"/>
           </a:p>
@@ -3790,7 +3960,7 @@
           <a:p>
             <a:fld id="{BEB601EE-1036-FB4A-A38D-8B72DD479287}" type="datetime1">
               <a:rPr lang="ja-JP" altLang="en-US" smtClean="0"/>
-              <a:t>2017/9/20</a:t>
+              <a:t>2017/9/21</a:t>
             </a:fld>
             <a:endParaRPr lang="ja-JP" altLang="en-US"/>
           </a:p>
@@ -4220,23 +4390,59 @@
           </a:bodyPr>
           <a:lstStyle/>
           <a:p>
-            <a:r>
-              <a:rPr kumimoji="1" lang="ja-JP" altLang="en-US" dirty="0" smtClean="0"/>
+            <a:pPr>
+              <a:lnSpc>
+                <a:spcPct val="150000"/>
+              </a:lnSpc>
+            </a:pPr>
+            <a:r>
+              <a:rPr kumimoji="1" lang="ja-JP" altLang="en-US" sz="3400" b="0" dirty="0" smtClean="0"/>
+              <a:t>応用ソフトウェア工学中間発表</a:t>
+            </a:r>
+            <a:r>
+              <a:rPr kumimoji="1" lang="ja-JP" altLang="en-US" sz="3400" dirty="0" smtClean="0"/>
+              <a:t/>
+            </a:r>
+            <a:br>
+              <a:rPr kumimoji="1" lang="ja-JP" altLang="en-US" sz="3400" dirty="0" smtClean="0"/>
+            </a:br>
+            <a:r>
+              <a:rPr kumimoji="1" lang="ja-JP" altLang="en-US" dirty="0" smtClean="0">
+                <a:solidFill>
+                  <a:srgbClr val="0B407C"/>
+                </a:solidFill>
+              </a:rPr>
               <a:t>座席決定さん</a:t>
             </a:r>
             <a:r>
-              <a:rPr kumimoji="1" lang="en-US" altLang="ja-JP" dirty="0" smtClean="0"/>
+              <a:rPr kumimoji="1" lang="en-US" altLang="ja-JP" dirty="0" smtClean="0">
+                <a:solidFill>
+                  <a:srgbClr val="0B407C"/>
+                </a:solidFill>
+              </a:rPr>
               <a:t> (</a:t>
             </a:r>
             <a:r>
-              <a:rPr kumimoji="1" lang="ja-JP" altLang="en-US" dirty="0" smtClean="0"/>
+              <a:rPr kumimoji="1" lang="ja-JP" altLang="en-US" dirty="0" smtClean="0">
+                <a:solidFill>
+                  <a:srgbClr val="0B407C"/>
+                </a:solidFill>
+              </a:rPr>
               <a:t>仮</a:t>
             </a:r>
             <a:r>
-              <a:rPr kumimoji="1" lang="en-US" altLang="ja-JP" dirty="0" smtClean="0"/>
+              <a:rPr kumimoji="1" lang="en-US" altLang="ja-JP" dirty="0" smtClean="0">
+                <a:solidFill>
+                  <a:srgbClr val="0B407C"/>
+                </a:solidFill>
+              </a:rPr>
               <a:t>)</a:t>
             </a:r>
-            <a:endParaRPr kumimoji="1" lang="ja-JP" altLang="en-US" dirty="0"/>
+            <a:endParaRPr kumimoji="1" lang="ja-JP" altLang="en-US" dirty="0">
+              <a:solidFill>
+                <a:srgbClr val="0B407C"/>
+              </a:solidFill>
+            </a:endParaRPr>
           </a:p>
         </p:txBody>
       </p:sp>
@@ -4252,8 +4458,8 @@
         </p:nvSpPr>
         <p:spPr>
           <a:xfrm>
-            <a:off x="1524000" y="3689122"/>
-            <a:ext cx="9144000" cy="1655762"/>
+            <a:off x="1524000" y="3689121"/>
+            <a:ext cx="9144000" cy="2747537"/>
           </a:xfrm>
         </p:spPr>
         <p:txBody>
@@ -4262,28 +4468,63 @@
           </a:bodyPr>
           <a:lstStyle/>
           <a:p>
-            <a:r>
-              <a:rPr kumimoji="1" lang="ja-JP" altLang="en-US" sz="4000" dirty="0" smtClean="0"/>
+            <a:pPr algn="r"/>
+            <a:r>
+              <a:rPr kumimoji="1" lang="en-US" altLang="ja-JP" sz="3600" dirty="0" smtClean="0"/>
+              <a:t>2017</a:t>
+            </a:r>
+            <a:r>
+              <a:rPr kumimoji="1" lang="ja-JP" altLang="en-US" sz="3600" dirty="0" smtClean="0"/>
+              <a:t>年</a:t>
+            </a:r>
+            <a:r>
+              <a:rPr kumimoji="1" lang="en-US" altLang="ja-JP" sz="3600" dirty="0" smtClean="0"/>
+              <a:t>9</a:t>
+            </a:r>
+            <a:r>
+              <a:rPr kumimoji="1" lang="ja-JP" altLang="en-US" sz="3600" dirty="0" smtClean="0"/>
+              <a:t>月</a:t>
+            </a:r>
+            <a:r>
+              <a:rPr kumimoji="1" lang="en-US" altLang="ja-JP" sz="3600" dirty="0" smtClean="0"/>
+              <a:t>21</a:t>
+            </a:r>
+            <a:r>
+              <a:rPr kumimoji="1" lang="ja-JP" altLang="en-US" sz="3600" dirty="0" smtClean="0"/>
+              <a:t>日</a:t>
+            </a:r>
+            <a:endParaRPr kumimoji="1" lang="en-US" altLang="ja-JP" sz="3600" dirty="0" smtClean="0"/>
+          </a:p>
+          <a:p>
+            <a:pPr algn="r"/>
+            <a:endParaRPr kumimoji="1" lang="en-US" altLang="ja-JP" sz="1000" dirty="0" smtClean="0"/>
+          </a:p>
+          <a:p>
+            <a:pPr algn="r"/>
+            <a:r>
+              <a:rPr kumimoji="1" lang="ja-JP" altLang="en-US" sz="2800" dirty="0" smtClean="0"/>
               <a:t>チーム：</a:t>
             </a:r>
             <a:r>
-              <a:rPr kumimoji="1" lang="en-US" altLang="ja-JP" sz="4000" dirty="0" smtClean="0"/>
+              <a:rPr kumimoji="1" lang="en-US" altLang="ja-JP" sz="2800" dirty="0" smtClean="0"/>
               <a:t>SMZL</a:t>
             </a:r>
-            <a:endParaRPr kumimoji="1" lang="ja-JP" altLang="en-US" sz="4000" dirty="0" smtClean="0"/>
-          </a:p>
-          <a:p>
-            <a:r>
-              <a:rPr kumimoji="1" lang="ja-JP" altLang="en-US" sz="3200" dirty="0" smtClean="0"/>
+            <a:endParaRPr kumimoji="1" lang="ja-JP" altLang="en-US" sz="2800" dirty="0" smtClean="0"/>
+          </a:p>
+          <a:p>
+            <a:pPr algn="r"/>
+            <a:r>
+              <a:rPr kumimoji="1" lang="ja-JP" altLang="en-US" sz="2800" dirty="0" smtClean="0"/>
               <a:t>合田亮登　多田菜南</a:t>
             </a:r>
           </a:p>
           <a:p>
-            <a:r>
-              <a:rPr kumimoji="1" lang="ja-JP" altLang="en-US" sz="3200" dirty="0" smtClean="0"/>
+            <a:pPr algn="r"/>
+            <a:r>
+              <a:rPr kumimoji="1" lang="ja-JP" altLang="en-US" sz="2800" dirty="0" smtClean="0"/>
               <a:t>藤田寛康　安光穂高</a:t>
             </a:r>
-            <a:endParaRPr kumimoji="1" lang="ja-JP" altLang="en-US" sz="3200" dirty="0"/>
+            <a:endParaRPr kumimoji="1" lang="ja-JP" altLang="en-US" sz="2800" dirty="0"/>
           </a:p>
         </p:txBody>
       </p:sp>
@@ -4340,10 +4581,18 @@
           <a:lstStyle/>
           <a:p>
             <a:r>
-              <a:rPr kumimoji="1" lang="ja-JP" altLang="en-US" dirty="0" smtClean="0"/>
+              <a:rPr kumimoji="1" lang="ja-JP" altLang="en-US" dirty="0" smtClean="0">
+                <a:solidFill>
+                  <a:srgbClr val="0B407C"/>
+                </a:solidFill>
+              </a:rPr>
               <a:t>背景</a:t>
             </a:r>
-            <a:endParaRPr kumimoji="1" lang="ja-JP" altLang="en-US" dirty="0"/>
+            <a:endParaRPr kumimoji="1" lang="ja-JP" altLang="en-US" dirty="0">
+              <a:solidFill>
+                <a:srgbClr val="0B407C"/>
+              </a:solidFill>
+            </a:endParaRPr>
           </a:p>
         </p:txBody>
       </p:sp>
@@ -4370,7 +4619,7 @@
             </a:r>
             <a:r>
               <a:rPr lang="ja-JP" altLang="en-US" sz="4000" dirty="0" smtClean="0"/>
-              <a:t>清水研究室では毎日座席をランダムに決定</a:t>
+              <a:t>清水研究室では座席が毎日ランダムに変更</a:t>
             </a:r>
             <a:endParaRPr lang="en-US" altLang="ja-JP" sz="4000" dirty="0" smtClean="0"/>
           </a:p>
@@ -4596,10 +4845,18 @@
           <a:lstStyle/>
           <a:p>
             <a:r>
-              <a:rPr kumimoji="1" lang="ja-JP" altLang="en-US" dirty="0" smtClean="0"/>
+              <a:rPr kumimoji="1" lang="ja-JP" altLang="en-US" dirty="0" smtClean="0">
+                <a:solidFill>
+                  <a:srgbClr val="0B407C"/>
+                </a:solidFill>
+              </a:rPr>
               <a:t>提案</a:t>
             </a:r>
-            <a:endParaRPr kumimoji="1" lang="ja-JP" altLang="en-US" dirty="0"/>
+            <a:endParaRPr kumimoji="1" lang="ja-JP" altLang="en-US" dirty="0">
+              <a:solidFill>
+                <a:srgbClr val="0B407C"/>
+              </a:solidFill>
+            </a:endParaRPr>
           </a:p>
         </p:txBody>
       </p:sp>
@@ -5515,6 +5772,47 @@
           <a:chExt cx="0" cy="0"/>
         </a:xfrm>
       </p:grpSpPr>
+      <p:cxnSp>
+        <p:nvCxnSpPr>
+          <p:cNvPr id="33" name="カギ線コネクタ 32"/>
+          <p:cNvCxnSpPr/>
+          <p:nvPr/>
+        </p:nvCxnSpPr>
+        <p:spPr>
+          <a:xfrm rot="5400000">
+            <a:off x="4768670" y="3235289"/>
+            <a:ext cx="1225219" cy="786831"/>
+          </a:xfrm>
+          <a:prstGeom prst="bentConnector3">
+            <a:avLst>
+              <a:gd name="adj1" fmla="val 50000"/>
+            </a:avLst>
+          </a:prstGeom>
+          <a:ln w="57150">
+            <a:solidFill>
+              <a:schemeClr val="tx1">
+                <a:lumMod val="50000"/>
+                <a:lumOff val="50000"/>
+              </a:schemeClr>
+            </a:solidFill>
+            <a:prstDash val="sysDash"/>
+          </a:ln>
+        </p:spPr>
+        <p:style>
+          <a:lnRef idx="1">
+            <a:schemeClr val="accent1"/>
+          </a:lnRef>
+          <a:fillRef idx="0">
+            <a:schemeClr val="accent1"/>
+          </a:fillRef>
+          <a:effectRef idx="0">
+            <a:schemeClr val="accent1"/>
+          </a:effectRef>
+          <a:fontRef idx="minor">
+            <a:schemeClr val="tx1"/>
+          </a:fontRef>
+        </p:style>
+      </p:cxnSp>
       <p:sp>
         <p:nvSpPr>
           <p:cNvPr id="2" name="タイトル 1"/>
@@ -5531,10 +5829,18 @@
           <a:lstStyle/>
           <a:p>
             <a:r>
-              <a:rPr kumimoji="1" lang="ja-JP" altLang="en-US" dirty="0" smtClean="0"/>
-              <a:t>システム構成</a:t>
-            </a:r>
-            <a:endParaRPr kumimoji="1" lang="ja-JP" altLang="en-US" dirty="0"/>
+              <a:rPr kumimoji="1" lang="ja-JP" altLang="en-US" dirty="0" smtClean="0">
+                <a:solidFill>
+                  <a:srgbClr val="0B407C"/>
+                </a:solidFill>
+              </a:rPr>
+              <a:t>システム構成＜案１＞</a:t>
+            </a:r>
+            <a:endParaRPr kumimoji="1" lang="ja-JP" altLang="en-US" dirty="0">
+              <a:solidFill>
+                <a:srgbClr val="0B407C"/>
+              </a:solidFill>
+            </a:endParaRPr>
           </a:p>
         </p:txBody>
       </p:sp>
@@ -5562,7 +5868,7 @@
         </p:blipFill>
         <p:spPr>
           <a:xfrm flipH="1">
-            <a:off x="3830954" y="3720006"/>
+            <a:off x="4220699" y="4149874"/>
             <a:ext cx="1260000" cy="1260000"/>
           </a:xfrm>
         </p:spPr>
@@ -5586,6 +5892,4870 @@
               <a:rPr lang="uk-UA" smtClean="0"/>
               <a:pPr/>
               <a:t>4</a:t>
+            </a:fld>
+            <a:endParaRPr lang="uk-UA"/>
+          </a:p>
+        </p:txBody>
+      </p:sp>
+      <p:pic>
+        <p:nvPicPr>
+          <p:cNvPr id="5" name="図 4"/>
+          <p:cNvPicPr>
+            <a:picLocks noChangeAspect="1"/>
+          </p:cNvPicPr>
+          <p:nvPr/>
+        </p:nvPicPr>
+        <p:blipFill>
+          <a:blip r:embed="rId4" cstate="print">
+            <a:extLst>
+              <a:ext uri="{28A0092B-C50C-407E-A947-70E740481C1C}">
+                <a14:useLocalDpi xmlns:a14="http://schemas.microsoft.com/office/drawing/2010/main"/>
+              </a:ext>
+            </a:extLst>
+          </a:blip>
+          <a:stretch>
+            <a:fillRect/>
+          </a:stretch>
+        </p:blipFill>
+        <p:spPr>
+          <a:xfrm>
+            <a:off x="431063" y="4182549"/>
+            <a:ext cx="1377412" cy="1377412"/>
+          </a:xfrm>
+          <a:prstGeom prst="rect">
+            <a:avLst/>
+          </a:prstGeom>
+        </p:spPr>
+      </p:pic>
+      <p:sp>
+        <p:nvSpPr>
+          <p:cNvPr id="6" name="三角形 5"/>
+          <p:cNvSpPr/>
+          <p:nvPr/>
+        </p:nvSpPr>
+        <p:spPr>
+          <a:xfrm>
+            <a:off x="1317703" y="4993315"/>
+            <a:ext cx="572943" cy="636894"/>
+          </a:xfrm>
+          <a:prstGeom prst="triangle">
+            <a:avLst/>
+          </a:prstGeom>
+          <a:solidFill>
+            <a:srgbClr val="EFC444"/>
+          </a:solidFill>
+          <a:ln w="38100">
+            <a:solidFill>
+              <a:schemeClr val="tx1"/>
+            </a:solidFill>
+          </a:ln>
+        </p:spPr>
+        <p:style>
+          <a:lnRef idx="2">
+            <a:schemeClr val="dk1">
+              <a:shade val="50000"/>
+            </a:schemeClr>
+          </a:lnRef>
+          <a:fillRef idx="1">
+            <a:schemeClr val="dk1"/>
+          </a:fillRef>
+          <a:effectRef idx="0">
+            <a:schemeClr val="dk1"/>
+          </a:effectRef>
+          <a:fontRef idx="minor">
+            <a:schemeClr val="lt1"/>
+          </a:fontRef>
+        </p:style>
+        <p:txBody>
+          <a:bodyPr rtlCol="0" anchor="ctr"/>
+          <a:lstStyle/>
+          <a:p>
+            <a:pPr algn="ctr"/>
+            <a:endParaRPr kumimoji="1" lang="ja-JP" altLang="en-US"/>
+          </a:p>
+        </p:txBody>
+      </p:sp>
+      <p:sp>
+        <p:nvSpPr>
+          <p:cNvPr id="7" name="円/楕円 6"/>
+          <p:cNvSpPr/>
+          <p:nvPr/>
+        </p:nvSpPr>
+        <p:spPr>
+          <a:xfrm>
+            <a:off x="1381764" y="4725992"/>
+            <a:ext cx="432000" cy="432000"/>
+          </a:xfrm>
+          <a:prstGeom prst="ellipse">
+            <a:avLst/>
+          </a:prstGeom>
+          <a:solidFill>
+            <a:srgbClr val="EFC444"/>
+          </a:solidFill>
+          <a:ln w="38100">
+            <a:solidFill>
+              <a:schemeClr val="tx1"/>
+            </a:solidFill>
+          </a:ln>
+        </p:spPr>
+        <p:style>
+          <a:lnRef idx="2">
+            <a:schemeClr val="dk1">
+              <a:shade val="50000"/>
+            </a:schemeClr>
+          </a:lnRef>
+          <a:fillRef idx="1">
+            <a:schemeClr val="dk1"/>
+          </a:fillRef>
+          <a:effectRef idx="0">
+            <a:schemeClr val="dk1"/>
+          </a:effectRef>
+          <a:fontRef idx="minor">
+            <a:schemeClr val="lt1"/>
+          </a:fontRef>
+        </p:style>
+        <p:txBody>
+          <a:bodyPr rtlCol="0" anchor="ctr"/>
+          <a:lstStyle/>
+          <a:p>
+            <a:pPr algn="ctr"/>
+            <a:endParaRPr kumimoji="1" lang="ja-JP" altLang="en-US"/>
+          </a:p>
+        </p:txBody>
+      </p:sp>
+      <p:grpSp>
+        <p:nvGrpSpPr>
+          <p:cNvPr id="35" name="図形グループ 34"/>
+          <p:cNvGrpSpPr/>
+          <p:nvPr/>
+        </p:nvGrpSpPr>
+        <p:grpSpPr>
+          <a:xfrm>
+            <a:off x="12745228" y="2957858"/>
+            <a:ext cx="2169672" cy="1130293"/>
+            <a:chOff x="8495463" y="3446683"/>
+            <a:chExt cx="2169672" cy="1130293"/>
+          </a:xfrm>
+        </p:grpSpPr>
+        <p:sp>
+          <p:nvSpPr>
+            <p:cNvPr id="16" name="正方形/長方形 15"/>
+            <p:cNvSpPr/>
+            <p:nvPr/>
+          </p:nvSpPr>
+          <p:spPr>
+            <a:xfrm>
+              <a:off x="8495463" y="3446683"/>
+              <a:ext cx="709142" cy="561680"/>
+            </a:xfrm>
+            <a:prstGeom prst="rect">
+              <a:avLst/>
+            </a:prstGeom>
+            <a:solidFill>
+              <a:schemeClr val="bg1"/>
+            </a:solidFill>
+            <a:ln w="28575">
+              <a:solidFill>
+                <a:srgbClr val="0B407C"/>
+              </a:solidFill>
+            </a:ln>
+            <a:effectLst>
+              <a:outerShdw blurRad="50800" dist="76200" dir="2700000" algn="tl" rotWithShape="0">
+                <a:prstClr val="black">
+                  <a:alpha val="40000"/>
+                </a:prstClr>
+              </a:outerShdw>
+            </a:effectLst>
+          </p:spPr>
+          <p:style>
+            <a:lnRef idx="2">
+              <a:schemeClr val="accent1">
+                <a:shade val="50000"/>
+              </a:schemeClr>
+            </a:lnRef>
+            <a:fillRef idx="1">
+              <a:schemeClr val="accent1"/>
+            </a:fillRef>
+            <a:effectRef idx="0">
+              <a:schemeClr val="accent1"/>
+            </a:effectRef>
+            <a:fontRef idx="minor">
+              <a:schemeClr val="lt1"/>
+            </a:fontRef>
+          </p:style>
+          <p:txBody>
+            <a:bodyPr rtlCol="0" anchor="ctr"/>
+            <a:lstStyle/>
+            <a:p>
+              <a:pPr algn="ctr"/>
+              <a:endParaRPr kumimoji="1" lang="ja-JP" altLang="en-US"/>
+            </a:p>
+          </p:txBody>
+        </p:sp>
+        <p:sp>
+          <p:nvSpPr>
+            <p:cNvPr id="17" name="正方形/長方形 16"/>
+            <p:cNvSpPr/>
+            <p:nvPr/>
+          </p:nvSpPr>
+          <p:spPr>
+            <a:xfrm>
+              <a:off x="8495463" y="4015296"/>
+              <a:ext cx="709142" cy="561680"/>
+            </a:xfrm>
+            <a:prstGeom prst="rect">
+              <a:avLst/>
+            </a:prstGeom>
+            <a:solidFill>
+              <a:schemeClr val="bg1"/>
+            </a:solidFill>
+            <a:ln w="28575">
+              <a:solidFill>
+                <a:srgbClr val="0B407C"/>
+              </a:solidFill>
+            </a:ln>
+            <a:effectLst>
+              <a:outerShdw blurRad="50800" dist="76200" dir="2700000" algn="tl" rotWithShape="0">
+                <a:prstClr val="black">
+                  <a:alpha val="40000"/>
+                </a:prstClr>
+              </a:outerShdw>
+            </a:effectLst>
+          </p:spPr>
+          <p:style>
+            <a:lnRef idx="2">
+              <a:schemeClr val="accent1">
+                <a:shade val="50000"/>
+              </a:schemeClr>
+            </a:lnRef>
+            <a:fillRef idx="1">
+              <a:schemeClr val="accent1"/>
+            </a:fillRef>
+            <a:effectRef idx="0">
+              <a:schemeClr val="accent1"/>
+            </a:effectRef>
+            <a:fontRef idx="minor">
+              <a:schemeClr val="lt1"/>
+            </a:fontRef>
+          </p:style>
+          <p:txBody>
+            <a:bodyPr rtlCol="0" anchor="ctr"/>
+            <a:lstStyle/>
+            <a:p>
+              <a:pPr algn="ctr"/>
+              <a:endParaRPr kumimoji="1" lang="ja-JP" altLang="en-US"/>
+            </a:p>
+          </p:txBody>
+        </p:sp>
+        <p:sp>
+          <p:nvSpPr>
+            <p:cNvPr id="18" name="正方形/長方形 17"/>
+            <p:cNvSpPr/>
+            <p:nvPr/>
+          </p:nvSpPr>
+          <p:spPr>
+            <a:xfrm>
+              <a:off x="9225728" y="3446683"/>
+              <a:ext cx="709142" cy="561680"/>
+            </a:xfrm>
+            <a:prstGeom prst="rect">
+              <a:avLst/>
+            </a:prstGeom>
+            <a:solidFill>
+              <a:srgbClr val="0B407C"/>
+            </a:solidFill>
+            <a:ln w="28575">
+              <a:solidFill>
+                <a:srgbClr val="0B407C"/>
+              </a:solidFill>
+            </a:ln>
+            <a:effectLst>
+              <a:outerShdw blurRad="50800" dist="76200" dir="2700000" algn="tl" rotWithShape="0">
+                <a:prstClr val="black">
+                  <a:alpha val="40000"/>
+                </a:prstClr>
+              </a:outerShdw>
+            </a:effectLst>
+          </p:spPr>
+          <p:style>
+            <a:lnRef idx="2">
+              <a:schemeClr val="accent1">
+                <a:shade val="50000"/>
+              </a:schemeClr>
+            </a:lnRef>
+            <a:fillRef idx="1">
+              <a:schemeClr val="accent1"/>
+            </a:fillRef>
+            <a:effectRef idx="0">
+              <a:schemeClr val="accent1"/>
+            </a:effectRef>
+            <a:fontRef idx="minor">
+              <a:schemeClr val="lt1"/>
+            </a:fontRef>
+          </p:style>
+          <p:txBody>
+            <a:bodyPr rtlCol="0" anchor="ctr"/>
+            <a:lstStyle/>
+            <a:p>
+              <a:pPr algn="ctr"/>
+              <a:r>
+                <a:rPr kumimoji="1" lang="en-US" altLang="ja-JP" dirty="0" smtClean="0">
+                  <a:solidFill>
+                    <a:schemeClr val="bg1"/>
+                  </a:solidFill>
+                </a:rPr>
+                <a:t>A</a:t>
+              </a:r>
+              <a:endParaRPr kumimoji="1" lang="ja-JP" altLang="en-US" dirty="0">
+                <a:solidFill>
+                  <a:schemeClr val="bg1"/>
+                </a:solidFill>
+              </a:endParaRPr>
+            </a:p>
+          </p:txBody>
+        </p:sp>
+        <p:sp>
+          <p:nvSpPr>
+            <p:cNvPr id="24" name="正方形/長方形 23"/>
+            <p:cNvSpPr/>
+            <p:nvPr/>
+          </p:nvSpPr>
+          <p:spPr>
+            <a:xfrm>
+              <a:off x="9227617" y="4015296"/>
+              <a:ext cx="709142" cy="561680"/>
+            </a:xfrm>
+            <a:prstGeom prst="rect">
+              <a:avLst/>
+            </a:prstGeom>
+            <a:solidFill>
+              <a:schemeClr val="bg1"/>
+            </a:solidFill>
+            <a:ln w="28575">
+              <a:solidFill>
+                <a:srgbClr val="0B407C"/>
+              </a:solidFill>
+            </a:ln>
+            <a:effectLst>
+              <a:outerShdw blurRad="50800" dist="76200" dir="2700000" algn="tl" rotWithShape="0">
+                <a:prstClr val="black">
+                  <a:alpha val="40000"/>
+                </a:prstClr>
+              </a:outerShdw>
+            </a:effectLst>
+          </p:spPr>
+          <p:style>
+            <a:lnRef idx="2">
+              <a:schemeClr val="accent1">
+                <a:shade val="50000"/>
+              </a:schemeClr>
+            </a:lnRef>
+            <a:fillRef idx="1">
+              <a:schemeClr val="accent1"/>
+            </a:fillRef>
+            <a:effectRef idx="0">
+              <a:schemeClr val="accent1"/>
+            </a:effectRef>
+            <a:fontRef idx="minor">
+              <a:schemeClr val="lt1"/>
+            </a:fontRef>
+          </p:style>
+          <p:txBody>
+            <a:bodyPr rtlCol="0" anchor="ctr"/>
+            <a:lstStyle/>
+            <a:p>
+              <a:pPr algn="ctr"/>
+              <a:endParaRPr kumimoji="1" lang="ja-JP" altLang="en-US"/>
+            </a:p>
+          </p:txBody>
+        </p:sp>
+        <p:sp>
+          <p:nvSpPr>
+            <p:cNvPr id="22" name="正方形/長方形 21"/>
+            <p:cNvSpPr/>
+            <p:nvPr/>
+          </p:nvSpPr>
+          <p:spPr>
+            <a:xfrm>
+              <a:off x="9955993" y="3446683"/>
+              <a:ext cx="709142" cy="561680"/>
+            </a:xfrm>
+            <a:prstGeom prst="rect">
+              <a:avLst/>
+            </a:prstGeom>
+            <a:solidFill>
+              <a:schemeClr val="bg1"/>
+            </a:solidFill>
+            <a:ln w="28575">
+              <a:solidFill>
+                <a:srgbClr val="0B407C"/>
+              </a:solidFill>
+            </a:ln>
+            <a:effectLst>
+              <a:outerShdw blurRad="50800" dist="76200" dir="2700000" algn="tl" rotWithShape="0">
+                <a:prstClr val="black">
+                  <a:alpha val="40000"/>
+                </a:prstClr>
+              </a:outerShdw>
+            </a:effectLst>
+          </p:spPr>
+          <p:style>
+            <a:lnRef idx="2">
+              <a:schemeClr val="accent1">
+                <a:shade val="50000"/>
+              </a:schemeClr>
+            </a:lnRef>
+            <a:fillRef idx="1">
+              <a:schemeClr val="accent1"/>
+            </a:fillRef>
+            <a:effectRef idx="0">
+              <a:schemeClr val="accent1"/>
+            </a:effectRef>
+            <a:fontRef idx="minor">
+              <a:schemeClr val="lt1"/>
+            </a:fontRef>
+          </p:style>
+          <p:txBody>
+            <a:bodyPr rtlCol="0" anchor="ctr"/>
+            <a:lstStyle/>
+            <a:p>
+              <a:pPr algn="ctr"/>
+              <a:endParaRPr kumimoji="1" lang="ja-JP" altLang="en-US"/>
+            </a:p>
+          </p:txBody>
+        </p:sp>
+        <p:sp>
+          <p:nvSpPr>
+            <p:cNvPr id="23" name="正方形/長方形 22"/>
+            <p:cNvSpPr/>
+            <p:nvPr/>
+          </p:nvSpPr>
+          <p:spPr>
+            <a:xfrm>
+              <a:off x="9955993" y="4012220"/>
+              <a:ext cx="709142" cy="561680"/>
+            </a:xfrm>
+            <a:prstGeom prst="rect">
+              <a:avLst/>
+            </a:prstGeom>
+            <a:solidFill>
+              <a:schemeClr val="bg1"/>
+            </a:solidFill>
+            <a:ln w="28575">
+              <a:solidFill>
+                <a:srgbClr val="0B407C"/>
+              </a:solidFill>
+            </a:ln>
+            <a:effectLst>
+              <a:outerShdw blurRad="50800" dist="76200" dir="2700000" algn="tl" rotWithShape="0">
+                <a:prstClr val="black">
+                  <a:alpha val="40000"/>
+                </a:prstClr>
+              </a:outerShdw>
+            </a:effectLst>
+          </p:spPr>
+          <p:style>
+            <a:lnRef idx="2">
+              <a:schemeClr val="accent1">
+                <a:shade val="50000"/>
+              </a:schemeClr>
+            </a:lnRef>
+            <a:fillRef idx="1">
+              <a:schemeClr val="accent1"/>
+            </a:fillRef>
+            <a:effectRef idx="0">
+              <a:schemeClr val="accent1"/>
+            </a:effectRef>
+            <a:fontRef idx="minor">
+              <a:schemeClr val="lt1"/>
+            </a:fontRef>
+          </p:style>
+          <p:txBody>
+            <a:bodyPr rtlCol="0" anchor="ctr"/>
+            <a:lstStyle/>
+            <a:p>
+              <a:pPr algn="ctr"/>
+              <a:endParaRPr kumimoji="1" lang="ja-JP" altLang="en-US"/>
+            </a:p>
+          </p:txBody>
+        </p:sp>
+      </p:grpSp>
+      <p:cxnSp>
+        <p:nvCxnSpPr>
+          <p:cNvPr id="39" name="直線矢印コネクタ 38"/>
+          <p:cNvCxnSpPr/>
+          <p:nvPr/>
+        </p:nvCxnSpPr>
+        <p:spPr>
+          <a:xfrm flipV="1">
+            <a:off x="2567450" y="4863957"/>
+            <a:ext cx="1558697" cy="399168"/>
+          </a:xfrm>
+          <a:prstGeom prst="straightConnector1">
+            <a:avLst/>
+          </a:prstGeom>
+          <a:ln w="63500">
+            <a:solidFill>
+              <a:schemeClr val="tx1"/>
+            </a:solidFill>
+            <a:headEnd type="arrow"/>
+            <a:tailEnd type="none"/>
+          </a:ln>
+        </p:spPr>
+        <p:style>
+          <a:lnRef idx="1">
+            <a:schemeClr val="accent1"/>
+          </a:lnRef>
+          <a:fillRef idx="0">
+            <a:schemeClr val="accent1"/>
+          </a:fillRef>
+          <a:effectRef idx="0">
+            <a:schemeClr val="accent1"/>
+          </a:effectRef>
+          <a:fontRef idx="minor">
+            <a:schemeClr val="tx1"/>
+          </a:fontRef>
+        </p:style>
+      </p:cxnSp>
+      <p:sp>
+        <p:nvSpPr>
+          <p:cNvPr id="41" name="テキスト ボックス 40"/>
+          <p:cNvSpPr txBox="1"/>
+          <p:nvPr/>
+        </p:nvSpPr>
+        <p:spPr>
+          <a:xfrm>
+            <a:off x="2962967" y="4402767"/>
+            <a:ext cx="902811" cy="523220"/>
+          </a:xfrm>
+          <a:prstGeom prst="rect">
+            <a:avLst/>
+          </a:prstGeom>
+          <a:noFill/>
+        </p:spPr>
+        <p:txBody>
+          <a:bodyPr wrap="none" rtlCol="0">
+            <a:spAutoFit/>
+          </a:bodyPr>
+          <a:lstStyle/>
+          <a:p>
+            <a:r>
+              <a:rPr kumimoji="1" lang="ja-JP" altLang="en-US" sz="2800" b="1" dirty="0" smtClean="0">
+                <a:latin typeface="07YsashisaGothicTegaki" charset="-128"/>
+                <a:ea typeface="07YsashisaGothicTegaki" charset="-128"/>
+                <a:cs typeface="07YsashisaGothicTegaki" charset="-128"/>
+              </a:rPr>
+              <a:t>撮影</a:t>
+            </a:r>
+            <a:endParaRPr kumimoji="1" lang="ja-JP" altLang="en-US" sz="2800" b="1" dirty="0">
+              <a:latin typeface="07YsashisaGothicTegaki" charset="-128"/>
+              <a:ea typeface="07YsashisaGothicTegaki" charset="-128"/>
+              <a:cs typeface="07YsashisaGothicTegaki" charset="-128"/>
+            </a:endParaRPr>
+          </a:p>
+        </p:txBody>
+      </p:sp>
+      <p:cxnSp>
+        <p:nvCxnSpPr>
+          <p:cNvPr id="42" name="直線矢印コネクタ 41"/>
+          <p:cNvCxnSpPr/>
+          <p:nvPr/>
+        </p:nvCxnSpPr>
+        <p:spPr>
+          <a:xfrm>
+            <a:off x="5670474" y="4915880"/>
+            <a:ext cx="2052000" cy="15222"/>
+          </a:xfrm>
+          <a:prstGeom prst="straightConnector1">
+            <a:avLst/>
+          </a:prstGeom>
+          <a:ln w="63500">
+            <a:solidFill>
+              <a:schemeClr val="tx1"/>
+            </a:solidFill>
+            <a:headEnd type="none"/>
+            <a:tailEnd type="arrow"/>
+          </a:ln>
+        </p:spPr>
+        <p:style>
+          <a:lnRef idx="1">
+            <a:schemeClr val="accent1"/>
+          </a:lnRef>
+          <a:fillRef idx="0">
+            <a:schemeClr val="accent1"/>
+          </a:fillRef>
+          <a:effectRef idx="0">
+            <a:schemeClr val="accent1"/>
+          </a:effectRef>
+          <a:fontRef idx="minor">
+            <a:schemeClr val="tx1"/>
+          </a:fontRef>
+        </p:style>
+      </p:cxnSp>
+      <p:sp>
+        <p:nvSpPr>
+          <p:cNvPr id="43" name="テキスト ボックス 42"/>
+          <p:cNvSpPr txBox="1"/>
+          <p:nvPr/>
+        </p:nvSpPr>
+        <p:spPr>
+          <a:xfrm flipH="1">
+            <a:off x="5727453" y="4282990"/>
+            <a:ext cx="1907612" cy="523220"/>
+          </a:xfrm>
+          <a:prstGeom prst="rect">
+            <a:avLst/>
+          </a:prstGeom>
+          <a:noFill/>
+        </p:spPr>
+        <p:txBody>
+          <a:bodyPr wrap="square" rtlCol="0">
+            <a:spAutoFit/>
+          </a:bodyPr>
+          <a:lstStyle/>
+          <a:p>
+            <a:pPr algn="ctr"/>
+            <a:r>
+              <a:rPr kumimoji="1" lang="ja-JP" altLang="en-US" sz="2800" b="1" dirty="0" smtClean="0">
+                <a:latin typeface="07YsashisaGothicTegaki" charset="-128"/>
+                <a:ea typeface="07YsashisaGothicTegaki" charset="-128"/>
+                <a:cs typeface="07YsashisaGothicTegaki" charset="-128"/>
+              </a:rPr>
+              <a:t>名前</a:t>
+            </a:r>
+            <a:r>
+              <a:rPr kumimoji="1" lang="en-US" altLang="ja-JP" sz="2800" b="1" dirty="0" smtClean="0">
+                <a:latin typeface="07YsashisaGothicTegaki" charset="-128"/>
+                <a:ea typeface="07YsashisaGothicTegaki" charset="-128"/>
+                <a:cs typeface="07YsashisaGothicTegaki" charset="-128"/>
+              </a:rPr>
+              <a:t>ID</a:t>
+            </a:r>
+            <a:endParaRPr kumimoji="1" lang="ja-JP" altLang="en-US" sz="2800" b="1" dirty="0" smtClean="0">
+              <a:latin typeface="07YsashisaGothicTegaki" charset="-128"/>
+              <a:ea typeface="07YsashisaGothicTegaki" charset="-128"/>
+              <a:cs typeface="07YsashisaGothicTegaki" charset="-128"/>
+            </a:endParaRPr>
+          </a:p>
+        </p:txBody>
+      </p:sp>
+      <p:pic>
+        <p:nvPicPr>
+          <p:cNvPr id="3" name="図 2"/>
+          <p:cNvPicPr>
+            <a:picLocks noChangeAspect="1"/>
+          </p:cNvPicPr>
+          <p:nvPr/>
+        </p:nvPicPr>
+        <p:blipFill rotWithShape="1">
+          <a:blip r:embed="rId5">
+            <a:extLst>
+              <a:ext uri="{28A0092B-C50C-407E-A947-70E740481C1C}">
+                <a14:useLocalDpi xmlns:a14="http://schemas.microsoft.com/office/drawing/2010/main" val="0"/>
+              </a:ext>
+            </a:extLst>
+          </a:blip>
+          <a:srcRect l="19112"/>
+          <a:stretch/>
+        </p:blipFill>
+        <p:spPr>
+          <a:xfrm rot="17336971">
+            <a:off x="1812511" y="4030127"/>
+            <a:ext cx="602841" cy="745282"/>
+          </a:xfrm>
+          <a:prstGeom prst="rect">
+            <a:avLst/>
+          </a:prstGeom>
+        </p:spPr>
+      </p:pic>
+      <p:sp>
+        <p:nvSpPr>
+          <p:cNvPr id="13" name="弦 12"/>
+          <p:cNvSpPr/>
+          <p:nvPr/>
+        </p:nvSpPr>
+        <p:spPr>
+          <a:xfrm rot="4520325">
+            <a:off x="-1271239" y="-808615"/>
+            <a:ext cx="914400" cy="914400"/>
+          </a:xfrm>
+          <a:prstGeom prst="chord">
+            <a:avLst>
+              <a:gd name="adj1" fmla="val 7011920"/>
+              <a:gd name="adj2" fmla="val 16200000"/>
+            </a:avLst>
+          </a:prstGeom>
+          <a:solidFill>
+            <a:srgbClr val="F4F7FF"/>
+          </a:solidFill>
+          <a:ln w="57150">
+            <a:solidFill>
+              <a:srgbClr val="0B407C"/>
+            </a:solidFill>
+          </a:ln>
+        </p:spPr>
+        <p:style>
+          <a:lnRef idx="2">
+            <a:schemeClr val="accent1">
+              <a:shade val="50000"/>
+            </a:schemeClr>
+          </a:lnRef>
+          <a:fillRef idx="1">
+            <a:schemeClr val="accent1"/>
+          </a:fillRef>
+          <a:effectRef idx="0">
+            <a:schemeClr val="accent1"/>
+          </a:effectRef>
+          <a:fontRef idx="minor">
+            <a:schemeClr val="lt1"/>
+          </a:fontRef>
+        </p:style>
+        <p:txBody>
+          <a:bodyPr rtlCol="0" anchor="ctr"/>
+          <a:lstStyle/>
+          <a:p>
+            <a:pPr algn="ctr"/>
+            <a:endParaRPr kumimoji="1" lang="ja-JP" altLang="en-US" dirty="0"/>
+          </a:p>
+        </p:txBody>
+      </p:sp>
+      <p:sp>
+        <p:nvSpPr>
+          <p:cNvPr id="19" name="正方形/長方形 18"/>
+          <p:cNvSpPr/>
+          <p:nvPr/>
+        </p:nvSpPr>
+        <p:spPr>
+          <a:xfrm>
+            <a:off x="-1449659" y="-468351"/>
+            <a:ext cx="1271239" cy="468351"/>
+          </a:xfrm>
+          <a:prstGeom prst="rect">
+            <a:avLst/>
+          </a:prstGeom>
+          <a:solidFill>
+            <a:srgbClr val="F4F7FF"/>
+          </a:solidFill>
+          <a:ln w="38100">
+            <a:solidFill>
+              <a:srgbClr val="0B407C"/>
+            </a:solidFill>
+          </a:ln>
+        </p:spPr>
+        <p:style>
+          <a:lnRef idx="2">
+            <a:schemeClr val="accent1">
+              <a:shade val="50000"/>
+            </a:schemeClr>
+          </a:lnRef>
+          <a:fillRef idx="1">
+            <a:schemeClr val="accent1"/>
+          </a:fillRef>
+          <a:effectRef idx="0">
+            <a:schemeClr val="accent1"/>
+          </a:effectRef>
+          <a:fontRef idx="minor">
+            <a:schemeClr val="lt1"/>
+          </a:fontRef>
+        </p:style>
+        <p:txBody>
+          <a:bodyPr rtlCol="0" anchor="ctr"/>
+          <a:lstStyle/>
+          <a:p>
+            <a:pPr algn="ctr"/>
+            <a:endParaRPr kumimoji="1" lang="ja-JP" altLang="en-US" dirty="0"/>
+          </a:p>
+        </p:txBody>
+      </p:sp>
+      <p:sp>
+        <p:nvSpPr>
+          <p:cNvPr id="21" name="四角形吹き出し 20"/>
+          <p:cNvSpPr/>
+          <p:nvPr/>
+        </p:nvSpPr>
+        <p:spPr>
+          <a:xfrm>
+            <a:off x="2055163" y="-1428037"/>
+            <a:ext cx="1491028" cy="612648"/>
+          </a:xfrm>
+          <a:prstGeom prst="wedgeRectCallout">
+            <a:avLst>
+              <a:gd name="adj1" fmla="val 37266"/>
+              <a:gd name="adj2" fmla="val 86066"/>
+            </a:avLst>
+          </a:prstGeom>
+          <a:solidFill>
+            <a:srgbClr val="0B407C"/>
+          </a:solidFill>
+        </p:spPr>
+        <p:style>
+          <a:lnRef idx="2">
+            <a:schemeClr val="accent1">
+              <a:shade val="50000"/>
+            </a:schemeClr>
+          </a:lnRef>
+          <a:fillRef idx="1">
+            <a:schemeClr val="accent1"/>
+          </a:fillRef>
+          <a:effectRef idx="0">
+            <a:schemeClr val="accent1"/>
+          </a:effectRef>
+          <a:fontRef idx="minor">
+            <a:schemeClr val="lt1"/>
+          </a:fontRef>
+        </p:style>
+        <p:txBody>
+          <a:bodyPr rtlCol="0" anchor="ctr"/>
+          <a:lstStyle/>
+          <a:p>
+            <a:pPr algn="ctr"/>
+            <a:r>
+              <a:rPr kumimoji="1" lang="ja-JP" altLang="en-US" sz="2400" b="1" dirty="0" smtClean="0">
+                <a:solidFill>
+                  <a:srgbClr val="F4F7FF"/>
+                </a:solidFill>
+                <a:latin typeface="07YsashisaGothicTegaki" charset="-128"/>
+                <a:ea typeface="07YsashisaGothicTegaki" charset="-128"/>
+                <a:cs typeface="07YsashisaGothicTegaki" charset="-128"/>
+              </a:rPr>
+              <a:t>人体感知</a:t>
+            </a:r>
+            <a:endParaRPr kumimoji="1" lang="ja-JP" altLang="en-US" sz="2400" b="1" dirty="0">
+              <a:solidFill>
+                <a:srgbClr val="F4F7FF"/>
+              </a:solidFill>
+              <a:latin typeface="07YsashisaGothicTegaki" charset="-128"/>
+              <a:ea typeface="07YsashisaGothicTegaki" charset="-128"/>
+              <a:cs typeface="07YsashisaGothicTegaki" charset="-128"/>
+            </a:endParaRPr>
+          </a:p>
+        </p:txBody>
+      </p:sp>
+      <p:sp>
+        <p:nvSpPr>
+          <p:cNvPr id="38" name="四角形吹き出し 37"/>
+          <p:cNvSpPr/>
+          <p:nvPr/>
+        </p:nvSpPr>
+        <p:spPr>
+          <a:xfrm>
+            <a:off x="5350030" y="-1964174"/>
+            <a:ext cx="2972347" cy="1093049"/>
+          </a:xfrm>
+          <a:prstGeom prst="wedgeRectCallout">
+            <a:avLst>
+              <a:gd name="adj1" fmla="val -48968"/>
+              <a:gd name="adj2" fmla="val 92714"/>
+            </a:avLst>
+          </a:prstGeom>
+          <a:solidFill>
+            <a:srgbClr val="0B407C"/>
+          </a:solidFill>
+        </p:spPr>
+        <p:style>
+          <a:lnRef idx="2">
+            <a:schemeClr val="accent1">
+              <a:shade val="50000"/>
+            </a:schemeClr>
+          </a:lnRef>
+          <a:fillRef idx="1">
+            <a:schemeClr val="accent1"/>
+          </a:fillRef>
+          <a:effectRef idx="0">
+            <a:schemeClr val="accent1"/>
+          </a:effectRef>
+          <a:fontRef idx="minor">
+            <a:schemeClr val="lt1"/>
+          </a:fontRef>
+        </p:style>
+        <p:txBody>
+          <a:bodyPr rtlCol="0" anchor="ctr"/>
+          <a:lstStyle/>
+          <a:p>
+            <a:pPr algn="ctr"/>
+            <a:r>
+              <a:rPr kumimoji="1" lang="ja-JP" altLang="en-US" sz="2400" b="1" dirty="0" smtClean="0">
+                <a:solidFill>
+                  <a:srgbClr val="F4F7FF"/>
+                </a:solidFill>
+                <a:latin typeface="07YsashisaGothicTegaki" charset="-128"/>
+                <a:ea typeface="07YsashisaGothicTegaki" charset="-128"/>
+                <a:cs typeface="07YsashisaGothicTegaki" charset="-128"/>
+              </a:rPr>
+              <a:t>顔認識</a:t>
+            </a:r>
+          </a:p>
+          <a:p>
+            <a:pPr algn="ctr">
+              <a:lnSpc>
+                <a:spcPct val="150000"/>
+              </a:lnSpc>
+            </a:pPr>
+            <a:r>
+              <a:rPr kumimoji="1" lang="ja-JP" altLang="en-US" sz="2400" b="1" dirty="0" smtClean="0">
+                <a:solidFill>
+                  <a:srgbClr val="F4F7FF"/>
+                </a:solidFill>
+                <a:latin typeface="07YsashisaGothicTegaki" charset="-128"/>
+                <a:ea typeface="07YsashisaGothicTegaki" charset="-128"/>
+                <a:cs typeface="07YsashisaGothicTegaki" charset="-128"/>
+              </a:rPr>
+              <a:t>（</a:t>
+            </a:r>
+            <a:r>
+              <a:rPr kumimoji="1" lang="en-US" altLang="ja-JP" sz="2400" b="1" dirty="0" smtClean="0">
+                <a:solidFill>
+                  <a:srgbClr val="F4F7FF"/>
+                </a:solidFill>
+                <a:latin typeface="07YsashisaGothicTegaki" charset="-128"/>
+                <a:ea typeface="07YsashisaGothicTegaki" charset="-128"/>
+                <a:cs typeface="07YsashisaGothicTegaki" charset="-128"/>
+              </a:rPr>
+              <a:t>CNN</a:t>
+            </a:r>
+            <a:r>
+              <a:rPr lang="en-US" altLang="ja-JP" sz="2400" b="1" dirty="0" smtClean="0">
+                <a:solidFill>
+                  <a:srgbClr val="F4F7FF"/>
+                </a:solidFill>
+                <a:latin typeface="07YsashisaGothicTegaki" charset="-128"/>
+                <a:ea typeface="07YsashisaGothicTegaki" charset="-128"/>
+                <a:cs typeface="07YsashisaGothicTegaki" charset="-128"/>
+              </a:rPr>
+              <a:t> </a:t>
+            </a:r>
+            <a:r>
+              <a:rPr kumimoji="1" lang="en-US" altLang="ja-JP" sz="2400" b="1" dirty="0" smtClean="0">
+                <a:solidFill>
+                  <a:srgbClr val="F4F7FF"/>
+                </a:solidFill>
+                <a:latin typeface="07YsashisaGothicTegaki" charset="-128"/>
+                <a:ea typeface="07YsashisaGothicTegaki" charset="-128"/>
+                <a:cs typeface="07YsashisaGothicTegaki" charset="-128"/>
+              </a:rPr>
+              <a:t>or</a:t>
+            </a:r>
+            <a:r>
+              <a:rPr lang="en-US" altLang="ja-JP" sz="2400" b="1" dirty="0">
+                <a:solidFill>
+                  <a:srgbClr val="F4F7FF"/>
+                </a:solidFill>
+                <a:latin typeface="07YsashisaGothicTegaki" charset="-128"/>
+                <a:ea typeface="07YsashisaGothicTegaki" charset="-128"/>
+                <a:cs typeface="07YsashisaGothicTegaki" charset="-128"/>
+              </a:rPr>
+              <a:t> </a:t>
+            </a:r>
+            <a:r>
+              <a:rPr kumimoji="1" lang="ja-JP" altLang="en-US" sz="2400" b="1" dirty="0" smtClean="0">
+                <a:solidFill>
+                  <a:srgbClr val="F4F7FF"/>
+                </a:solidFill>
+                <a:latin typeface="07YsashisaGothicTegaki" charset="-128"/>
+                <a:ea typeface="07YsashisaGothicTegaki" charset="-128"/>
+                <a:cs typeface="07YsashisaGothicTegaki" charset="-128"/>
+              </a:rPr>
+              <a:t>固有顔）</a:t>
+            </a:r>
+          </a:p>
+        </p:txBody>
+      </p:sp>
+      <p:sp>
+        <p:nvSpPr>
+          <p:cNvPr id="25" name="テキスト ボックス 24"/>
+          <p:cNvSpPr txBox="1"/>
+          <p:nvPr/>
+        </p:nvSpPr>
+        <p:spPr>
+          <a:xfrm>
+            <a:off x="3748432" y="6251827"/>
+            <a:ext cx="2339102" cy="461665"/>
+          </a:xfrm>
+          <a:prstGeom prst="rect">
+            <a:avLst/>
+          </a:prstGeom>
+          <a:solidFill>
+            <a:schemeClr val="bg1"/>
+          </a:solidFill>
+          <a:ln w="28575">
+            <a:solidFill>
+              <a:schemeClr val="tx1"/>
+            </a:solidFill>
+          </a:ln>
+        </p:spPr>
+        <p:txBody>
+          <a:bodyPr wrap="none" rtlCol="0" anchor="b">
+            <a:spAutoFit/>
+          </a:bodyPr>
+          <a:lstStyle/>
+          <a:p>
+            <a:r>
+              <a:rPr kumimoji="1" lang="ja-JP" altLang="en-US" sz="2400" b="1" dirty="0" smtClean="0">
+                <a:latin typeface="Hiragino Kaku Gothic Pro W3" charset="-128"/>
+                <a:ea typeface="Hiragino Kaku Gothic Pro W3" charset="-128"/>
+                <a:cs typeface="Hiragino Kaku Gothic Pro W3" charset="-128"/>
+              </a:rPr>
+              <a:t>サーバーサイド</a:t>
+            </a:r>
+            <a:endParaRPr kumimoji="1" lang="ja-JP" altLang="en-US" sz="2400" b="1" dirty="0">
+              <a:latin typeface="Hiragino Kaku Gothic Pro W3" charset="-128"/>
+              <a:ea typeface="Hiragino Kaku Gothic Pro W3" charset="-128"/>
+              <a:cs typeface="Hiragino Kaku Gothic Pro W3" charset="-128"/>
+            </a:endParaRPr>
+          </a:p>
+        </p:txBody>
+      </p:sp>
+      <p:sp>
+        <p:nvSpPr>
+          <p:cNvPr id="40" name="テキスト ボックス 39"/>
+          <p:cNvSpPr txBox="1"/>
+          <p:nvPr/>
+        </p:nvSpPr>
+        <p:spPr>
+          <a:xfrm>
+            <a:off x="8044078" y="6251827"/>
+            <a:ext cx="2954655" cy="461665"/>
+          </a:xfrm>
+          <a:prstGeom prst="rect">
+            <a:avLst/>
+          </a:prstGeom>
+          <a:solidFill>
+            <a:schemeClr val="bg1"/>
+          </a:solidFill>
+          <a:ln w="28575">
+            <a:solidFill>
+              <a:schemeClr val="tx1"/>
+            </a:solidFill>
+          </a:ln>
+        </p:spPr>
+        <p:txBody>
+          <a:bodyPr wrap="none" rtlCol="0" anchor="b">
+            <a:spAutoFit/>
+          </a:bodyPr>
+          <a:lstStyle/>
+          <a:p>
+            <a:r>
+              <a:rPr kumimoji="1" lang="ja-JP" altLang="en-US" sz="2400" b="1" smtClean="0">
+                <a:latin typeface="Hiragino Kaku Gothic Pro W3" charset="-128"/>
+                <a:ea typeface="Hiragino Kaku Gothic Pro W3" charset="-128"/>
+                <a:cs typeface="Hiragino Kaku Gothic Pro W3" charset="-128"/>
+              </a:rPr>
+              <a:t>クライアントサイド</a:t>
+            </a:r>
+            <a:endParaRPr kumimoji="1" lang="ja-JP" altLang="en-US" sz="2400" b="1" dirty="0">
+              <a:latin typeface="Hiragino Kaku Gothic Pro W3" charset="-128"/>
+              <a:ea typeface="Hiragino Kaku Gothic Pro W3" charset="-128"/>
+              <a:cs typeface="Hiragino Kaku Gothic Pro W3" charset="-128"/>
+            </a:endParaRPr>
+          </a:p>
+        </p:txBody>
+      </p:sp>
+      <p:cxnSp>
+        <p:nvCxnSpPr>
+          <p:cNvPr id="59" name="カギ線コネクタ 58"/>
+          <p:cNvCxnSpPr/>
+          <p:nvPr/>
+        </p:nvCxnSpPr>
+        <p:spPr>
+          <a:xfrm flipV="1">
+            <a:off x="2172383" y="2924655"/>
+            <a:ext cx="3259411" cy="477529"/>
+          </a:xfrm>
+          <a:prstGeom prst="bentConnector2">
+            <a:avLst/>
+          </a:prstGeom>
+          <a:ln w="57150">
+            <a:solidFill>
+              <a:schemeClr val="tx1">
+                <a:lumMod val="50000"/>
+                <a:lumOff val="50000"/>
+              </a:schemeClr>
+            </a:solidFill>
+            <a:prstDash val="sysDash"/>
+          </a:ln>
+        </p:spPr>
+        <p:style>
+          <a:lnRef idx="1">
+            <a:schemeClr val="accent1"/>
+          </a:lnRef>
+          <a:fillRef idx="0">
+            <a:schemeClr val="accent1"/>
+          </a:fillRef>
+          <a:effectRef idx="0">
+            <a:schemeClr val="accent1"/>
+          </a:effectRef>
+          <a:fontRef idx="minor">
+            <a:schemeClr val="tx1"/>
+          </a:fontRef>
+        </p:style>
+      </p:cxnSp>
+      <p:pic>
+        <p:nvPicPr>
+          <p:cNvPr id="20" name="図 19"/>
+          <p:cNvPicPr>
+            <a:picLocks noChangeAspect="1"/>
+          </p:cNvPicPr>
+          <p:nvPr/>
+        </p:nvPicPr>
+        <p:blipFill>
+          <a:blip r:embed="rId6">
+            <a:extLst>
+              <a:ext uri="{28A0092B-C50C-407E-A947-70E740481C1C}">
+                <a14:useLocalDpi xmlns:a14="http://schemas.microsoft.com/office/drawing/2010/main" val="0"/>
+              </a:ext>
+            </a:extLst>
+          </a:blip>
+          <a:stretch>
+            <a:fillRect/>
+          </a:stretch>
+        </p:blipFill>
+        <p:spPr>
+          <a:xfrm rot="11578154">
+            <a:off x="1848246" y="3417315"/>
+            <a:ext cx="923788" cy="605833"/>
+          </a:xfrm>
+          <a:prstGeom prst="rect">
+            <a:avLst/>
+          </a:prstGeom>
+        </p:spPr>
+      </p:pic>
+      <p:grpSp>
+        <p:nvGrpSpPr>
+          <p:cNvPr id="29" name="図形グループ 28"/>
+          <p:cNvGrpSpPr/>
+          <p:nvPr/>
+        </p:nvGrpSpPr>
+        <p:grpSpPr>
+          <a:xfrm>
+            <a:off x="5187534" y="2116095"/>
+            <a:ext cx="900000" cy="900000"/>
+            <a:chOff x="3185704" y="-1806980"/>
+            <a:chExt cx="900000" cy="900000"/>
+          </a:xfrm>
+        </p:grpSpPr>
+        <p:sp>
+          <p:nvSpPr>
+            <p:cNvPr id="11" name="角丸四角形吹き出し 10"/>
+            <p:cNvSpPr/>
+            <p:nvPr/>
+          </p:nvSpPr>
+          <p:spPr>
+            <a:xfrm>
+              <a:off x="3185704" y="-1806980"/>
+              <a:ext cx="900000" cy="900000"/>
+            </a:xfrm>
+            <a:prstGeom prst="wedgeRoundRectCallout">
+              <a:avLst>
+                <a:gd name="adj1" fmla="val 4339"/>
+                <a:gd name="adj2" fmla="val 38150"/>
+                <a:gd name="adj3" fmla="val 16667"/>
+              </a:avLst>
+            </a:prstGeom>
+            <a:solidFill>
+              <a:schemeClr val="bg1"/>
+            </a:solidFill>
+            <a:ln w="38100">
+              <a:solidFill>
+                <a:schemeClr val="tx1"/>
+              </a:solidFill>
+            </a:ln>
+          </p:spPr>
+          <p:style>
+            <a:lnRef idx="2">
+              <a:schemeClr val="accent1">
+                <a:shade val="50000"/>
+              </a:schemeClr>
+            </a:lnRef>
+            <a:fillRef idx="1">
+              <a:schemeClr val="accent1"/>
+            </a:fillRef>
+            <a:effectRef idx="0">
+              <a:schemeClr val="accent1"/>
+            </a:effectRef>
+            <a:fontRef idx="minor">
+              <a:schemeClr val="lt1"/>
+            </a:fontRef>
+          </p:style>
+          <p:txBody>
+            <a:bodyPr rtlCol="0" anchor="ctr"/>
+            <a:lstStyle/>
+            <a:p>
+              <a:pPr algn="ctr"/>
+              <a:endParaRPr kumimoji="1" lang="ja-JP" altLang="en-US"/>
+            </a:p>
+          </p:txBody>
+        </p:sp>
+        <p:pic>
+          <p:nvPicPr>
+            <p:cNvPr id="10" name="図 9"/>
+            <p:cNvPicPr>
+              <a:picLocks/>
+            </p:cNvPicPr>
+            <p:nvPr/>
+          </p:nvPicPr>
+          <p:blipFill>
+            <a:blip r:embed="rId7" cstate="print">
+              <a:extLst>
+                <a:ext uri="{28A0092B-C50C-407E-A947-70E740481C1C}">
+                  <a14:useLocalDpi xmlns:a14="http://schemas.microsoft.com/office/drawing/2010/main"/>
+                </a:ext>
+              </a:extLst>
+            </a:blip>
+            <a:stretch>
+              <a:fillRect/>
+            </a:stretch>
+          </p:blipFill>
+          <p:spPr>
+            <a:xfrm>
+              <a:off x="3370986" y="-1695380"/>
+              <a:ext cx="540000" cy="676800"/>
+            </a:xfrm>
+            <a:prstGeom prst="rect">
+              <a:avLst/>
+            </a:prstGeom>
+          </p:spPr>
+        </p:pic>
+      </p:grpSp>
+      <p:pic>
+        <p:nvPicPr>
+          <p:cNvPr id="44" name="図 43"/>
+          <p:cNvPicPr>
+            <a:picLocks noChangeAspect="1"/>
+          </p:cNvPicPr>
+          <p:nvPr/>
+        </p:nvPicPr>
+        <p:blipFill>
+          <a:blip r:embed="rId8">
+            <a:extLst>
+              <a:ext uri="{28A0092B-C50C-407E-A947-70E740481C1C}">
+                <a14:useLocalDpi xmlns:a14="http://schemas.microsoft.com/office/drawing/2010/main" val="0"/>
+              </a:ext>
+            </a:extLst>
+          </a:blip>
+          <a:stretch>
+            <a:fillRect/>
+          </a:stretch>
+        </p:blipFill>
+        <p:spPr>
+          <a:xfrm>
+            <a:off x="8590176" y="3670200"/>
+            <a:ext cx="2440572" cy="2402110"/>
+          </a:xfrm>
+          <a:prstGeom prst="rect">
+            <a:avLst/>
+          </a:prstGeom>
+        </p:spPr>
+      </p:pic>
+      <p:sp>
+        <p:nvSpPr>
+          <p:cNvPr id="46" name="四角形吹き出し 45"/>
+          <p:cNvSpPr/>
+          <p:nvPr/>
+        </p:nvSpPr>
+        <p:spPr>
+          <a:xfrm>
+            <a:off x="8554098" y="2447157"/>
+            <a:ext cx="1934614" cy="874223"/>
+          </a:xfrm>
+          <a:prstGeom prst="wedgeRectCallout">
+            <a:avLst>
+              <a:gd name="adj1" fmla="val 4470"/>
+              <a:gd name="adj2" fmla="val 104457"/>
+            </a:avLst>
+          </a:prstGeom>
+          <a:solidFill>
+            <a:srgbClr val="0B407C"/>
+          </a:solidFill>
+        </p:spPr>
+        <p:style>
+          <a:lnRef idx="2">
+            <a:schemeClr val="accent1">
+              <a:shade val="50000"/>
+            </a:schemeClr>
+          </a:lnRef>
+          <a:fillRef idx="1">
+            <a:schemeClr val="accent1"/>
+          </a:fillRef>
+          <a:effectRef idx="0">
+            <a:schemeClr val="accent1"/>
+          </a:effectRef>
+          <a:fontRef idx="minor">
+            <a:schemeClr val="lt1"/>
+          </a:fontRef>
+        </p:style>
+        <p:txBody>
+          <a:bodyPr rtlCol="0" anchor="ctr"/>
+          <a:lstStyle/>
+          <a:p>
+            <a:pPr algn="ctr"/>
+            <a:r>
+              <a:rPr kumimoji="1" lang="ja-JP" altLang="en-US" sz="2400" b="1" dirty="0" smtClean="0">
+                <a:solidFill>
+                  <a:srgbClr val="F4F7FF"/>
+                </a:solidFill>
+                <a:latin typeface="07YsashisaGothicTegaki" charset="-128"/>
+                <a:ea typeface="07YsashisaGothicTegaki" charset="-128"/>
+                <a:cs typeface="07YsashisaGothicTegaki" charset="-128"/>
+              </a:rPr>
+              <a:t>座席決定</a:t>
+            </a:r>
+            <a:endParaRPr kumimoji="1" lang="ja-JP" altLang="en-US" sz="2400" b="1" dirty="0">
+              <a:solidFill>
+                <a:srgbClr val="F4F7FF"/>
+              </a:solidFill>
+              <a:latin typeface="07YsashisaGothicTegaki" charset="-128"/>
+              <a:ea typeface="07YsashisaGothicTegaki" charset="-128"/>
+              <a:cs typeface="07YsashisaGothicTegaki" charset="-128"/>
+            </a:endParaRPr>
+          </a:p>
+        </p:txBody>
+      </p:sp>
+      <p:sp>
+        <p:nvSpPr>
+          <p:cNvPr id="48" name="四角形吹き出し 47"/>
+          <p:cNvSpPr/>
+          <p:nvPr/>
+        </p:nvSpPr>
+        <p:spPr>
+          <a:xfrm>
+            <a:off x="1257117" y="1854247"/>
+            <a:ext cx="3450171" cy="1118017"/>
+          </a:xfrm>
+          <a:prstGeom prst="wedgeRectCallout">
+            <a:avLst>
+              <a:gd name="adj1" fmla="val 61088"/>
+              <a:gd name="adj2" fmla="val 9710"/>
+            </a:avLst>
+          </a:prstGeom>
+          <a:solidFill>
+            <a:srgbClr val="0B407C"/>
+          </a:solidFill>
+          <a:ln>
+            <a:noFill/>
+          </a:ln>
+        </p:spPr>
+        <p:style>
+          <a:lnRef idx="2">
+            <a:schemeClr val="accent1">
+              <a:shade val="50000"/>
+            </a:schemeClr>
+          </a:lnRef>
+          <a:fillRef idx="1">
+            <a:schemeClr val="accent1"/>
+          </a:fillRef>
+          <a:effectRef idx="0">
+            <a:schemeClr val="accent1"/>
+          </a:effectRef>
+          <a:fontRef idx="minor">
+            <a:schemeClr val="lt1"/>
+          </a:fontRef>
+        </p:style>
+        <p:txBody>
+          <a:bodyPr rtlCol="0" anchor="ctr"/>
+          <a:lstStyle/>
+          <a:p>
+            <a:pPr algn="ctr">
+              <a:lnSpc>
+                <a:spcPct val="150000"/>
+              </a:lnSpc>
+            </a:pPr>
+            <a:r>
+              <a:rPr kumimoji="1" lang="ja-JP" altLang="en-US" sz="2400" b="1" dirty="0" smtClean="0">
+                <a:solidFill>
+                  <a:srgbClr val="F4F7FF"/>
+                </a:solidFill>
+                <a:latin typeface="07YsashisaGothicTegaki" charset="-128"/>
+                <a:ea typeface="07YsashisaGothicTegaki" charset="-128"/>
+                <a:cs typeface="07YsashisaGothicTegaki" charset="-128"/>
+              </a:rPr>
+              <a:t>人体感知</a:t>
+            </a:r>
+          </a:p>
+          <a:p>
+            <a:pPr algn="ctr">
+              <a:lnSpc>
+                <a:spcPct val="150000"/>
+              </a:lnSpc>
+            </a:pPr>
+            <a:r>
+              <a:rPr kumimoji="1" lang="ja-JP" altLang="en-US" sz="2400" b="1" dirty="0" smtClean="0">
+                <a:solidFill>
+                  <a:srgbClr val="F4F7FF"/>
+                </a:solidFill>
+                <a:latin typeface="07YsashisaGothicTegaki" charset="-128"/>
+                <a:ea typeface="07YsashisaGothicTegaki" charset="-128"/>
+                <a:cs typeface="07YsashisaGothicTegaki" charset="-128"/>
+              </a:rPr>
+              <a:t>顔認識</a:t>
+            </a:r>
+            <a:r>
+              <a:rPr kumimoji="1" lang="en-US" altLang="ja-JP" sz="2400" b="1" dirty="0" smtClean="0">
+                <a:solidFill>
+                  <a:srgbClr val="F4F7FF"/>
+                </a:solidFill>
+                <a:latin typeface="07YsashisaGothicTegaki" charset="-128"/>
+                <a:ea typeface="07YsashisaGothicTegaki" charset="-128"/>
+                <a:cs typeface="07YsashisaGothicTegaki" charset="-128"/>
+              </a:rPr>
+              <a:t> (</a:t>
+            </a:r>
+            <a:r>
+              <a:rPr kumimoji="1" lang="ja-JP" altLang="en-US" sz="2000" b="1" dirty="0" smtClean="0">
+                <a:solidFill>
+                  <a:srgbClr val="F4F7FF"/>
+                </a:solidFill>
+                <a:latin typeface="07YsashisaGothicTegaki" charset="-128"/>
+                <a:ea typeface="07YsashisaGothicTegaki" charset="-128"/>
+                <a:cs typeface="07YsashisaGothicTegaki" charset="-128"/>
+              </a:rPr>
+              <a:t>固有顔</a:t>
+            </a:r>
+            <a:r>
+              <a:rPr kumimoji="1" lang="en-US" altLang="ja-JP" sz="2000" b="1" dirty="0" smtClean="0">
+                <a:solidFill>
+                  <a:srgbClr val="F4F7FF"/>
+                </a:solidFill>
+                <a:latin typeface="07YsashisaGothicTegaki" charset="-128"/>
+                <a:ea typeface="07YsashisaGothicTegaki" charset="-128"/>
+                <a:cs typeface="07YsashisaGothicTegaki" charset="-128"/>
+              </a:rPr>
+              <a:t> or CNN)</a:t>
+            </a:r>
+            <a:endParaRPr kumimoji="1" lang="ja-JP" altLang="en-US" sz="2000" b="1" dirty="0">
+              <a:solidFill>
+                <a:srgbClr val="F4F7FF"/>
+              </a:solidFill>
+              <a:latin typeface="07YsashisaGothicTegaki" charset="-128"/>
+              <a:ea typeface="07YsashisaGothicTegaki" charset="-128"/>
+              <a:cs typeface="07YsashisaGothicTegaki" charset="-128"/>
+            </a:endParaRPr>
+          </a:p>
+        </p:txBody>
+      </p:sp>
+    </p:spTree>
+    <p:extLst>
+      <p:ext uri="{BB962C8B-B14F-4D97-AF65-F5344CB8AC3E}">
+        <p14:creationId xmlns:p14="http://schemas.microsoft.com/office/powerpoint/2010/main" val="935789072"/>
+      </p:ext>
+    </p:extLst>
+  </p:cSld>
+  <p:clrMapOvr>
+    <a:masterClrMapping/>
+  </p:clrMapOvr>
+  <p:timing>
+    <p:tnLst>
+      <p:par>
+        <p:cTn id="1" dur="indefinite" restart="never" nodeType="tmRoot"/>
+      </p:par>
+    </p:tnLst>
+  </p:timing>
+</p:sld>
+</file>
+
+<file path=ppt/slides/slide5.xml><?xml version="1.0" encoding="utf-8"?>
+<p:sld xmlns:a="http://schemas.openxmlformats.org/drawingml/2006/main" xmlns:r="http://schemas.openxmlformats.org/officeDocument/2006/relationships" xmlns:p="http://schemas.openxmlformats.org/presentationml/2006/main">
+  <p:cSld>
+    <p:spTree>
+      <p:nvGrpSpPr>
+        <p:cNvPr id="1" name=""/>
+        <p:cNvGrpSpPr/>
+        <p:nvPr/>
+      </p:nvGrpSpPr>
+      <p:grpSpPr>
+        <a:xfrm>
+          <a:off x="0" y="0"/>
+          <a:ext cx="0" cy="0"/>
+          <a:chOff x="0" y="0"/>
+          <a:chExt cx="0" cy="0"/>
+        </a:xfrm>
+      </p:grpSpPr>
+      <p:cxnSp>
+        <p:nvCxnSpPr>
+          <p:cNvPr id="33" name="カギ線コネクタ 32"/>
+          <p:cNvCxnSpPr/>
+          <p:nvPr/>
+        </p:nvCxnSpPr>
+        <p:spPr>
+          <a:xfrm rot="5400000">
+            <a:off x="3788630" y="3189323"/>
+            <a:ext cx="1245381" cy="584282"/>
+          </a:xfrm>
+          <a:prstGeom prst="bentConnector3">
+            <a:avLst>
+              <a:gd name="adj1" fmla="val 73863"/>
+            </a:avLst>
+          </a:prstGeom>
+          <a:ln w="57150">
+            <a:solidFill>
+              <a:schemeClr val="tx1">
+                <a:lumMod val="50000"/>
+                <a:lumOff val="50000"/>
+              </a:schemeClr>
+            </a:solidFill>
+            <a:prstDash val="sysDash"/>
+          </a:ln>
+        </p:spPr>
+        <p:style>
+          <a:lnRef idx="1">
+            <a:schemeClr val="accent1"/>
+          </a:lnRef>
+          <a:fillRef idx="0">
+            <a:schemeClr val="accent1"/>
+          </a:fillRef>
+          <a:effectRef idx="0">
+            <a:schemeClr val="accent1"/>
+          </a:effectRef>
+          <a:fontRef idx="minor">
+            <a:schemeClr val="tx1"/>
+          </a:fontRef>
+        </p:style>
+      </p:cxnSp>
+      <p:sp>
+        <p:nvSpPr>
+          <p:cNvPr id="2" name="タイトル 1"/>
+          <p:cNvSpPr>
+            <a:spLocks noGrp="1"/>
+          </p:cNvSpPr>
+          <p:nvPr>
+            <p:ph type="title"/>
+          </p:nvPr>
+        </p:nvSpPr>
+        <p:spPr/>
+        <p:txBody>
+          <a:bodyPr/>
+          <a:lstStyle/>
+          <a:p>
+            <a:r>
+              <a:rPr kumimoji="1" lang="ja-JP" altLang="en-US" dirty="0" smtClean="0">
+                <a:solidFill>
+                  <a:srgbClr val="0B407C"/>
+                </a:solidFill>
+              </a:rPr>
+              <a:t>システム構成＜案２＞</a:t>
+            </a:r>
+            <a:endParaRPr kumimoji="1" lang="ja-JP" altLang="en-US" dirty="0">
+              <a:solidFill>
+                <a:srgbClr val="0B407C"/>
+              </a:solidFill>
+            </a:endParaRPr>
+          </a:p>
+        </p:txBody>
+      </p:sp>
+      <p:pic>
+        <p:nvPicPr>
+          <p:cNvPr id="9" name="コンテンツ プレースホルダー 8"/>
+          <p:cNvPicPr>
+            <a:picLocks noGrp="1"/>
+          </p:cNvPicPr>
+          <p:nvPr>
+            <p:ph idx="1"/>
+          </p:nvPr>
+        </p:nvPicPr>
+        <p:blipFill>
+          <a:blip r:embed="rId3" cstate="print">
+            <a:extLst>
+              <a:ext uri="{28A0092B-C50C-407E-A947-70E740481C1C}">
+                <a14:useLocalDpi xmlns:a14="http://schemas.microsoft.com/office/drawing/2010/main"/>
+              </a:ext>
+            </a:extLst>
+          </a:blip>
+          <a:stretch>
+            <a:fillRect/>
+          </a:stretch>
+        </p:blipFill>
+        <p:spPr>
+          <a:xfrm flipH="1">
+            <a:off x="3489179" y="4058435"/>
+            <a:ext cx="1260000" cy="1260000"/>
+          </a:xfrm>
+        </p:spPr>
+      </p:pic>
+      <p:sp>
+        <p:nvSpPr>
+          <p:cNvPr id="4" name="スライド番号プレースホルダー 3"/>
+          <p:cNvSpPr>
+            <a:spLocks noGrp="1"/>
+          </p:cNvSpPr>
+          <p:nvPr>
+            <p:ph type="sldNum" sz="quarter" idx="12"/>
+          </p:nvPr>
+        </p:nvSpPr>
+        <p:spPr/>
+        <p:txBody>
+          <a:bodyPr/>
+          <a:lstStyle/>
+          <a:p>
+            <a:fld id="{93ADDFFC-DF84-FE49-BEBB-D585AC897F6E}" type="slidenum">
+              <a:rPr lang="uk-UA" smtClean="0"/>
+              <a:pPr/>
+              <a:t>5</a:t>
+            </a:fld>
+            <a:endParaRPr lang="uk-UA"/>
+          </a:p>
+        </p:txBody>
+      </p:sp>
+      <p:pic>
+        <p:nvPicPr>
+          <p:cNvPr id="5" name="図 4"/>
+          <p:cNvPicPr>
+            <a:picLocks noChangeAspect="1"/>
+          </p:cNvPicPr>
+          <p:nvPr/>
+        </p:nvPicPr>
+        <p:blipFill>
+          <a:blip r:embed="rId4" cstate="print">
+            <a:extLst>
+              <a:ext uri="{28A0092B-C50C-407E-A947-70E740481C1C}">
+                <a14:useLocalDpi xmlns:a14="http://schemas.microsoft.com/office/drawing/2010/main"/>
+              </a:ext>
+            </a:extLst>
+          </a:blip>
+          <a:stretch>
+            <a:fillRect/>
+          </a:stretch>
+        </p:blipFill>
+        <p:spPr>
+          <a:xfrm>
+            <a:off x="42443" y="4182550"/>
+            <a:ext cx="1377412" cy="1377412"/>
+          </a:xfrm>
+          <a:prstGeom prst="rect">
+            <a:avLst/>
+          </a:prstGeom>
+        </p:spPr>
+      </p:pic>
+      <p:sp>
+        <p:nvSpPr>
+          <p:cNvPr id="6" name="三角形 5"/>
+          <p:cNvSpPr/>
+          <p:nvPr/>
+        </p:nvSpPr>
+        <p:spPr>
+          <a:xfrm>
+            <a:off x="929083" y="4993316"/>
+            <a:ext cx="572943" cy="636894"/>
+          </a:xfrm>
+          <a:prstGeom prst="triangle">
+            <a:avLst/>
+          </a:prstGeom>
+          <a:solidFill>
+            <a:srgbClr val="EFC444"/>
+          </a:solidFill>
+          <a:ln w="38100">
+            <a:solidFill>
+              <a:schemeClr val="tx1"/>
+            </a:solidFill>
+          </a:ln>
+        </p:spPr>
+        <p:style>
+          <a:lnRef idx="2">
+            <a:schemeClr val="dk1">
+              <a:shade val="50000"/>
+            </a:schemeClr>
+          </a:lnRef>
+          <a:fillRef idx="1">
+            <a:schemeClr val="dk1"/>
+          </a:fillRef>
+          <a:effectRef idx="0">
+            <a:schemeClr val="dk1"/>
+          </a:effectRef>
+          <a:fontRef idx="minor">
+            <a:schemeClr val="lt1"/>
+          </a:fontRef>
+        </p:style>
+        <p:txBody>
+          <a:bodyPr rtlCol="0" anchor="ctr"/>
+          <a:lstStyle/>
+          <a:p>
+            <a:pPr algn="ctr"/>
+            <a:endParaRPr kumimoji="1" lang="ja-JP" altLang="en-US"/>
+          </a:p>
+        </p:txBody>
+      </p:sp>
+      <p:sp>
+        <p:nvSpPr>
+          <p:cNvPr id="7" name="円/楕円 6"/>
+          <p:cNvSpPr/>
+          <p:nvPr/>
+        </p:nvSpPr>
+        <p:spPr>
+          <a:xfrm>
+            <a:off x="993144" y="4725993"/>
+            <a:ext cx="432000" cy="432000"/>
+          </a:xfrm>
+          <a:prstGeom prst="ellipse">
+            <a:avLst/>
+          </a:prstGeom>
+          <a:solidFill>
+            <a:srgbClr val="EFC444"/>
+          </a:solidFill>
+          <a:ln w="38100">
+            <a:solidFill>
+              <a:schemeClr val="tx1"/>
+            </a:solidFill>
+          </a:ln>
+        </p:spPr>
+        <p:style>
+          <a:lnRef idx="2">
+            <a:schemeClr val="dk1">
+              <a:shade val="50000"/>
+            </a:schemeClr>
+          </a:lnRef>
+          <a:fillRef idx="1">
+            <a:schemeClr val="dk1"/>
+          </a:fillRef>
+          <a:effectRef idx="0">
+            <a:schemeClr val="dk1"/>
+          </a:effectRef>
+          <a:fontRef idx="minor">
+            <a:schemeClr val="lt1"/>
+          </a:fontRef>
+        </p:style>
+        <p:txBody>
+          <a:bodyPr rtlCol="0" anchor="ctr"/>
+          <a:lstStyle/>
+          <a:p>
+            <a:pPr algn="ctr"/>
+            <a:endParaRPr kumimoji="1" lang="ja-JP" altLang="en-US"/>
+          </a:p>
+        </p:txBody>
+      </p:sp>
+      <p:cxnSp>
+        <p:nvCxnSpPr>
+          <p:cNvPr id="39" name="直線矢印コネクタ 38"/>
+          <p:cNvCxnSpPr/>
+          <p:nvPr/>
+        </p:nvCxnSpPr>
+        <p:spPr>
+          <a:xfrm flipV="1">
+            <a:off x="1950230" y="4863958"/>
+            <a:ext cx="1558697" cy="399168"/>
+          </a:xfrm>
+          <a:prstGeom prst="straightConnector1">
+            <a:avLst/>
+          </a:prstGeom>
+          <a:ln w="63500">
+            <a:solidFill>
+              <a:schemeClr val="tx1"/>
+            </a:solidFill>
+            <a:headEnd type="arrow"/>
+            <a:tailEnd type="none"/>
+          </a:ln>
+        </p:spPr>
+        <p:style>
+          <a:lnRef idx="1">
+            <a:schemeClr val="accent1"/>
+          </a:lnRef>
+          <a:fillRef idx="0">
+            <a:schemeClr val="accent1"/>
+          </a:fillRef>
+          <a:effectRef idx="0">
+            <a:schemeClr val="accent1"/>
+          </a:effectRef>
+          <a:fontRef idx="minor">
+            <a:schemeClr val="tx1"/>
+          </a:fontRef>
+        </p:style>
+      </p:cxnSp>
+      <p:sp>
+        <p:nvSpPr>
+          <p:cNvPr id="41" name="テキスト ボックス 40"/>
+          <p:cNvSpPr txBox="1"/>
+          <p:nvPr/>
+        </p:nvSpPr>
+        <p:spPr>
+          <a:xfrm>
+            <a:off x="2345747" y="4402768"/>
+            <a:ext cx="902811" cy="523220"/>
+          </a:xfrm>
+          <a:prstGeom prst="rect">
+            <a:avLst/>
+          </a:prstGeom>
+          <a:noFill/>
+        </p:spPr>
+        <p:txBody>
+          <a:bodyPr wrap="none" rtlCol="0">
+            <a:spAutoFit/>
+          </a:bodyPr>
+          <a:lstStyle/>
+          <a:p>
+            <a:r>
+              <a:rPr kumimoji="1" lang="ja-JP" altLang="en-US" sz="2800" b="1" dirty="0" smtClean="0">
+                <a:latin typeface="07YsashisaGothicTegaki" charset="-128"/>
+                <a:ea typeface="07YsashisaGothicTegaki" charset="-128"/>
+                <a:cs typeface="07YsashisaGothicTegaki" charset="-128"/>
+              </a:rPr>
+              <a:t>撮影</a:t>
+            </a:r>
+            <a:endParaRPr kumimoji="1" lang="ja-JP" altLang="en-US" sz="2800" b="1" dirty="0">
+              <a:latin typeface="07YsashisaGothicTegaki" charset="-128"/>
+              <a:ea typeface="07YsashisaGothicTegaki" charset="-128"/>
+              <a:cs typeface="07YsashisaGothicTegaki" charset="-128"/>
+            </a:endParaRPr>
+          </a:p>
+        </p:txBody>
+      </p:sp>
+      <p:cxnSp>
+        <p:nvCxnSpPr>
+          <p:cNvPr id="42" name="直線矢印コネクタ 41"/>
+          <p:cNvCxnSpPr/>
+          <p:nvPr/>
+        </p:nvCxnSpPr>
+        <p:spPr>
+          <a:xfrm>
+            <a:off x="7753997" y="4916666"/>
+            <a:ext cx="1548000" cy="15222"/>
+          </a:xfrm>
+          <a:prstGeom prst="straightConnector1">
+            <a:avLst/>
+          </a:prstGeom>
+          <a:ln w="63500">
+            <a:solidFill>
+              <a:schemeClr val="tx1"/>
+            </a:solidFill>
+            <a:headEnd type="none"/>
+            <a:tailEnd type="arrow"/>
+          </a:ln>
+        </p:spPr>
+        <p:style>
+          <a:lnRef idx="1">
+            <a:schemeClr val="accent1"/>
+          </a:lnRef>
+          <a:fillRef idx="0">
+            <a:schemeClr val="accent1"/>
+          </a:fillRef>
+          <a:effectRef idx="0">
+            <a:schemeClr val="accent1"/>
+          </a:effectRef>
+          <a:fontRef idx="minor">
+            <a:schemeClr val="tx1"/>
+          </a:fontRef>
+        </p:style>
+      </p:cxnSp>
+      <p:sp>
+        <p:nvSpPr>
+          <p:cNvPr id="43" name="テキスト ボックス 42"/>
+          <p:cNvSpPr txBox="1"/>
+          <p:nvPr/>
+        </p:nvSpPr>
+        <p:spPr>
+          <a:xfrm flipH="1">
+            <a:off x="7551333" y="4265560"/>
+            <a:ext cx="1907612" cy="523220"/>
+          </a:xfrm>
+          <a:prstGeom prst="rect">
+            <a:avLst/>
+          </a:prstGeom>
+          <a:noFill/>
+        </p:spPr>
+        <p:txBody>
+          <a:bodyPr wrap="square" rtlCol="0">
+            <a:spAutoFit/>
+          </a:bodyPr>
+          <a:lstStyle/>
+          <a:p>
+            <a:pPr algn="ctr"/>
+            <a:r>
+              <a:rPr kumimoji="1" lang="ja-JP" altLang="en-US" sz="2800" b="1" dirty="0" smtClean="0">
+                <a:latin typeface="07YsashisaGothicTegaki" charset="-128"/>
+                <a:ea typeface="07YsashisaGothicTegaki" charset="-128"/>
+                <a:cs typeface="07YsashisaGothicTegaki" charset="-128"/>
+              </a:rPr>
+              <a:t>名前</a:t>
+            </a:r>
+            <a:r>
+              <a:rPr kumimoji="1" lang="en-US" altLang="ja-JP" sz="2800" b="1" dirty="0" smtClean="0">
+                <a:latin typeface="07YsashisaGothicTegaki" charset="-128"/>
+                <a:ea typeface="07YsashisaGothicTegaki" charset="-128"/>
+                <a:cs typeface="07YsashisaGothicTegaki" charset="-128"/>
+              </a:rPr>
+              <a:t>ID</a:t>
+            </a:r>
+            <a:endParaRPr kumimoji="1" lang="ja-JP" altLang="en-US" sz="2800" b="1" dirty="0" smtClean="0">
+              <a:latin typeface="07YsashisaGothicTegaki" charset="-128"/>
+              <a:ea typeface="07YsashisaGothicTegaki" charset="-128"/>
+              <a:cs typeface="07YsashisaGothicTegaki" charset="-128"/>
+            </a:endParaRPr>
+          </a:p>
+        </p:txBody>
+      </p:sp>
+      <p:pic>
+        <p:nvPicPr>
+          <p:cNvPr id="3" name="図 2"/>
+          <p:cNvPicPr>
+            <a:picLocks noChangeAspect="1"/>
+          </p:cNvPicPr>
+          <p:nvPr/>
+        </p:nvPicPr>
+        <p:blipFill rotWithShape="1">
+          <a:blip r:embed="rId5">
+            <a:extLst>
+              <a:ext uri="{28A0092B-C50C-407E-A947-70E740481C1C}">
+                <a14:useLocalDpi xmlns:a14="http://schemas.microsoft.com/office/drawing/2010/main" val="0"/>
+              </a:ext>
+            </a:extLst>
+          </a:blip>
+          <a:srcRect l="19112"/>
+          <a:stretch/>
+        </p:blipFill>
+        <p:spPr>
+          <a:xfrm rot="17336971">
+            <a:off x="1423891" y="4030128"/>
+            <a:ext cx="602841" cy="745282"/>
+          </a:xfrm>
+          <a:prstGeom prst="rect">
+            <a:avLst/>
+          </a:prstGeom>
+        </p:spPr>
+      </p:pic>
+      <p:sp>
+        <p:nvSpPr>
+          <p:cNvPr id="38" name="四角形吹き出し 37"/>
+          <p:cNvSpPr/>
+          <p:nvPr/>
+        </p:nvSpPr>
+        <p:spPr>
+          <a:xfrm>
+            <a:off x="6087328" y="2297218"/>
+            <a:ext cx="2972347" cy="1093049"/>
+          </a:xfrm>
+          <a:prstGeom prst="wedgeRectCallout">
+            <a:avLst>
+              <a:gd name="adj1" fmla="val -28459"/>
+              <a:gd name="adj2" fmla="val 118959"/>
+            </a:avLst>
+          </a:prstGeom>
+          <a:solidFill>
+            <a:srgbClr val="0B407C"/>
+          </a:solidFill>
+        </p:spPr>
+        <p:style>
+          <a:lnRef idx="2">
+            <a:schemeClr val="accent1">
+              <a:shade val="50000"/>
+            </a:schemeClr>
+          </a:lnRef>
+          <a:fillRef idx="1">
+            <a:schemeClr val="accent1"/>
+          </a:fillRef>
+          <a:effectRef idx="0">
+            <a:schemeClr val="accent1"/>
+          </a:effectRef>
+          <a:fontRef idx="minor">
+            <a:schemeClr val="lt1"/>
+          </a:fontRef>
+        </p:style>
+        <p:txBody>
+          <a:bodyPr rtlCol="0" anchor="ctr"/>
+          <a:lstStyle/>
+          <a:p>
+            <a:pPr algn="ctr"/>
+            <a:r>
+              <a:rPr kumimoji="1" lang="ja-JP" altLang="en-US" sz="2400" b="1" dirty="0" smtClean="0">
+                <a:solidFill>
+                  <a:srgbClr val="F4F7FF"/>
+                </a:solidFill>
+                <a:latin typeface="07YsashisaGothicTegaki" charset="-128"/>
+                <a:ea typeface="07YsashisaGothicTegaki" charset="-128"/>
+                <a:cs typeface="07YsashisaGothicTegaki" charset="-128"/>
+              </a:rPr>
+              <a:t>顔認識</a:t>
+            </a:r>
+          </a:p>
+          <a:p>
+            <a:pPr algn="ctr">
+              <a:lnSpc>
+                <a:spcPct val="150000"/>
+              </a:lnSpc>
+            </a:pPr>
+            <a:r>
+              <a:rPr lang="en-US" altLang="ja-JP" sz="2400" b="1" dirty="0" smtClean="0">
+                <a:solidFill>
+                  <a:srgbClr val="F4F7FF"/>
+                </a:solidFill>
+                <a:latin typeface="07YsashisaGothicTegaki" charset="-128"/>
+                <a:ea typeface="07YsashisaGothicTegaki" charset="-128"/>
+                <a:cs typeface="07YsashisaGothicTegaki" charset="-128"/>
+              </a:rPr>
+              <a:t>(face recognition)</a:t>
+            </a:r>
+            <a:endParaRPr kumimoji="1" lang="ja-JP" altLang="en-US" sz="2400" b="1" dirty="0" smtClean="0">
+              <a:solidFill>
+                <a:srgbClr val="F4F7FF"/>
+              </a:solidFill>
+              <a:latin typeface="07YsashisaGothicTegaki" charset="-128"/>
+              <a:ea typeface="07YsashisaGothicTegaki" charset="-128"/>
+              <a:cs typeface="07YsashisaGothicTegaki" charset="-128"/>
+            </a:endParaRPr>
+          </a:p>
+        </p:txBody>
+      </p:sp>
+      <p:sp>
+        <p:nvSpPr>
+          <p:cNvPr id="25" name="テキスト ボックス 24"/>
+          <p:cNvSpPr txBox="1"/>
+          <p:nvPr/>
+        </p:nvSpPr>
+        <p:spPr>
+          <a:xfrm>
+            <a:off x="6084404" y="6251827"/>
+            <a:ext cx="2339102" cy="461665"/>
+          </a:xfrm>
+          <a:prstGeom prst="rect">
+            <a:avLst/>
+          </a:prstGeom>
+          <a:solidFill>
+            <a:schemeClr val="bg1"/>
+          </a:solidFill>
+          <a:ln w="28575">
+            <a:solidFill>
+              <a:schemeClr val="tx1"/>
+            </a:solidFill>
+          </a:ln>
+        </p:spPr>
+        <p:txBody>
+          <a:bodyPr wrap="none" rtlCol="0" anchor="b">
+            <a:spAutoFit/>
+          </a:bodyPr>
+          <a:lstStyle/>
+          <a:p>
+            <a:r>
+              <a:rPr kumimoji="1" lang="ja-JP" altLang="en-US" sz="2400" b="1" dirty="0" smtClean="0">
+                <a:latin typeface="Hiragino Kaku Gothic Pro W3" charset="-128"/>
+                <a:ea typeface="Hiragino Kaku Gothic Pro W3" charset="-128"/>
+                <a:cs typeface="Hiragino Kaku Gothic Pro W3" charset="-128"/>
+              </a:rPr>
+              <a:t>サーバーサイド</a:t>
+            </a:r>
+            <a:endParaRPr kumimoji="1" lang="ja-JP" altLang="en-US" sz="2400" b="1" dirty="0">
+              <a:latin typeface="Hiragino Kaku Gothic Pro W3" charset="-128"/>
+              <a:ea typeface="Hiragino Kaku Gothic Pro W3" charset="-128"/>
+              <a:cs typeface="Hiragino Kaku Gothic Pro W3" charset="-128"/>
+            </a:endParaRPr>
+          </a:p>
+        </p:txBody>
+      </p:sp>
+      <p:sp>
+        <p:nvSpPr>
+          <p:cNvPr id="40" name="テキスト ボックス 39"/>
+          <p:cNvSpPr txBox="1"/>
+          <p:nvPr/>
+        </p:nvSpPr>
+        <p:spPr>
+          <a:xfrm>
+            <a:off x="9059675" y="6251828"/>
+            <a:ext cx="2954655" cy="461665"/>
+          </a:xfrm>
+          <a:prstGeom prst="rect">
+            <a:avLst/>
+          </a:prstGeom>
+          <a:solidFill>
+            <a:schemeClr val="bg1"/>
+          </a:solidFill>
+          <a:ln w="28575">
+            <a:solidFill>
+              <a:schemeClr val="tx1"/>
+            </a:solidFill>
+          </a:ln>
+        </p:spPr>
+        <p:txBody>
+          <a:bodyPr wrap="none" rtlCol="0" anchor="b">
+            <a:spAutoFit/>
+          </a:bodyPr>
+          <a:lstStyle/>
+          <a:p>
+            <a:r>
+              <a:rPr kumimoji="1" lang="ja-JP" altLang="en-US" sz="2400" b="1" smtClean="0">
+                <a:latin typeface="Hiragino Kaku Gothic Pro W3" charset="-128"/>
+                <a:ea typeface="Hiragino Kaku Gothic Pro W3" charset="-128"/>
+                <a:cs typeface="Hiragino Kaku Gothic Pro W3" charset="-128"/>
+              </a:rPr>
+              <a:t>クライアントサイド</a:t>
+            </a:r>
+            <a:endParaRPr kumimoji="1" lang="ja-JP" altLang="en-US" sz="2400" b="1" dirty="0">
+              <a:latin typeface="Hiragino Kaku Gothic Pro W3" charset="-128"/>
+              <a:ea typeface="Hiragino Kaku Gothic Pro W3" charset="-128"/>
+              <a:cs typeface="Hiragino Kaku Gothic Pro W3" charset="-128"/>
+            </a:endParaRPr>
+          </a:p>
+        </p:txBody>
+      </p:sp>
+      <p:cxnSp>
+        <p:nvCxnSpPr>
+          <p:cNvPr id="59" name="カギ線コネクタ 58"/>
+          <p:cNvCxnSpPr/>
+          <p:nvPr/>
+        </p:nvCxnSpPr>
+        <p:spPr>
+          <a:xfrm rot="5400000" flipH="1" flipV="1">
+            <a:off x="2808945" y="1899475"/>
+            <a:ext cx="454667" cy="2596471"/>
+          </a:xfrm>
+          <a:prstGeom prst="bentConnector3">
+            <a:avLst>
+              <a:gd name="adj1" fmla="val 4749"/>
+            </a:avLst>
+          </a:prstGeom>
+          <a:ln w="57150">
+            <a:solidFill>
+              <a:schemeClr val="tx1">
+                <a:lumMod val="50000"/>
+                <a:lumOff val="50000"/>
+              </a:schemeClr>
+            </a:solidFill>
+            <a:prstDash val="sysDash"/>
+          </a:ln>
+        </p:spPr>
+        <p:style>
+          <a:lnRef idx="1">
+            <a:schemeClr val="accent1"/>
+          </a:lnRef>
+          <a:fillRef idx="0">
+            <a:schemeClr val="accent1"/>
+          </a:fillRef>
+          <a:effectRef idx="0">
+            <a:schemeClr val="accent1"/>
+          </a:effectRef>
+          <a:fontRef idx="minor">
+            <a:schemeClr val="tx1"/>
+          </a:fontRef>
+        </p:style>
+      </p:cxnSp>
+      <p:pic>
+        <p:nvPicPr>
+          <p:cNvPr id="20" name="図 19"/>
+          <p:cNvPicPr>
+            <a:picLocks noChangeAspect="1"/>
+          </p:cNvPicPr>
+          <p:nvPr/>
+        </p:nvPicPr>
+        <p:blipFill>
+          <a:blip r:embed="rId6">
+            <a:extLst>
+              <a:ext uri="{28A0092B-C50C-407E-A947-70E740481C1C}">
+                <a14:useLocalDpi xmlns:a14="http://schemas.microsoft.com/office/drawing/2010/main" val="0"/>
+              </a:ext>
+            </a:extLst>
+          </a:blip>
+          <a:stretch>
+            <a:fillRect/>
+          </a:stretch>
+        </p:blipFill>
+        <p:spPr>
+          <a:xfrm rot="11578154">
+            <a:off x="1459626" y="3417316"/>
+            <a:ext cx="923788" cy="605833"/>
+          </a:xfrm>
+          <a:prstGeom prst="rect">
+            <a:avLst/>
+          </a:prstGeom>
+        </p:spPr>
+      </p:pic>
+      <p:grpSp>
+        <p:nvGrpSpPr>
+          <p:cNvPr id="29" name="図形グループ 28"/>
+          <p:cNvGrpSpPr/>
+          <p:nvPr/>
+        </p:nvGrpSpPr>
+        <p:grpSpPr>
+          <a:xfrm>
+            <a:off x="4135974" y="2070376"/>
+            <a:ext cx="900000" cy="900000"/>
+            <a:chOff x="3185704" y="-1806980"/>
+            <a:chExt cx="900000" cy="900000"/>
+          </a:xfrm>
+        </p:grpSpPr>
+        <p:sp>
+          <p:nvSpPr>
+            <p:cNvPr id="11" name="角丸四角形吹き出し 10"/>
+            <p:cNvSpPr/>
+            <p:nvPr/>
+          </p:nvSpPr>
+          <p:spPr>
+            <a:xfrm>
+              <a:off x="3185704" y="-1806980"/>
+              <a:ext cx="900000" cy="900000"/>
+            </a:xfrm>
+            <a:prstGeom prst="wedgeRoundRectCallout">
+              <a:avLst>
+                <a:gd name="adj1" fmla="val 4339"/>
+                <a:gd name="adj2" fmla="val 38150"/>
+                <a:gd name="adj3" fmla="val 16667"/>
+              </a:avLst>
+            </a:prstGeom>
+            <a:solidFill>
+              <a:schemeClr val="bg1"/>
+            </a:solidFill>
+            <a:ln w="38100">
+              <a:solidFill>
+                <a:schemeClr val="tx1"/>
+              </a:solidFill>
+            </a:ln>
+          </p:spPr>
+          <p:style>
+            <a:lnRef idx="2">
+              <a:schemeClr val="accent1">
+                <a:shade val="50000"/>
+              </a:schemeClr>
+            </a:lnRef>
+            <a:fillRef idx="1">
+              <a:schemeClr val="accent1"/>
+            </a:fillRef>
+            <a:effectRef idx="0">
+              <a:schemeClr val="accent1"/>
+            </a:effectRef>
+            <a:fontRef idx="minor">
+              <a:schemeClr val="lt1"/>
+            </a:fontRef>
+          </p:style>
+          <p:txBody>
+            <a:bodyPr rtlCol="0" anchor="ctr"/>
+            <a:lstStyle/>
+            <a:p>
+              <a:pPr algn="ctr"/>
+              <a:endParaRPr kumimoji="1" lang="ja-JP" altLang="en-US"/>
+            </a:p>
+          </p:txBody>
+        </p:sp>
+        <p:pic>
+          <p:nvPicPr>
+            <p:cNvPr id="10" name="図 9"/>
+            <p:cNvPicPr>
+              <a:picLocks/>
+            </p:cNvPicPr>
+            <p:nvPr/>
+          </p:nvPicPr>
+          <p:blipFill>
+            <a:blip r:embed="rId7" cstate="print">
+              <a:extLst>
+                <a:ext uri="{28A0092B-C50C-407E-A947-70E740481C1C}">
+                  <a14:useLocalDpi xmlns:a14="http://schemas.microsoft.com/office/drawing/2010/main"/>
+                </a:ext>
+              </a:extLst>
+            </a:blip>
+            <a:stretch>
+              <a:fillRect/>
+            </a:stretch>
+          </p:blipFill>
+          <p:spPr>
+            <a:xfrm>
+              <a:off x="3370986" y="-1695380"/>
+              <a:ext cx="540000" cy="676800"/>
+            </a:xfrm>
+            <a:prstGeom prst="rect">
+              <a:avLst/>
+            </a:prstGeom>
+          </p:spPr>
+        </p:pic>
+      </p:grpSp>
+      <p:pic>
+        <p:nvPicPr>
+          <p:cNvPr id="8" name="図 7"/>
+          <p:cNvPicPr>
+            <a:picLocks noChangeAspect="1"/>
+          </p:cNvPicPr>
+          <p:nvPr/>
+        </p:nvPicPr>
+        <p:blipFill>
+          <a:blip r:embed="rId8">
+            <a:extLst>
+              <a:ext uri="{28A0092B-C50C-407E-A947-70E740481C1C}">
+                <a14:useLocalDpi xmlns:a14="http://schemas.microsoft.com/office/drawing/2010/main" val="0"/>
+              </a:ext>
+            </a:extLst>
+          </a:blip>
+          <a:stretch>
+            <a:fillRect/>
+          </a:stretch>
+        </p:blipFill>
+        <p:spPr>
+          <a:xfrm>
+            <a:off x="9509363" y="3524938"/>
+            <a:ext cx="2440572" cy="2402110"/>
+          </a:xfrm>
+          <a:prstGeom prst="rect">
+            <a:avLst/>
+          </a:prstGeom>
+        </p:spPr>
+      </p:pic>
+      <p:pic>
+        <p:nvPicPr>
+          <p:cNvPr id="71" name="図 70"/>
+          <p:cNvPicPr>
+            <a:picLocks noChangeAspect="1"/>
+          </p:cNvPicPr>
+          <p:nvPr/>
+        </p:nvPicPr>
+        <p:blipFill>
+          <a:blip r:embed="rId9">
+            <a:extLst>
+              <a:ext uri="{28A0092B-C50C-407E-A947-70E740481C1C}">
+                <a14:useLocalDpi xmlns:a14="http://schemas.microsoft.com/office/drawing/2010/main" val="0"/>
+              </a:ext>
+            </a:extLst>
+          </a:blip>
+          <a:stretch>
+            <a:fillRect/>
+          </a:stretch>
+        </p:blipFill>
+        <p:spPr>
+          <a:xfrm>
+            <a:off x="6673779" y="4182165"/>
+            <a:ext cx="880563" cy="1177125"/>
+          </a:xfrm>
+          <a:prstGeom prst="rect">
+            <a:avLst/>
+          </a:prstGeom>
+        </p:spPr>
+      </p:pic>
+      <p:cxnSp>
+        <p:nvCxnSpPr>
+          <p:cNvPr id="72" name="直線矢印コネクタ 71"/>
+          <p:cNvCxnSpPr/>
+          <p:nvPr/>
+        </p:nvCxnSpPr>
+        <p:spPr>
+          <a:xfrm>
+            <a:off x="4868875" y="4855491"/>
+            <a:ext cx="1548000" cy="15222"/>
+          </a:xfrm>
+          <a:prstGeom prst="straightConnector1">
+            <a:avLst/>
+          </a:prstGeom>
+          <a:ln w="63500">
+            <a:solidFill>
+              <a:schemeClr val="tx1"/>
+            </a:solidFill>
+            <a:headEnd type="none"/>
+            <a:tailEnd type="arrow"/>
+          </a:ln>
+        </p:spPr>
+        <p:style>
+          <a:lnRef idx="1">
+            <a:schemeClr val="accent1"/>
+          </a:lnRef>
+          <a:fillRef idx="0">
+            <a:schemeClr val="accent1"/>
+          </a:fillRef>
+          <a:effectRef idx="0">
+            <a:schemeClr val="accent1"/>
+          </a:effectRef>
+          <a:fontRef idx="minor">
+            <a:schemeClr val="tx1"/>
+          </a:fontRef>
+        </p:style>
+      </p:cxnSp>
+      <p:sp>
+        <p:nvSpPr>
+          <p:cNvPr id="73" name="テキスト ボックス 72"/>
+          <p:cNvSpPr txBox="1"/>
+          <p:nvPr/>
+        </p:nvSpPr>
+        <p:spPr>
+          <a:xfrm flipH="1">
+            <a:off x="4666211" y="4204385"/>
+            <a:ext cx="1907612" cy="523220"/>
+          </a:xfrm>
+          <a:prstGeom prst="rect">
+            <a:avLst/>
+          </a:prstGeom>
+          <a:noFill/>
+        </p:spPr>
+        <p:txBody>
+          <a:bodyPr wrap="square" rtlCol="0">
+            <a:spAutoFit/>
+          </a:bodyPr>
+          <a:lstStyle/>
+          <a:p>
+            <a:pPr algn="ctr"/>
+            <a:r>
+              <a:rPr kumimoji="1" lang="ja-JP" altLang="en-US" sz="2800" b="1" dirty="0" smtClean="0">
+                <a:latin typeface="07YsashisaGothicTegaki" charset="-128"/>
+                <a:ea typeface="07YsashisaGothicTegaki" charset="-128"/>
+                <a:cs typeface="07YsashisaGothicTegaki" charset="-128"/>
+              </a:rPr>
+              <a:t>顔画像</a:t>
+            </a:r>
+          </a:p>
+        </p:txBody>
+      </p:sp>
+      <p:sp>
+        <p:nvSpPr>
+          <p:cNvPr id="75" name="四角形吹き出し 74"/>
+          <p:cNvSpPr/>
+          <p:nvPr/>
+        </p:nvSpPr>
+        <p:spPr>
+          <a:xfrm>
+            <a:off x="9432639" y="2447157"/>
+            <a:ext cx="1934614" cy="874223"/>
+          </a:xfrm>
+          <a:prstGeom prst="wedgeRectCallout">
+            <a:avLst>
+              <a:gd name="adj1" fmla="val 4470"/>
+              <a:gd name="adj2" fmla="val 104457"/>
+            </a:avLst>
+          </a:prstGeom>
+          <a:solidFill>
+            <a:srgbClr val="0B407C"/>
+          </a:solidFill>
+        </p:spPr>
+        <p:style>
+          <a:lnRef idx="2">
+            <a:schemeClr val="accent1">
+              <a:shade val="50000"/>
+            </a:schemeClr>
+          </a:lnRef>
+          <a:fillRef idx="1">
+            <a:schemeClr val="accent1"/>
+          </a:fillRef>
+          <a:effectRef idx="0">
+            <a:schemeClr val="accent1"/>
+          </a:effectRef>
+          <a:fontRef idx="minor">
+            <a:schemeClr val="lt1"/>
+          </a:fontRef>
+        </p:style>
+        <p:txBody>
+          <a:bodyPr rtlCol="0" anchor="ctr"/>
+          <a:lstStyle/>
+          <a:p>
+            <a:pPr algn="ctr"/>
+            <a:r>
+              <a:rPr kumimoji="1" lang="ja-JP" altLang="en-US" sz="2400" b="1" dirty="0" smtClean="0">
+                <a:solidFill>
+                  <a:srgbClr val="F4F7FF"/>
+                </a:solidFill>
+                <a:latin typeface="07YsashisaGothicTegaki" charset="-128"/>
+                <a:ea typeface="07YsashisaGothicTegaki" charset="-128"/>
+                <a:cs typeface="07YsashisaGothicTegaki" charset="-128"/>
+              </a:rPr>
+              <a:t>座席決定</a:t>
+            </a:r>
+            <a:endParaRPr kumimoji="1" lang="ja-JP" altLang="en-US" sz="2400" b="1" dirty="0">
+              <a:solidFill>
+                <a:srgbClr val="F4F7FF"/>
+              </a:solidFill>
+              <a:latin typeface="07YsashisaGothicTegaki" charset="-128"/>
+              <a:ea typeface="07YsashisaGothicTegaki" charset="-128"/>
+              <a:cs typeface="07YsashisaGothicTegaki" charset="-128"/>
+            </a:endParaRPr>
+          </a:p>
+        </p:txBody>
+      </p:sp>
+      <p:sp>
+        <p:nvSpPr>
+          <p:cNvPr id="76" name="四角形吹き出し 75"/>
+          <p:cNvSpPr/>
+          <p:nvPr/>
+        </p:nvSpPr>
+        <p:spPr>
+          <a:xfrm>
+            <a:off x="199288" y="1854247"/>
+            <a:ext cx="3450171" cy="1118017"/>
+          </a:xfrm>
+          <a:prstGeom prst="wedgeRectCallout">
+            <a:avLst>
+              <a:gd name="adj1" fmla="val 61088"/>
+              <a:gd name="adj2" fmla="val 9710"/>
+            </a:avLst>
+          </a:prstGeom>
+          <a:solidFill>
+            <a:srgbClr val="0B407C"/>
+          </a:solidFill>
+          <a:ln>
+            <a:noFill/>
+          </a:ln>
+        </p:spPr>
+        <p:style>
+          <a:lnRef idx="2">
+            <a:schemeClr val="accent1">
+              <a:shade val="50000"/>
+            </a:schemeClr>
+          </a:lnRef>
+          <a:fillRef idx="1">
+            <a:schemeClr val="accent1"/>
+          </a:fillRef>
+          <a:effectRef idx="0">
+            <a:schemeClr val="accent1"/>
+          </a:effectRef>
+          <a:fontRef idx="minor">
+            <a:schemeClr val="lt1"/>
+          </a:fontRef>
+        </p:style>
+        <p:txBody>
+          <a:bodyPr rtlCol="0" anchor="ctr"/>
+          <a:lstStyle/>
+          <a:p>
+            <a:pPr algn="ctr">
+              <a:lnSpc>
+                <a:spcPct val="150000"/>
+              </a:lnSpc>
+            </a:pPr>
+            <a:r>
+              <a:rPr kumimoji="1" lang="ja-JP" altLang="en-US" sz="2400" b="1" smtClean="0">
+                <a:solidFill>
+                  <a:srgbClr val="F4F7FF"/>
+                </a:solidFill>
+                <a:latin typeface="07YsashisaGothicTegaki" charset="-128"/>
+                <a:ea typeface="07YsashisaGothicTegaki" charset="-128"/>
+                <a:cs typeface="07YsashisaGothicTegaki" charset="-128"/>
+              </a:rPr>
+              <a:t>人体感知</a:t>
+            </a:r>
+          </a:p>
+          <a:p>
+            <a:pPr algn="ctr">
+              <a:lnSpc>
+                <a:spcPct val="150000"/>
+              </a:lnSpc>
+            </a:pPr>
+            <a:r>
+              <a:rPr kumimoji="1" lang="ja-JP" altLang="en-US" sz="2400" b="1" dirty="0" smtClean="0">
+                <a:solidFill>
+                  <a:srgbClr val="F4F7FF"/>
+                </a:solidFill>
+                <a:latin typeface="07YsashisaGothicTegaki" charset="-128"/>
+                <a:ea typeface="07YsashisaGothicTegaki" charset="-128"/>
+                <a:cs typeface="07YsashisaGothicTegaki" charset="-128"/>
+              </a:rPr>
+              <a:t>顔撮影</a:t>
+            </a:r>
+            <a:endParaRPr kumimoji="1" lang="ja-JP" altLang="en-US" sz="2000" b="1" dirty="0">
+              <a:solidFill>
+                <a:srgbClr val="F4F7FF"/>
+              </a:solidFill>
+              <a:latin typeface="07YsashisaGothicTegaki" charset="-128"/>
+              <a:ea typeface="07YsashisaGothicTegaki" charset="-128"/>
+              <a:cs typeface="07YsashisaGothicTegaki" charset="-128"/>
+            </a:endParaRPr>
+          </a:p>
+        </p:txBody>
+      </p:sp>
+    </p:spTree>
+    <p:extLst>
+      <p:ext uri="{BB962C8B-B14F-4D97-AF65-F5344CB8AC3E}">
+        <p14:creationId xmlns:p14="http://schemas.microsoft.com/office/powerpoint/2010/main" val="1223362797"/>
+      </p:ext>
+    </p:extLst>
+  </p:cSld>
+  <p:clrMapOvr>
+    <a:masterClrMapping/>
+  </p:clrMapOvr>
+  <p:timing>
+    <p:tnLst>
+      <p:par>
+        <p:cTn id="1" dur="indefinite" restart="never" nodeType="tmRoot"/>
+      </p:par>
+    </p:tnLst>
+  </p:timing>
+</p:sld>
+</file>
+
+<file path=ppt/slides/slide6.xml><?xml version="1.0" encoding="utf-8"?>
+<p:sld xmlns:a="http://schemas.openxmlformats.org/drawingml/2006/main" xmlns:r="http://schemas.openxmlformats.org/officeDocument/2006/relationships" xmlns:p="http://schemas.openxmlformats.org/presentationml/2006/main">
+  <p:cSld>
+    <p:spTree>
+      <p:nvGrpSpPr>
+        <p:cNvPr id="1" name=""/>
+        <p:cNvGrpSpPr/>
+        <p:nvPr/>
+      </p:nvGrpSpPr>
+      <p:grpSpPr>
+        <a:xfrm>
+          <a:off x="0" y="0"/>
+          <a:ext cx="0" cy="0"/>
+          <a:chOff x="0" y="0"/>
+          <a:chExt cx="0" cy="0"/>
+        </a:xfrm>
+      </p:grpSpPr>
+      <p:sp>
+        <p:nvSpPr>
+          <p:cNvPr id="2" name="タイトル 1"/>
+          <p:cNvSpPr>
+            <a:spLocks noGrp="1"/>
+          </p:cNvSpPr>
+          <p:nvPr>
+            <p:ph type="title"/>
+          </p:nvPr>
+        </p:nvSpPr>
+        <p:spPr/>
+        <p:txBody>
+          <a:bodyPr/>
+          <a:lstStyle/>
+          <a:p>
+            <a:r>
+              <a:rPr kumimoji="1" lang="ja-JP" altLang="en-US" dirty="0" smtClean="0">
+                <a:solidFill>
+                  <a:srgbClr val="0B407C"/>
+                </a:solidFill>
+              </a:rPr>
+              <a:t>要素技術</a:t>
+            </a:r>
+            <a:endParaRPr kumimoji="1" lang="ja-JP" altLang="en-US" dirty="0">
+              <a:solidFill>
+                <a:srgbClr val="0B407C"/>
+              </a:solidFill>
+            </a:endParaRPr>
+          </a:p>
+        </p:txBody>
+      </p:sp>
+      <p:sp>
+        <p:nvSpPr>
+          <p:cNvPr id="3" name="コンテンツ プレースホルダー 2"/>
+          <p:cNvSpPr>
+            <a:spLocks noGrp="1"/>
+          </p:cNvSpPr>
+          <p:nvPr>
+            <p:ph idx="1"/>
+          </p:nvPr>
+        </p:nvSpPr>
+        <p:spPr/>
+        <p:txBody>
+          <a:bodyPr/>
+          <a:lstStyle/>
+          <a:p>
+            <a:r>
+              <a:rPr kumimoji="1" lang="ja-JP" altLang="en-US" dirty="0" smtClean="0"/>
+              <a:t>顔検出</a:t>
+            </a:r>
+            <a:endParaRPr kumimoji="1" lang="en-US" altLang="ja-JP" dirty="0" smtClean="0"/>
+          </a:p>
+          <a:p>
+            <a:pPr lvl="1"/>
+            <a:r>
+              <a:rPr lang="ja-JP" altLang="en-US" dirty="0" smtClean="0"/>
+              <a:t>検出：</a:t>
+            </a:r>
+            <a:r>
+              <a:rPr lang="en-US" altLang="ja-JP" dirty="0" err="1" smtClean="0"/>
+              <a:t>OpenCV</a:t>
+            </a:r>
+            <a:endParaRPr lang="en-US" altLang="ja-JP" dirty="0" smtClean="0"/>
+          </a:p>
+          <a:p>
+            <a:r>
+              <a:rPr lang="ja-JP" altLang="en-US" dirty="0" smtClean="0"/>
+              <a:t>ユーザ認証</a:t>
+            </a:r>
+            <a:endParaRPr lang="en-US" altLang="ja-JP" dirty="0" smtClean="0"/>
+          </a:p>
+          <a:p>
+            <a:pPr lvl="1"/>
+            <a:r>
+              <a:rPr kumimoji="1" lang="ja-JP" altLang="en-US" dirty="0" smtClean="0"/>
+              <a:t>顔認識：</a:t>
+            </a:r>
+            <a:r>
+              <a:rPr kumimoji="1" lang="en-US" altLang="ja-JP" dirty="0" smtClean="0"/>
+              <a:t>Convolutional Neural Network (</a:t>
+            </a:r>
+            <a:r>
+              <a:rPr kumimoji="1" lang="en-US" altLang="ja-JP" dirty="0" err="1" smtClean="0"/>
+              <a:t>AlexNet</a:t>
+            </a:r>
+            <a:r>
+              <a:rPr kumimoji="1" lang="en-US" altLang="ja-JP" dirty="0" smtClean="0"/>
+              <a:t>)</a:t>
+            </a:r>
+          </a:p>
+          <a:p>
+            <a:pPr lvl="1"/>
+            <a:r>
+              <a:rPr lang="ja-JP" altLang="en-US" dirty="0" smtClean="0"/>
+              <a:t>（カード</a:t>
+            </a:r>
+            <a:r>
+              <a:rPr lang="ja-JP" altLang="en-US" dirty="0" smtClean="0"/>
+              <a:t>認証：</a:t>
+            </a:r>
+            <a:r>
+              <a:rPr lang="en-US" altLang="ja-JP" dirty="0" err="1" smtClean="0"/>
+              <a:t>Felica</a:t>
+            </a:r>
+            <a:r>
+              <a:rPr lang="ja-JP" altLang="en-US" dirty="0" smtClean="0"/>
+              <a:t>）</a:t>
+            </a:r>
+            <a:endParaRPr kumimoji="1" lang="en-US" altLang="ja-JP" dirty="0" smtClean="0"/>
+          </a:p>
+          <a:p>
+            <a:r>
+              <a:rPr lang="en-US" altLang="ja-JP" dirty="0" err="1" smtClean="0"/>
+              <a:t>RaspberryPi</a:t>
+            </a:r>
+            <a:r>
+              <a:rPr lang="en-US" altLang="ja-JP" dirty="0" smtClean="0"/>
+              <a:t> </a:t>
+            </a:r>
+            <a:r>
+              <a:rPr lang="mr-IN" altLang="ja-JP" dirty="0" smtClean="0"/>
+              <a:t>–</a:t>
+            </a:r>
+            <a:r>
+              <a:rPr lang="en-US" altLang="ja-JP" dirty="0" smtClean="0"/>
+              <a:t> PC</a:t>
+            </a:r>
+            <a:r>
+              <a:rPr lang="ja-JP" altLang="en-US" dirty="0" smtClean="0"/>
+              <a:t>間</a:t>
+            </a:r>
+            <a:r>
+              <a:rPr kumimoji="1" lang="ja-JP" altLang="en-US" dirty="0" smtClean="0"/>
+              <a:t>通信</a:t>
+            </a:r>
+            <a:endParaRPr kumimoji="1" lang="en-US" altLang="ja-JP" dirty="0" smtClean="0"/>
+          </a:p>
+          <a:p>
+            <a:pPr lvl="1"/>
+            <a:r>
+              <a:rPr lang="en-US" altLang="ja-JP" dirty="0" smtClean="0"/>
+              <a:t>socket: </a:t>
+            </a:r>
+            <a:r>
+              <a:rPr lang="en-US" altLang="ja-JP" dirty="0" smtClean="0"/>
+              <a:t/>
+            </a:r>
+            <a:br>
+              <a:rPr lang="en-US" altLang="ja-JP" dirty="0" smtClean="0"/>
+            </a:br>
+            <a:r>
+              <a:rPr lang="en-US" altLang="ja-JP" dirty="0" smtClean="0"/>
+              <a:t>	</a:t>
+            </a:r>
+            <a:r>
+              <a:rPr lang="en-US" altLang="ja-JP" dirty="0" smtClean="0"/>
+              <a:t>[</a:t>
+            </a:r>
+            <a:r>
+              <a:rPr lang="ja-JP" altLang="en-US" dirty="0" smtClean="0"/>
+              <a:t>送信</a:t>
+            </a:r>
+            <a:r>
+              <a:rPr lang="en-US" altLang="ja-JP" dirty="0" smtClean="0"/>
+              <a:t>] </a:t>
+            </a:r>
+            <a:r>
+              <a:rPr lang="en-US" altLang="ja-JP" dirty="0" smtClean="0"/>
+              <a:t>PC	 </a:t>
+            </a:r>
+            <a:r>
+              <a:rPr lang="en-US" altLang="ja-JP" dirty="0" smtClean="0"/>
+              <a:t>[</a:t>
+            </a:r>
+            <a:r>
+              <a:rPr lang="ja-JP" altLang="en-US" dirty="0" smtClean="0"/>
+              <a:t>受信</a:t>
+            </a:r>
+            <a:r>
+              <a:rPr lang="en-US" altLang="ja-JP" dirty="0" smtClean="0"/>
+              <a:t>] </a:t>
+            </a:r>
+            <a:r>
+              <a:rPr lang="en-US" altLang="ja-JP" dirty="0" err="1" smtClean="0"/>
+              <a:t>RaspberryPi</a:t>
+            </a:r>
+            <a:endParaRPr kumimoji="1" lang="en-US" altLang="ja-JP" dirty="0" smtClean="0"/>
+          </a:p>
+          <a:p>
+            <a:r>
+              <a:rPr lang="ja-JP" altLang="en-US" dirty="0" smtClean="0"/>
+              <a:t>ユーザインターフェース</a:t>
+            </a:r>
+            <a:endParaRPr lang="en-US" altLang="ja-JP" dirty="0" smtClean="0"/>
+          </a:p>
+          <a:p>
+            <a:pPr lvl="1"/>
+            <a:r>
+              <a:rPr kumimoji="1" lang="en-US" altLang="ja-JP" dirty="0" smtClean="0"/>
+              <a:t>GUI: pyQt5</a:t>
+            </a:r>
+            <a:endParaRPr kumimoji="1" lang="ja-JP" altLang="en-US" dirty="0"/>
+          </a:p>
+        </p:txBody>
+      </p:sp>
+      <p:sp>
+        <p:nvSpPr>
+          <p:cNvPr id="4" name="スライド番号プレースホルダー 3"/>
+          <p:cNvSpPr>
+            <a:spLocks noGrp="1"/>
+          </p:cNvSpPr>
+          <p:nvPr>
+            <p:ph type="sldNum" sz="quarter" idx="12"/>
+          </p:nvPr>
+        </p:nvSpPr>
+        <p:spPr/>
+        <p:txBody>
+          <a:bodyPr/>
+          <a:lstStyle/>
+          <a:p>
+            <a:fld id="{93ADDFFC-DF84-FE49-BEBB-D585AC897F6E}" type="slidenum">
+              <a:rPr lang="uk-UA" smtClean="0"/>
+              <a:pPr/>
+              <a:t>6</a:t>
+            </a:fld>
+            <a:endParaRPr lang="uk-UA"/>
+          </a:p>
+        </p:txBody>
+      </p:sp>
+    </p:spTree>
+    <p:extLst>
+      <p:ext uri="{BB962C8B-B14F-4D97-AF65-F5344CB8AC3E}">
+        <p14:creationId xmlns:p14="http://schemas.microsoft.com/office/powerpoint/2010/main" val="940929648"/>
+      </p:ext>
+    </p:extLst>
+  </p:cSld>
+  <p:clrMapOvr>
+    <a:masterClrMapping/>
+  </p:clrMapOvr>
+  <p:timing>
+    <p:tnLst>
+      <p:par>
+        <p:cTn id="1" dur="indefinite" restart="never" nodeType="tmRoot"/>
+      </p:par>
+    </p:tnLst>
+  </p:timing>
+</p:sld>
+</file>
+
+<file path=ppt/slides/slide7.xml><?xml version="1.0" encoding="utf-8"?>
+<p:sld xmlns:a="http://schemas.openxmlformats.org/drawingml/2006/main" xmlns:r="http://schemas.openxmlformats.org/officeDocument/2006/relationships" xmlns:p="http://schemas.openxmlformats.org/presentationml/2006/main">
+  <p:cSld>
+    <p:spTree>
+      <p:nvGrpSpPr>
+        <p:cNvPr id="1" name=""/>
+        <p:cNvGrpSpPr/>
+        <p:nvPr/>
+      </p:nvGrpSpPr>
+      <p:grpSpPr>
+        <a:xfrm>
+          <a:off x="0" y="0"/>
+          <a:ext cx="0" cy="0"/>
+          <a:chOff x="0" y="0"/>
+          <a:chExt cx="0" cy="0"/>
+        </a:xfrm>
+      </p:grpSpPr>
+      <p:sp>
+        <p:nvSpPr>
+          <p:cNvPr id="2" name="タイトル 1"/>
+          <p:cNvSpPr>
+            <a:spLocks noGrp="1"/>
+          </p:cNvSpPr>
+          <p:nvPr>
+            <p:ph type="title"/>
+          </p:nvPr>
+        </p:nvSpPr>
+        <p:spPr/>
+        <p:txBody>
+          <a:bodyPr/>
+          <a:lstStyle/>
+          <a:p>
+            <a:r>
+              <a:rPr kumimoji="1" lang="ja-JP" altLang="en-US" dirty="0" smtClean="0">
+                <a:solidFill>
+                  <a:srgbClr val="0B407C"/>
+                </a:solidFill>
+              </a:rPr>
+              <a:t>進捗</a:t>
+            </a:r>
+            <a:endParaRPr kumimoji="1" lang="ja-JP" altLang="en-US" dirty="0">
+              <a:solidFill>
+                <a:srgbClr val="0B407C"/>
+              </a:solidFill>
+            </a:endParaRPr>
+          </a:p>
+        </p:txBody>
+      </p:sp>
+      <p:sp>
+        <p:nvSpPr>
+          <p:cNvPr id="4" name="スライド番号プレースホルダー 3"/>
+          <p:cNvSpPr>
+            <a:spLocks noGrp="1"/>
+          </p:cNvSpPr>
+          <p:nvPr>
+            <p:ph type="sldNum" sz="quarter" idx="12"/>
+          </p:nvPr>
+        </p:nvSpPr>
+        <p:spPr/>
+        <p:txBody>
+          <a:bodyPr/>
+          <a:lstStyle/>
+          <a:p>
+            <a:fld id="{93ADDFFC-DF84-FE49-BEBB-D585AC897F6E}" type="slidenum">
+              <a:rPr lang="uk-UA" smtClean="0"/>
+              <a:pPr/>
+              <a:t>7</a:t>
+            </a:fld>
+            <a:endParaRPr lang="uk-UA"/>
+          </a:p>
+        </p:txBody>
+      </p:sp>
+      <p:sp>
+        <p:nvSpPr>
+          <p:cNvPr id="10" name="正方形/長方形 9"/>
+          <p:cNvSpPr/>
+          <p:nvPr/>
+        </p:nvSpPr>
+        <p:spPr>
+          <a:xfrm>
+            <a:off x="869798" y="1378459"/>
+            <a:ext cx="5329354" cy="2666571"/>
+          </a:xfrm>
+          <a:prstGeom prst="rect">
+            <a:avLst/>
+          </a:prstGeom>
+          <a:solidFill>
+            <a:schemeClr val="accent5">
+              <a:lumMod val="50000"/>
+            </a:schemeClr>
+          </a:solidFill>
+          <a:ln>
+            <a:noFill/>
+          </a:ln>
+        </p:spPr>
+        <p:style>
+          <a:lnRef idx="2">
+            <a:schemeClr val="accent1">
+              <a:shade val="50000"/>
+            </a:schemeClr>
+          </a:lnRef>
+          <a:fillRef idx="1">
+            <a:schemeClr val="accent1"/>
+          </a:fillRef>
+          <a:effectRef idx="0">
+            <a:schemeClr val="accent1"/>
+          </a:effectRef>
+          <a:fontRef idx="minor">
+            <a:schemeClr val="lt1"/>
+          </a:fontRef>
+        </p:style>
+        <p:txBody>
+          <a:bodyPr rtlCol="0" anchor="ctr"/>
+          <a:lstStyle/>
+          <a:p>
+            <a:pPr algn="ctr"/>
+            <a:endParaRPr kumimoji="1" lang="ja-JP" altLang="en-US"/>
+          </a:p>
+        </p:txBody>
+      </p:sp>
+      <p:sp>
+        <p:nvSpPr>
+          <p:cNvPr id="15" name="正方形/長方形 14"/>
+          <p:cNvSpPr/>
+          <p:nvPr/>
+        </p:nvSpPr>
+        <p:spPr>
+          <a:xfrm>
+            <a:off x="869797" y="4136579"/>
+            <a:ext cx="5329354" cy="2464943"/>
+          </a:xfrm>
+          <a:prstGeom prst="rect">
+            <a:avLst/>
+          </a:prstGeom>
+          <a:solidFill>
+            <a:schemeClr val="accent5">
+              <a:lumMod val="50000"/>
+            </a:schemeClr>
+          </a:solidFill>
+          <a:ln>
+            <a:noFill/>
+          </a:ln>
+        </p:spPr>
+        <p:style>
+          <a:lnRef idx="2">
+            <a:schemeClr val="accent1">
+              <a:shade val="50000"/>
+            </a:schemeClr>
+          </a:lnRef>
+          <a:fillRef idx="1">
+            <a:schemeClr val="accent1"/>
+          </a:fillRef>
+          <a:effectRef idx="0">
+            <a:schemeClr val="accent1"/>
+          </a:effectRef>
+          <a:fontRef idx="minor">
+            <a:schemeClr val="lt1"/>
+          </a:fontRef>
+        </p:style>
+        <p:txBody>
+          <a:bodyPr rtlCol="0" anchor="ctr"/>
+          <a:lstStyle/>
+          <a:p>
+            <a:pPr algn="ctr"/>
+            <a:endParaRPr kumimoji="1" lang="ja-JP" altLang="en-US"/>
+          </a:p>
+        </p:txBody>
+      </p:sp>
+      <p:sp>
+        <p:nvSpPr>
+          <p:cNvPr id="16" name="正方形/長方形 15"/>
+          <p:cNvSpPr/>
+          <p:nvPr/>
+        </p:nvSpPr>
+        <p:spPr>
+          <a:xfrm>
+            <a:off x="6334819" y="1378459"/>
+            <a:ext cx="5329354" cy="2666571"/>
+          </a:xfrm>
+          <a:prstGeom prst="rect">
+            <a:avLst/>
+          </a:prstGeom>
+          <a:solidFill>
+            <a:schemeClr val="accent5">
+              <a:lumMod val="50000"/>
+            </a:schemeClr>
+          </a:solidFill>
+          <a:ln>
+            <a:noFill/>
+          </a:ln>
+        </p:spPr>
+        <p:style>
+          <a:lnRef idx="2">
+            <a:schemeClr val="accent1">
+              <a:shade val="50000"/>
+            </a:schemeClr>
+          </a:lnRef>
+          <a:fillRef idx="1">
+            <a:schemeClr val="accent1"/>
+          </a:fillRef>
+          <a:effectRef idx="0">
+            <a:schemeClr val="accent1"/>
+          </a:effectRef>
+          <a:fontRef idx="minor">
+            <a:schemeClr val="lt1"/>
+          </a:fontRef>
+        </p:style>
+        <p:txBody>
+          <a:bodyPr rtlCol="0" anchor="ctr"/>
+          <a:lstStyle/>
+          <a:p>
+            <a:pPr algn="ctr"/>
+            <a:endParaRPr kumimoji="1" lang="ja-JP" altLang="en-US"/>
+          </a:p>
+        </p:txBody>
+      </p:sp>
+      <p:sp>
+        <p:nvSpPr>
+          <p:cNvPr id="17" name="正方形/長方形 16"/>
+          <p:cNvSpPr/>
+          <p:nvPr/>
+        </p:nvSpPr>
+        <p:spPr>
+          <a:xfrm>
+            <a:off x="6334818" y="4136579"/>
+            <a:ext cx="5329354" cy="2464943"/>
+          </a:xfrm>
+          <a:prstGeom prst="rect">
+            <a:avLst/>
+          </a:prstGeom>
+          <a:solidFill>
+            <a:schemeClr val="accent5">
+              <a:lumMod val="50000"/>
+            </a:schemeClr>
+          </a:solidFill>
+          <a:ln>
+            <a:noFill/>
+          </a:ln>
+        </p:spPr>
+        <p:style>
+          <a:lnRef idx="2">
+            <a:schemeClr val="accent1">
+              <a:shade val="50000"/>
+            </a:schemeClr>
+          </a:lnRef>
+          <a:fillRef idx="1">
+            <a:schemeClr val="accent1"/>
+          </a:fillRef>
+          <a:effectRef idx="0">
+            <a:schemeClr val="accent1"/>
+          </a:effectRef>
+          <a:fontRef idx="minor">
+            <a:schemeClr val="lt1"/>
+          </a:fontRef>
+        </p:style>
+        <p:txBody>
+          <a:bodyPr rtlCol="0" anchor="ctr"/>
+          <a:lstStyle/>
+          <a:p>
+            <a:pPr algn="ctr"/>
+            <a:endParaRPr kumimoji="1" lang="ja-JP" altLang="en-US"/>
+          </a:p>
+        </p:txBody>
+      </p:sp>
+      <p:sp>
+        <p:nvSpPr>
+          <p:cNvPr id="12" name="テキスト ボックス 11"/>
+          <p:cNvSpPr txBox="1"/>
+          <p:nvPr/>
+        </p:nvSpPr>
+        <p:spPr>
+          <a:xfrm>
+            <a:off x="1099827" y="1485672"/>
+            <a:ext cx="2864887" cy="2215991"/>
+          </a:xfrm>
+          <a:prstGeom prst="rect">
+            <a:avLst/>
+          </a:prstGeom>
+          <a:noFill/>
+        </p:spPr>
+        <p:txBody>
+          <a:bodyPr wrap="none" rtlCol="0">
+            <a:spAutoFit/>
+          </a:bodyPr>
+          <a:lstStyle/>
+          <a:p>
+            <a:pPr>
+              <a:spcAft>
+                <a:spcPts val="1200"/>
+              </a:spcAft>
+            </a:pPr>
+            <a:r>
+              <a:rPr kumimoji="1" lang="ja-JP" altLang="en-US" sz="2800" b="1" u="sng" dirty="0" smtClean="0">
+                <a:solidFill>
+                  <a:schemeClr val="bg1"/>
+                </a:solidFill>
+                <a:latin typeface="Meiryo" charset="-128"/>
+                <a:ea typeface="Meiryo" charset="-128"/>
+                <a:cs typeface="Meiryo" charset="-128"/>
+              </a:rPr>
+              <a:t>顔検出</a:t>
+            </a:r>
+            <a:endParaRPr kumimoji="1" lang="en-US" altLang="ja-JP" sz="2800" b="1" u="sng" dirty="0" smtClean="0">
+              <a:solidFill>
+                <a:schemeClr val="bg1"/>
+              </a:solidFill>
+              <a:latin typeface="Meiryo" charset="-128"/>
+              <a:ea typeface="Meiryo" charset="-128"/>
+              <a:cs typeface="Meiryo" charset="-128"/>
+            </a:endParaRPr>
+          </a:p>
+          <a:p>
+            <a:pPr marL="457200" indent="-457200">
+              <a:buClr>
+                <a:schemeClr val="bg1"/>
+              </a:buClr>
+              <a:buFont typeface="Wingdings" charset="2"/>
+              <a:buChar char="u"/>
+            </a:pPr>
+            <a:r>
+              <a:rPr lang="ja-JP" altLang="en-US" sz="2800" b="1" dirty="0" smtClean="0">
+                <a:solidFill>
+                  <a:schemeClr val="bg1"/>
+                </a:solidFill>
+                <a:latin typeface="Meiryo" charset="-128"/>
+                <a:ea typeface="Meiryo" charset="-128"/>
+                <a:cs typeface="Meiryo" charset="-128"/>
+              </a:rPr>
+              <a:t>進捗：</a:t>
+            </a:r>
+            <a:r>
+              <a:rPr lang="en-US" altLang="ja-JP" sz="2800" b="1" dirty="0" smtClean="0">
+                <a:solidFill>
+                  <a:schemeClr val="bg1"/>
+                </a:solidFill>
+                <a:latin typeface="Meiryo" charset="-128"/>
+                <a:ea typeface="Meiryo" charset="-128"/>
+                <a:cs typeface="Meiryo" charset="-128"/>
+              </a:rPr>
+              <a:t>100%</a:t>
+            </a:r>
+          </a:p>
+          <a:p>
+            <a:pPr marL="914400" lvl="1" indent="-457200">
+              <a:buClr>
+                <a:schemeClr val="bg1"/>
+              </a:buClr>
+              <a:buFont typeface="Wingdings" charset="2"/>
+              <a:buChar char="ü"/>
+            </a:pPr>
+            <a:r>
+              <a:rPr kumimoji="1" lang="ja-JP" altLang="en-US" sz="2400" b="1" dirty="0" smtClean="0">
+                <a:solidFill>
+                  <a:schemeClr val="bg1"/>
+                </a:solidFill>
+                <a:latin typeface="Meiryo" charset="-128"/>
+                <a:ea typeface="Meiryo" charset="-128"/>
+                <a:cs typeface="Meiryo" charset="-128"/>
+              </a:rPr>
+              <a:t>顔検出</a:t>
+            </a:r>
+            <a:endParaRPr lang="en-US" altLang="ja-JP" sz="2400" b="1" dirty="0">
+              <a:solidFill>
+                <a:schemeClr val="bg1"/>
+              </a:solidFill>
+              <a:latin typeface="Meiryo" charset="-128"/>
+              <a:ea typeface="Meiryo" charset="-128"/>
+              <a:cs typeface="Meiryo" charset="-128"/>
+            </a:endParaRPr>
+          </a:p>
+          <a:p>
+            <a:pPr marL="914400" lvl="1" indent="-457200">
+              <a:buClr>
+                <a:schemeClr val="bg1"/>
+              </a:buClr>
+              <a:buFont typeface="Wingdings" charset="2"/>
+              <a:buChar char="ü"/>
+            </a:pPr>
+            <a:r>
+              <a:rPr kumimoji="1" lang="ja-JP" altLang="en-US" sz="2400" b="1" dirty="0" smtClean="0">
+                <a:solidFill>
+                  <a:schemeClr val="bg1"/>
+                </a:solidFill>
+                <a:latin typeface="Meiryo" charset="-128"/>
+                <a:ea typeface="Meiryo" charset="-128"/>
+                <a:cs typeface="Meiryo" charset="-128"/>
+              </a:rPr>
+              <a:t>顔抽出</a:t>
+            </a:r>
+            <a:endParaRPr lang="en-US" altLang="ja-JP" sz="2400" b="1" dirty="0">
+              <a:solidFill>
+                <a:schemeClr val="bg1"/>
+              </a:solidFill>
+              <a:latin typeface="Meiryo" charset="-128"/>
+              <a:ea typeface="Meiryo" charset="-128"/>
+              <a:cs typeface="Meiryo" charset="-128"/>
+            </a:endParaRPr>
+          </a:p>
+          <a:p>
+            <a:pPr marL="914400" lvl="1" indent="-457200">
+              <a:buClr>
+                <a:schemeClr val="bg1"/>
+              </a:buClr>
+              <a:buFont typeface="Wingdings" charset="2"/>
+              <a:buChar char="ü"/>
+            </a:pPr>
+            <a:r>
+              <a:rPr kumimoji="1" lang="ja-JP" altLang="en-US" sz="2400" b="1" dirty="0" smtClean="0">
+                <a:solidFill>
+                  <a:schemeClr val="bg1"/>
+                </a:solidFill>
+                <a:latin typeface="Meiryo" charset="-128"/>
+                <a:ea typeface="Meiryo" charset="-128"/>
+                <a:cs typeface="Meiryo" charset="-128"/>
+              </a:rPr>
+              <a:t>画像生成</a:t>
+            </a:r>
+            <a:endParaRPr kumimoji="1" lang="ja-JP" altLang="en-US" sz="2400" b="1" dirty="0">
+              <a:solidFill>
+                <a:schemeClr val="bg1"/>
+              </a:solidFill>
+              <a:latin typeface="Meiryo" charset="-128"/>
+              <a:ea typeface="Meiryo" charset="-128"/>
+              <a:cs typeface="Meiryo" charset="-128"/>
+            </a:endParaRPr>
+          </a:p>
+        </p:txBody>
+      </p:sp>
+      <p:sp>
+        <p:nvSpPr>
+          <p:cNvPr id="18" name="テキスト ボックス 17"/>
+          <p:cNvSpPr txBox="1"/>
+          <p:nvPr/>
+        </p:nvSpPr>
+        <p:spPr>
+          <a:xfrm>
+            <a:off x="6487998" y="1485672"/>
+            <a:ext cx="3733714" cy="2585323"/>
+          </a:xfrm>
+          <a:prstGeom prst="rect">
+            <a:avLst/>
+          </a:prstGeom>
+          <a:noFill/>
+        </p:spPr>
+        <p:txBody>
+          <a:bodyPr wrap="none" rtlCol="0">
+            <a:spAutoFit/>
+          </a:bodyPr>
+          <a:lstStyle/>
+          <a:p>
+            <a:pPr>
+              <a:spcAft>
+                <a:spcPts val="1200"/>
+              </a:spcAft>
+            </a:pPr>
+            <a:r>
+              <a:rPr lang="ja-JP" altLang="en-US" sz="2800" b="1" u="sng" dirty="0" smtClean="0">
+                <a:solidFill>
+                  <a:schemeClr val="bg1"/>
+                </a:solidFill>
+                <a:latin typeface="Meiryo" charset="-128"/>
+                <a:ea typeface="Meiryo" charset="-128"/>
+                <a:cs typeface="Meiryo" charset="-128"/>
+              </a:rPr>
+              <a:t>ユーザ認証</a:t>
+            </a:r>
+            <a:endParaRPr lang="en-US" altLang="ja-JP" sz="2800" b="1" u="sng" dirty="0" smtClean="0">
+              <a:solidFill>
+                <a:schemeClr val="bg1"/>
+              </a:solidFill>
+              <a:latin typeface="Meiryo" charset="-128"/>
+              <a:ea typeface="Meiryo" charset="-128"/>
+              <a:cs typeface="Meiryo" charset="-128"/>
+            </a:endParaRPr>
+          </a:p>
+          <a:p>
+            <a:pPr marL="457200" indent="-457200">
+              <a:buClr>
+                <a:schemeClr val="bg1"/>
+              </a:buClr>
+              <a:buFont typeface="Wingdings" charset="2"/>
+              <a:buChar char="u"/>
+            </a:pPr>
+            <a:r>
+              <a:rPr lang="ja-JP" altLang="en-US" sz="2400" b="1" dirty="0" smtClean="0">
+                <a:solidFill>
+                  <a:schemeClr val="bg1"/>
+                </a:solidFill>
+                <a:latin typeface="Meiryo" charset="-128"/>
+                <a:ea typeface="Meiryo" charset="-128"/>
+                <a:cs typeface="Meiryo" charset="-128"/>
+              </a:rPr>
+              <a:t>進捗：</a:t>
+            </a:r>
+            <a:r>
+              <a:rPr lang="en-US" altLang="ja-JP" sz="2400" b="1" dirty="0">
+                <a:solidFill>
+                  <a:schemeClr val="bg1"/>
+                </a:solidFill>
+                <a:latin typeface="Meiryo" charset="-128"/>
+                <a:ea typeface="Meiryo" charset="-128"/>
+                <a:cs typeface="Meiryo" charset="-128"/>
+              </a:rPr>
+              <a:t>8</a:t>
+            </a:r>
+            <a:r>
+              <a:rPr lang="en-US" altLang="ja-JP" sz="2400" b="1" dirty="0" smtClean="0">
+                <a:solidFill>
+                  <a:schemeClr val="bg1"/>
+                </a:solidFill>
+                <a:latin typeface="Meiryo" charset="-128"/>
+                <a:ea typeface="Meiryo" charset="-128"/>
+                <a:cs typeface="Meiryo" charset="-128"/>
+              </a:rPr>
+              <a:t>0%</a:t>
+            </a:r>
+          </a:p>
+          <a:p>
+            <a:pPr marL="914400" lvl="1" indent="-457200">
+              <a:buClr>
+                <a:schemeClr val="bg1"/>
+              </a:buClr>
+              <a:buFont typeface="Wingdings" charset="2"/>
+              <a:buChar char="ü"/>
+            </a:pPr>
+            <a:r>
+              <a:rPr lang="ja-JP" altLang="en-US" sz="2400" b="1" dirty="0" smtClean="0">
+                <a:solidFill>
+                  <a:schemeClr val="bg1"/>
+                </a:solidFill>
+                <a:latin typeface="Meiryo" charset="-128"/>
+                <a:ea typeface="Meiryo" charset="-128"/>
+                <a:cs typeface="Meiryo" charset="-128"/>
+              </a:rPr>
+              <a:t>固有顔法</a:t>
+            </a:r>
+            <a:endParaRPr lang="en-US" altLang="ja-JP" sz="2400" b="1" dirty="0" smtClean="0">
+              <a:solidFill>
+                <a:schemeClr val="bg1"/>
+              </a:solidFill>
+              <a:latin typeface="Meiryo" charset="-128"/>
+              <a:ea typeface="Meiryo" charset="-128"/>
+              <a:cs typeface="Meiryo" charset="-128"/>
+            </a:endParaRPr>
+          </a:p>
+          <a:p>
+            <a:pPr marL="914400" lvl="1" indent="-457200">
+              <a:buClr>
+                <a:schemeClr val="bg1"/>
+              </a:buClr>
+              <a:buFont typeface="Wingdings" charset="2"/>
+              <a:buChar char="ü"/>
+            </a:pPr>
+            <a:r>
+              <a:rPr lang="en-US" altLang="ja-JP" sz="2400" b="1" dirty="0" smtClean="0">
+                <a:solidFill>
+                  <a:schemeClr val="bg1"/>
+                </a:solidFill>
+                <a:latin typeface="Meiryo" charset="-128"/>
+                <a:ea typeface="Meiryo" charset="-128"/>
+                <a:cs typeface="Meiryo" charset="-128"/>
+              </a:rPr>
+              <a:t>CNN</a:t>
+            </a:r>
+          </a:p>
+          <a:p>
+            <a:pPr marL="914400" lvl="1" indent="-457200">
+              <a:buClr>
+                <a:schemeClr val="bg1"/>
+              </a:buClr>
+              <a:buFont typeface="Wingdings" charset="2"/>
+              <a:buChar char="p"/>
+            </a:pPr>
+            <a:r>
+              <a:rPr lang="en-US" altLang="ja-JP" sz="2400" b="1" dirty="0" smtClean="0">
+                <a:solidFill>
+                  <a:schemeClr val="bg1"/>
+                </a:solidFill>
+                <a:latin typeface="Meiryo" charset="-128"/>
+                <a:ea typeface="Meiryo" charset="-128"/>
+                <a:cs typeface="Meiryo" charset="-128"/>
+              </a:rPr>
+              <a:t>face recognition</a:t>
+            </a:r>
+          </a:p>
+          <a:p>
+            <a:pPr marL="914400" lvl="1" indent="-457200">
+              <a:buClr>
+                <a:schemeClr val="bg1"/>
+              </a:buClr>
+              <a:buFont typeface="Wingdings" charset="2"/>
+              <a:buChar char="p"/>
+            </a:pPr>
+            <a:r>
+              <a:rPr lang="en-US" altLang="ja-JP" sz="2400" b="1" dirty="0" smtClean="0">
+                <a:solidFill>
+                  <a:schemeClr val="bg1"/>
+                </a:solidFill>
+                <a:latin typeface="Meiryo" charset="-128"/>
+                <a:ea typeface="Meiryo" charset="-128"/>
+                <a:cs typeface="Meiryo" charset="-128"/>
+              </a:rPr>
+              <a:t>CNN (</a:t>
+            </a:r>
+            <a:r>
+              <a:rPr lang="ja-JP" altLang="en-US" sz="2400" b="1" dirty="0" smtClean="0">
+                <a:solidFill>
+                  <a:schemeClr val="bg1"/>
+                </a:solidFill>
+                <a:latin typeface="Meiryo" charset="-128"/>
+                <a:ea typeface="Meiryo" charset="-128"/>
+                <a:cs typeface="Meiryo" charset="-128"/>
+              </a:rPr>
+              <a:t>転移学習</a:t>
+            </a:r>
+            <a:r>
+              <a:rPr lang="en-US" altLang="ja-JP" sz="2400" b="1" dirty="0" smtClean="0">
+                <a:solidFill>
+                  <a:schemeClr val="bg1"/>
+                </a:solidFill>
+                <a:latin typeface="Meiryo" charset="-128"/>
+                <a:ea typeface="Meiryo" charset="-128"/>
+                <a:cs typeface="Meiryo" charset="-128"/>
+              </a:rPr>
+              <a:t>)</a:t>
+            </a:r>
+          </a:p>
+        </p:txBody>
+      </p:sp>
+      <p:sp>
+        <p:nvSpPr>
+          <p:cNvPr id="19" name="テキスト ボックス 18"/>
+          <p:cNvSpPr txBox="1"/>
+          <p:nvPr/>
+        </p:nvSpPr>
+        <p:spPr>
+          <a:xfrm>
+            <a:off x="1099827" y="4241450"/>
+            <a:ext cx="4662367" cy="2154436"/>
+          </a:xfrm>
+          <a:prstGeom prst="rect">
+            <a:avLst/>
+          </a:prstGeom>
+          <a:noFill/>
+        </p:spPr>
+        <p:txBody>
+          <a:bodyPr wrap="none" rtlCol="0">
+            <a:spAutoFit/>
+          </a:bodyPr>
+          <a:lstStyle/>
+          <a:p>
+            <a:pPr>
+              <a:spcAft>
+                <a:spcPts val="1200"/>
+              </a:spcAft>
+            </a:pPr>
+            <a:r>
+              <a:rPr lang="en-US" altLang="ja-JP" sz="2800" b="1" u="sng" dirty="0" err="1" smtClean="0">
+                <a:solidFill>
+                  <a:schemeClr val="bg1"/>
+                </a:solidFill>
+                <a:latin typeface="Meiryo" charset="-128"/>
+                <a:ea typeface="Meiryo" charset="-128"/>
+                <a:cs typeface="Meiryo" charset="-128"/>
+              </a:rPr>
+              <a:t>RaspberryPi</a:t>
+            </a:r>
+            <a:r>
+              <a:rPr lang="en-US" altLang="ja-JP" sz="2800" b="1" u="sng" dirty="0" smtClean="0">
+                <a:solidFill>
+                  <a:schemeClr val="bg1"/>
+                </a:solidFill>
+                <a:latin typeface="Meiryo" charset="-128"/>
+                <a:ea typeface="Meiryo" charset="-128"/>
+                <a:cs typeface="Meiryo" charset="-128"/>
+              </a:rPr>
+              <a:t> </a:t>
+            </a:r>
+            <a:r>
+              <a:rPr lang="mr-IN" altLang="ja-JP" sz="2800" b="1" u="sng" dirty="0" smtClean="0">
+                <a:solidFill>
+                  <a:schemeClr val="bg1"/>
+                </a:solidFill>
+                <a:latin typeface="Meiryo" charset="-128"/>
+                <a:ea typeface="Meiryo" charset="-128"/>
+                <a:cs typeface="Meiryo" charset="-128"/>
+              </a:rPr>
+              <a:t>–</a:t>
+            </a:r>
+            <a:r>
+              <a:rPr lang="en-US" altLang="ja-JP" sz="2800" b="1" u="sng" dirty="0" smtClean="0">
+                <a:solidFill>
+                  <a:schemeClr val="bg1"/>
+                </a:solidFill>
+                <a:latin typeface="Meiryo" charset="-128"/>
+                <a:ea typeface="Meiryo" charset="-128"/>
+                <a:cs typeface="Meiryo" charset="-128"/>
+              </a:rPr>
+              <a:t> PC </a:t>
+            </a:r>
+            <a:r>
+              <a:rPr lang="ja-JP" altLang="en-US" sz="2800" b="1" u="sng" dirty="0" smtClean="0">
+                <a:solidFill>
+                  <a:schemeClr val="bg1"/>
+                </a:solidFill>
+                <a:latin typeface="Meiryo" charset="-128"/>
+                <a:ea typeface="Meiryo" charset="-128"/>
+                <a:cs typeface="Meiryo" charset="-128"/>
+              </a:rPr>
+              <a:t>間通信</a:t>
+            </a:r>
+            <a:endParaRPr lang="en-US" altLang="ja-JP" sz="2800" b="1" u="sng" dirty="0" smtClean="0">
+              <a:solidFill>
+                <a:schemeClr val="bg1"/>
+              </a:solidFill>
+              <a:latin typeface="Meiryo" charset="-128"/>
+              <a:ea typeface="Meiryo" charset="-128"/>
+              <a:cs typeface="Meiryo" charset="-128"/>
+            </a:endParaRPr>
+          </a:p>
+          <a:p>
+            <a:pPr marL="457200" indent="-457200">
+              <a:buClr>
+                <a:schemeClr val="bg1"/>
+              </a:buClr>
+              <a:buFont typeface="Wingdings" charset="2"/>
+              <a:buChar char="u"/>
+            </a:pPr>
+            <a:r>
+              <a:rPr kumimoji="1" lang="ja-JP" altLang="en-US" sz="2400" b="1" dirty="0" smtClean="0">
+                <a:solidFill>
+                  <a:schemeClr val="bg1"/>
+                </a:solidFill>
+                <a:latin typeface="Meiryo" charset="-128"/>
+                <a:ea typeface="Meiryo" charset="-128"/>
+                <a:cs typeface="Meiryo" charset="-128"/>
+              </a:rPr>
+              <a:t>進捗</a:t>
+            </a:r>
+            <a:r>
+              <a:rPr lang="ja-JP" altLang="en-US" sz="2400" b="1" dirty="0" smtClean="0">
+                <a:solidFill>
+                  <a:schemeClr val="bg1"/>
+                </a:solidFill>
+                <a:latin typeface="Meiryo" charset="-128"/>
+                <a:ea typeface="Meiryo" charset="-128"/>
+                <a:cs typeface="Meiryo" charset="-128"/>
+              </a:rPr>
+              <a:t>：</a:t>
+            </a:r>
+            <a:r>
+              <a:rPr lang="en-US" altLang="ja-JP" sz="2400" b="1" dirty="0" smtClean="0">
+                <a:solidFill>
+                  <a:schemeClr val="bg1"/>
+                </a:solidFill>
+                <a:latin typeface="Meiryo" charset="-128"/>
+                <a:ea typeface="Meiryo" charset="-128"/>
+                <a:cs typeface="Meiryo" charset="-128"/>
+              </a:rPr>
+              <a:t>90</a:t>
+            </a:r>
+            <a:r>
+              <a:rPr kumimoji="1" lang="en-US" altLang="ja-JP" sz="2400" b="1" dirty="0" smtClean="0">
+                <a:solidFill>
+                  <a:schemeClr val="bg1"/>
+                </a:solidFill>
+                <a:latin typeface="Meiryo" charset="-128"/>
+                <a:ea typeface="Meiryo" charset="-128"/>
+                <a:cs typeface="Meiryo" charset="-128"/>
+              </a:rPr>
+              <a:t>%</a:t>
+            </a:r>
+          </a:p>
+          <a:p>
+            <a:pPr marL="914400" lvl="1" indent="-457200">
+              <a:buClr>
+                <a:schemeClr val="bg1"/>
+              </a:buClr>
+              <a:buFont typeface="Wingdings" charset="2"/>
+              <a:buChar char="p"/>
+            </a:pPr>
+            <a:r>
+              <a:rPr lang="ja-JP" altLang="en-US" sz="2400" b="1" dirty="0" smtClean="0">
+                <a:solidFill>
+                  <a:schemeClr val="bg1"/>
+                </a:solidFill>
+                <a:latin typeface="Meiryo" charset="-128"/>
+                <a:ea typeface="Meiryo" charset="-128"/>
+                <a:cs typeface="Meiryo" charset="-128"/>
+              </a:rPr>
+              <a:t>クライアント処理</a:t>
+            </a:r>
+            <a:r>
+              <a:rPr lang="en-US" altLang="ja-JP" sz="2400" b="1" dirty="0">
+                <a:solidFill>
+                  <a:schemeClr val="bg1"/>
+                </a:solidFill>
+                <a:latin typeface="Meiryo" charset="-128"/>
+                <a:ea typeface="Meiryo" charset="-128"/>
+                <a:cs typeface="Meiryo" charset="-128"/>
+              </a:rPr>
+              <a:t/>
+            </a:r>
+            <a:br>
+              <a:rPr lang="en-US" altLang="ja-JP" sz="2400" b="1" dirty="0">
+                <a:solidFill>
+                  <a:schemeClr val="bg1"/>
+                </a:solidFill>
+                <a:latin typeface="Meiryo" charset="-128"/>
+                <a:ea typeface="Meiryo" charset="-128"/>
+                <a:cs typeface="Meiryo" charset="-128"/>
+              </a:rPr>
+            </a:br>
+            <a:r>
+              <a:rPr lang="en-US" altLang="ja-JP" sz="2400" b="1" dirty="0" smtClean="0">
+                <a:solidFill>
+                  <a:schemeClr val="bg1"/>
+                </a:solidFill>
+                <a:latin typeface="Meiryo" charset="-128"/>
+                <a:ea typeface="Meiryo" charset="-128"/>
+                <a:cs typeface="Meiryo" charset="-128"/>
+              </a:rPr>
+              <a:t>	</a:t>
+            </a:r>
+            <a:r>
+              <a:rPr lang="ja-JP" altLang="en-US" sz="2400" b="1" dirty="0" smtClean="0">
+                <a:solidFill>
+                  <a:schemeClr val="bg1"/>
+                </a:solidFill>
+                <a:latin typeface="Meiryo" charset="-128"/>
+                <a:ea typeface="Meiryo" charset="-128"/>
+                <a:cs typeface="Meiryo" charset="-128"/>
+              </a:rPr>
+              <a:t>（ラズパイ）</a:t>
+            </a:r>
+            <a:endParaRPr lang="en-US" altLang="ja-JP" sz="2400" b="1" dirty="0" smtClean="0">
+              <a:solidFill>
+                <a:schemeClr val="bg1"/>
+              </a:solidFill>
+              <a:latin typeface="Meiryo" charset="-128"/>
+              <a:ea typeface="Meiryo" charset="-128"/>
+              <a:cs typeface="Meiryo" charset="-128"/>
+            </a:endParaRPr>
+          </a:p>
+          <a:p>
+            <a:pPr marL="914400" lvl="1" indent="-457200">
+              <a:buClr>
+                <a:schemeClr val="bg1"/>
+              </a:buClr>
+              <a:buFont typeface="Wingdings" charset="2"/>
+              <a:buChar char="p"/>
+            </a:pPr>
+            <a:r>
+              <a:rPr kumimoji="1" lang="ja-JP" altLang="en-US" sz="2400" b="1" dirty="0" smtClean="0">
+                <a:solidFill>
+                  <a:schemeClr val="bg1"/>
+                </a:solidFill>
+                <a:latin typeface="Meiryo" charset="-128"/>
+                <a:ea typeface="Meiryo" charset="-128"/>
+                <a:cs typeface="Meiryo" charset="-128"/>
+              </a:rPr>
+              <a:t>サーバ処理（</a:t>
+            </a:r>
+            <a:r>
+              <a:rPr kumimoji="1" lang="en-US" altLang="ja-JP" sz="2400" b="1" dirty="0" smtClean="0">
+                <a:solidFill>
+                  <a:schemeClr val="bg1"/>
+                </a:solidFill>
+                <a:latin typeface="Meiryo" charset="-128"/>
+                <a:ea typeface="Meiryo" charset="-128"/>
+                <a:cs typeface="Meiryo" charset="-128"/>
+              </a:rPr>
+              <a:t>PC</a:t>
+            </a:r>
+            <a:r>
+              <a:rPr kumimoji="1" lang="ja-JP" altLang="en-US" sz="2400" b="1" dirty="0" smtClean="0">
+                <a:solidFill>
+                  <a:schemeClr val="bg1"/>
+                </a:solidFill>
+                <a:latin typeface="Meiryo" charset="-128"/>
+                <a:ea typeface="Meiryo" charset="-128"/>
+                <a:cs typeface="Meiryo" charset="-128"/>
+              </a:rPr>
+              <a:t>）</a:t>
+            </a:r>
+            <a:endParaRPr kumimoji="1" lang="ja-JP" altLang="en-US" sz="2400" b="1" dirty="0">
+              <a:solidFill>
+                <a:schemeClr val="bg1"/>
+              </a:solidFill>
+              <a:latin typeface="Meiryo" charset="-128"/>
+              <a:ea typeface="Meiryo" charset="-128"/>
+              <a:cs typeface="Meiryo" charset="-128"/>
+            </a:endParaRPr>
+          </a:p>
+        </p:txBody>
+      </p:sp>
+      <p:sp>
+        <p:nvSpPr>
+          <p:cNvPr id="20" name="テキスト ボックス 19"/>
+          <p:cNvSpPr txBox="1"/>
+          <p:nvPr/>
+        </p:nvSpPr>
+        <p:spPr>
+          <a:xfrm>
+            <a:off x="6487998" y="4241450"/>
+            <a:ext cx="3775393" cy="2154436"/>
+          </a:xfrm>
+          <a:prstGeom prst="rect">
+            <a:avLst/>
+          </a:prstGeom>
+          <a:noFill/>
+        </p:spPr>
+        <p:txBody>
+          <a:bodyPr wrap="none" rtlCol="0">
+            <a:spAutoFit/>
+          </a:bodyPr>
+          <a:lstStyle/>
+          <a:p>
+            <a:pPr>
+              <a:spcAft>
+                <a:spcPts val="1200"/>
+              </a:spcAft>
+            </a:pPr>
+            <a:r>
+              <a:rPr lang="ja-JP" altLang="en-US" sz="2800" b="1" u="sng" dirty="0" smtClean="0">
+                <a:solidFill>
+                  <a:schemeClr val="bg1"/>
+                </a:solidFill>
+                <a:latin typeface="Meiryo" charset="-128"/>
+                <a:ea typeface="Meiryo" charset="-128"/>
+                <a:cs typeface="Meiryo" charset="-128"/>
+              </a:rPr>
+              <a:t>ユーザインタフェース</a:t>
+            </a:r>
+            <a:endParaRPr lang="en-US" altLang="ja-JP" sz="2800" b="1" u="sng" dirty="0" smtClean="0">
+              <a:solidFill>
+                <a:schemeClr val="bg1"/>
+              </a:solidFill>
+              <a:latin typeface="Meiryo" charset="-128"/>
+              <a:ea typeface="Meiryo" charset="-128"/>
+              <a:cs typeface="Meiryo" charset="-128"/>
+            </a:endParaRPr>
+          </a:p>
+          <a:p>
+            <a:pPr marL="457200" indent="-457200">
+              <a:buClr>
+                <a:schemeClr val="bg1"/>
+              </a:buClr>
+              <a:buFont typeface="Wingdings" charset="2"/>
+              <a:buChar char="u"/>
+            </a:pPr>
+            <a:r>
+              <a:rPr kumimoji="1" lang="ja-JP" altLang="en-US" sz="2400" b="1" u="sng" dirty="0" smtClean="0">
+                <a:solidFill>
+                  <a:schemeClr val="bg1"/>
+                </a:solidFill>
+                <a:latin typeface="Meiryo" charset="-128"/>
+                <a:ea typeface="Meiryo" charset="-128"/>
+                <a:cs typeface="Meiryo" charset="-128"/>
+              </a:rPr>
+              <a:t>進捗</a:t>
+            </a:r>
+            <a:r>
+              <a:rPr lang="ja-JP" altLang="en-US" sz="2400" b="1" u="sng" dirty="0" smtClean="0">
+                <a:solidFill>
+                  <a:schemeClr val="bg1"/>
+                </a:solidFill>
+                <a:latin typeface="Meiryo" charset="-128"/>
+                <a:ea typeface="Meiryo" charset="-128"/>
+                <a:cs typeface="Meiryo" charset="-128"/>
+              </a:rPr>
+              <a:t>：</a:t>
+            </a:r>
+            <a:r>
+              <a:rPr lang="en-US" altLang="ja-JP" sz="2400" b="1" u="sng" dirty="0" smtClean="0">
+                <a:solidFill>
+                  <a:schemeClr val="bg1"/>
+                </a:solidFill>
+                <a:latin typeface="Meiryo" charset="-128"/>
+                <a:ea typeface="Meiryo" charset="-128"/>
+                <a:cs typeface="Meiryo" charset="-128"/>
+              </a:rPr>
+              <a:t>40%</a:t>
+            </a:r>
+          </a:p>
+          <a:p>
+            <a:pPr marL="914400" lvl="1" indent="-457200">
+              <a:buClr>
+                <a:schemeClr val="bg1"/>
+              </a:buClr>
+              <a:buFont typeface="Wingdings" charset="2"/>
+              <a:buChar char="ü"/>
+            </a:pPr>
+            <a:r>
+              <a:rPr kumimoji="1" lang="ja-JP" altLang="en-US" sz="2400" b="1" u="sng" dirty="0" smtClean="0">
+                <a:solidFill>
+                  <a:schemeClr val="bg1"/>
+                </a:solidFill>
+                <a:latin typeface="Meiryo" charset="-128"/>
+                <a:ea typeface="Meiryo" charset="-128"/>
+                <a:cs typeface="Meiryo" charset="-128"/>
+              </a:rPr>
+              <a:t>座席読み込み</a:t>
+            </a:r>
+            <a:endParaRPr kumimoji="1" lang="en-US" altLang="ja-JP" sz="2400" b="1" u="sng" dirty="0" smtClean="0">
+              <a:solidFill>
+                <a:schemeClr val="bg1"/>
+              </a:solidFill>
+              <a:latin typeface="Meiryo" charset="-128"/>
+              <a:ea typeface="Meiryo" charset="-128"/>
+              <a:cs typeface="Meiryo" charset="-128"/>
+            </a:endParaRPr>
+          </a:p>
+          <a:p>
+            <a:pPr marL="914400" lvl="1" indent="-457200">
+              <a:buClr>
+                <a:schemeClr val="bg1"/>
+              </a:buClr>
+              <a:buFont typeface="Wingdings" charset="2"/>
+              <a:buChar char="p"/>
+            </a:pPr>
+            <a:r>
+              <a:rPr lang="ja-JP" altLang="en-US" sz="2400" b="1" u="sng" dirty="0" smtClean="0">
+                <a:solidFill>
+                  <a:schemeClr val="bg1"/>
+                </a:solidFill>
+                <a:latin typeface="Meiryo" charset="-128"/>
+                <a:ea typeface="Meiryo" charset="-128"/>
+                <a:cs typeface="Meiryo" charset="-128"/>
+              </a:rPr>
+              <a:t>座席決定</a:t>
+            </a:r>
+            <a:endParaRPr lang="en-US" altLang="ja-JP" sz="2400" b="1" u="sng" dirty="0" smtClean="0">
+              <a:solidFill>
+                <a:schemeClr val="bg1"/>
+              </a:solidFill>
+              <a:latin typeface="Meiryo" charset="-128"/>
+              <a:ea typeface="Meiryo" charset="-128"/>
+              <a:cs typeface="Meiryo" charset="-128"/>
+            </a:endParaRPr>
+          </a:p>
+          <a:p>
+            <a:pPr marL="914400" lvl="1" indent="-457200">
+              <a:buClr>
+                <a:schemeClr val="bg1"/>
+              </a:buClr>
+              <a:buFont typeface="Wingdings" charset="2"/>
+              <a:buChar char="p"/>
+            </a:pPr>
+            <a:r>
+              <a:rPr lang="ja-JP" altLang="en-US" sz="2400" b="1" u="sng" dirty="0" smtClean="0">
+                <a:solidFill>
+                  <a:schemeClr val="bg1"/>
+                </a:solidFill>
+                <a:latin typeface="Meiryo" charset="-128"/>
+                <a:ea typeface="Meiryo" charset="-128"/>
+                <a:cs typeface="Meiryo" charset="-128"/>
+              </a:rPr>
+              <a:t>名前を反映</a:t>
+            </a:r>
+            <a:endParaRPr lang="en-US" altLang="ja-JP" sz="2400" b="1" u="sng" dirty="0" smtClean="0">
+              <a:solidFill>
+                <a:schemeClr val="bg1"/>
+              </a:solidFill>
+              <a:latin typeface="Meiryo" charset="-128"/>
+              <a:ea typeface="Meiryo" charset="-128"/>
+              <a:cs typeface="Meiryo" charset="-128"/>
+            </a:endParaRPr>
+          </a:p>
+        </p:txBody>
+      </p:sp>
+    </p:spTree>
+    <p:extLst>
+      <p:ext uri="{BB962C8B-B14F-4D97-AF65-F5344CB8AC3E}">
+        <p14:creationId xmlns:p14="http://schemas.microsoft.com/office/powerpoint/2010/main" val="796729791"/>
+      </p:ext>
+    </p:extLst>
+  </p:cSld>
+  <p:clrMapOvr>
+    <a:masterClrMapping/>
+  </p:clrMapOvr>
+  <p:timing>
+    <p:tnLst>
+      <p:par>
+        <p:cTn id="1" dur="indefinite" restart="never" nodeType="tmRoot"/>
+      </p:par>
+    </p:tnLst>
+  </p:timing>
+</p:sld>
+</file>
+
+<file path=ppt/slides/slide8.xml><?xml version="1.0" encoding="utf-8"?>
+<p:sld xmlns:a="http://schemas.openxmlformats.org/drawingml/2006/main" xmlns:r="http://schemas.openxmlformats.org/officeDocument/2006/relationships" xmlns:p="http://schemas.openxmlformats.org/presentationml/2006/main">
+  <p:cSld>
+    <p:spTree>
+      <p:nvGrpSpPr>
+        <p:cNvPr id="1" name=""/>
+        <p:cNvGrpSpPr/>
+        <p:nvPr/>
+      </p:nvGrpSpPr>
+      <p:grpSpPr>
+        <a:xfrm>
+          <a:off x="0" y="0"/>
+          <a:ext cx="0" cy="0"/>
+          <a:chOff x="0" y="0"/>
+          <a:chExt cx="0" cy="0"/>
+        </a:xfrm>
+      </p:grpSpPr>
+      <p:sp>
+        <p:nvSpPr>
+          <p:cNvPr id="2" name="タイトル 1"/>
+          <p:cNvSpPr>
+            <a:spLocks noGrp="1"/>
+          </p:cNvSpPr>
+          <p:nvPr>
+            <p:ph type="title"/>
+          </p:nvPr>
+        </p:nvSpPr>
+        <p:spPr/>
+        <p:txBody>
+          <a:bodyPr/>
+          <a:lstStyle/>
+          <a:p>
+            <a:r>
+              <a:rPr kumimoji="1" lang="ja-JP" altLang="en-US" dirty="0" smtClean="0">
+                <a:solidFill>
+                  <a:srgbClr val="0B407C"/>
+                </a:solidFill>
+              </a:rPr>
+              <a:t>開発計画</a:t>
+            </a:r>
+            <a:endParaRPr kumimoji="1" lang="ja-JP" altLang="en-US" dirty="0">
+              <a:solidFill>
+                <a:srgbClr val="0B407C"/>
+              </a:solidFill>
+            </a:endParaRPr>
+          </a:p>
+        </p:txBody>
+      </p:sp>
+      <p:sp>
+        <p:nvSpPr>
+          <p:cNvPr id="4" name="スライド番号プレースホルダー 3"/>
+          <p:cNvSpPr>
+            <a:spLocks noGrp="1"/>
+          </p:cNvSpPr>
+          <p:nvPr>
+            <p:ph type="sldNum" sz="quarter" idx="12"/>
+          </p:nvPr>
+        </p:nvSpPr>
+        <p:spPr/>
+        <p:txBody>
+          <a:bodyPr/>
+          <a:lstStyle/>
+          <a:p>
+            <a:fld id="{93ADDFFC-DF84-FE49-BEBB-D585AC897F6E}" type="slidenum">
+              <a:rPr lang="uk-UA" smtClean="0"/>
+              <a:pPr/>
+              <a:t>8</a:t>
+            </a:fld>
+            <a:endParaRPr lang="uk-UA"/>
+          </a:p>
+        </p:txBody>
+      </p:sp>
+      <p:sp>
+        <p:nvSpPr>
+          <p:cNvPr id="5" name="山形 4"/>
+          <p:cNvSpPr/>
+          <p:nvPr/>
+        </p:nvSpPr>
+        <p:spPr>
+          <a:xfrm>
+            <a:off x="1248939" y="1962615"/>
+            <a:ext cx="2029522" cy="691376"/>
+          </a:xfrm>
+          <a:prstGeom prst="chevron">
+            <a:avLst/>
+          </a:prstGeom>
+          <a:solidFill>
+            <a:srgbClr val="0B407C"/>
+          </a:solidFill>
+          <a:ln w="57150">
+            <a:solidFill>
+              <a:srgbClr val="0B407C"/>
+            </a:solidFill>
+          </a:ln>
+        </p:spPr>
+        <p:style>
+          <a:lnRef idx="2">
+            <a:schemeClr val="accent1">
+              <a:shade val="50000"/>
+            </a:schemeClr>
+          </a:lnRef>
+          <a:fillRef idx="1">
+            <a:schemeClr val="accent1"/>
+          </a:fillRef>
+          <a:effectRef idx="0">
+            <a:schemeClr val="accent1"/>
+          </a:effectRef>
+          <a:fontRef idx="minor">
+            <a:schemeClr val="lt1"/>
+          </a:fontRef>
+        </p:style>
+        <p:txBody>
+          <a:bodyPr rtlCol="0" anchor="ctr"/>
+          <a:lstStyle/>
+          <a:p>
+            <a:pPr algn="ctr"/>
+            <a:r>
+              <a:rPr lang="en-US" altLang="ja-JP" sz="2800" dirty="0" smtClean="0">
+                <a:solidFill>
+                  <a:schemeClr val="bg1"/>
+                </a:solidFill>
+                <a:latin typeface="07YsashisaGothicTegaki" charset="-128"/>
+                <a:ea typeface="07YsashisaGothicTegaki" charset="-128"/>
+                <a:cs typeface="07YsashisaGothicTegaki" charset="-128"/>
+              </a:rPr>
+              <a:t>9/15</a:t>
+            </a:r>
+            <a:endParaRPr kumimoji="1" lang="ja-JP" altLang="en-US" sz="2800" dirty="0">
+              <a:solidFill>
+                <a:schemeClr val="bg1"/>
+              </a:solidFill>
+              <a:latin typeface="07YsashisaGothicTegaki" charset="-128"/>
+              <a:ea typeface="07YsashisaGothicTegaki" charset="-128"/>
+              <a:cs typeface="07YsashisaGothicTegaki" charset="-128"/>
+            </a:endParaRPr>
+          </a:p>
+        </p:txBody>
+      </p:sp>
+      <p:sp>
+        <p:nvSpPr>
+          <p:cNvPr id="6" name="山形 5"/>
+          <p:cNvSpPr/>
+          <p:nvPr/>
+        </p:nvSpPr>
+        <p:spPr>
+          <a:xfrm>
+            <a:off x="3278461" y="1962615"/>
+            <a:ext cx="2029522" cy="691376"/>
+          </a:xfrm>
+          <a:prstGeom prst="chevron">
+            <a:avLst/>
+          </a:prstGeom>
+          <a:solidFill>
+            <a:srgbClr val="F4F7FF"/>
+          </a:solidFill>
+          <a:ln w="57150">
+            <a:solidFill>
+              <a:srgbClr val="0B407C"/>
+            </a:solidFill>
+          </a:ln>
+        </p:spPr>
+        <p:style>
+          <a:lnRef idx="2">
+            <a:schemeClr val="accent1">
+              <a:shade val="50000"/>
+            </a:schemeClr>
+          </a:lnRef>
+          <a:fillRef idx="1">
+            <a:schemeClr val="accent1"/>
+          </a:fillRef>
+          <a:effectRef idx="0">
+            <a:schemeClr val="accent1"/>
+          </a:effectRef>
+          <a:fontRef idx="minor">
+            <a:schemeClr val="lt1"/>
+          </a:fontRef>
+        </p:style>
+        <p:txBody>
+          <a:bodyPr rtlCol="0" anchor="ctr"/>
+          <a:lstStyle/>
+          <a:p>
+            <a:pPr algn="ctr"/>
+            <a:endParaRPr kumimoji="1" lang="ja-JP" altLang="en-US" sz="2800">
+              <a:solidFill>
+                <a:schemeClr val="tx1"/>
+              </a:solidFill>
+              <a:latin typeface="07YsashisaGothicTegaki" charset="-128"/>
+              <a:ea typeface="07YsashisaGothicTegaki" charset="-128"/>
+              <a:cs typeface="07YsashisaGothicTegaki" charset="-128"/>
+            </a:endParaRPr>
+          </a:p>
+        </p:txBody>
+      </p:sp>
+      <p:sp>
+        <p:nvSpPr>
+          <p:cNvPr id="7" name="山形 6"/>
+          <p:cNvSpPr/>
+          <p:nvPr/>
+        </p:nvSpPr>
+        <p:spPr>
+          <a:xfrm>
+            <a:off x="5307983" y="1962615"/>
+            <a:ext cx="2029522" cy="691376"/>
+          </a:xfrm>
+          <a:prstGeom prst="chevron">
+            <a:avLst/>
+          </a:prstGeom>
+          <a:solidFill>
+            <a:schemeClr val="accent2"/>
+          </a:solidFill>
+          <a:ln w="57150">
+            <a:solidFill>
+              <a:schemeClr val="accent2"/>
+            </a:solidFill>
+          </a:ln>
+        </p:spPr>
+        <p:style>
+          <a:lnRef idx="2">
+            <a:schemeClr val="accent1">
+              <a:shade val="50000"/>
+            </a:schemeClr>
+          </a:lnRef>
+          <a:fillRef idx="1">
+            <a:schemeClr val="accent1"/>
+          </a:fillRef>
+          <a:effectRef idx="0">
+            <a:schemeClr val="accent1"/>
+          </a:effectRef>
+          <a:fontRef idx="minor">
+            <a:schemeClr val="lt1"/>
+          </a:fontRef>
+        </p:style>
+        <p:txBody>
+          <a:bodyPr rtlCol="0" anchor="ctr"/>
+          <a:lstStyle/>
+          <a:p>
+            <a:pPr algn="ctr"/>
+            <a:r>
+              <a:rPr kumimoji="1" lang="en-US" altLang="ja-JP" sz="2800" dirty="0" smtClean="0">
+                <a:solidFill>
+                  <a:schemeClr val="bg1"/>
+                </a:solidFill>
+                <a:latin typeface="07YsashisaGothicTegaki" charset="-128"/>
+                <a:ea typeface="07YsashisaGothicTegaki" charset="-128"/>
+                <a:cs typeface="07YsashisaGothicTegaki" charset="-128"/>
+              </a:rPr>
+              <a:t>9/21</a:t>
+            </a:r>
+            <a:endParaRPr kumimoji="1" lang="ja-JP" altLang="en-US" sz="2800" dirty="0">
+              <a:solidFill>
+                <a:schemeClr val="bg1"/>
+              </a:solidFill>
+              <a:latin typeface="07YsashisaGothicTegaki" charset="-128"/>
+              <a:ea typeface="07YsashisaGothicTegaki" charset="-128"/>
+              <a:cs typeface="07YsashisaGothicTegaki" charset="-128"/>
+            </a:endParaRPr>
+          </a:p>
+        </p:txBody>
+      </p:sp>
+      <p:sp>
+        <p:nvSpPr>
+          <p:cNvPr id="8" name="山形 7"/>
+          <p:cNvSpPr/>
+          <p:nvPr/>
+        </p:nvSpPr>
+        <p:spPr>
+          <a:xfrm>
+            <a:off x="7339364" y="1951464"/>
+            <a:ext cx="2029522" cy="691376"/>
+          </a:xfrm>
+          <a:prstGeom prst="chevron">
+            <a:avLst/>
+          </a:prstGeom>
+          <a:solidFill>
+            <a:schemeClr val="accent2">
+              <a:lumMod val="20000"/>
+              <a:lumOff val="80000"/>
+            </a:schemeClr>
+          </a:solidFill>
+          <a:ln w="57150">
+            <a:solidFill>
+              <a:schemeClr val="accent2"/>
+            </a:solidFill>
+          </a:ln>
+        </p:spPr>
+        <p:style>
+          <a:lnRef idx="2">
+            <a:schemeClr val="accent1">
+              <a:shade val="50000"/>
+            </a:schemeClr>
+          </a:lnRef>
+          <a:fillRef idx="1">
+            <a:schemeClr val="accent1"/>
+          </a:fillRef>
+          <a:effectRef idx="0">
+            <a:schemeClr val="accent1"/>
+          </a:effectRef>
+          <a:fontRef idx="minor">
+            <a:schemeClr val="lt1"/>
+          </a:fontRef>
+        </p:style>
+        <p:txBody>
+          <a:bodyPr rtlCol="0" anchor="ctr"/>
+          <a:lstStyle/>
+          <a:p>
+            <a:pPr algn="ctr"/>
+            <a:endParaRPr kumimoji="1" lang="ja-JP" altLang="en-US" sz="2800">
+              <a:solidFill>
+                <a:schemeClr val="tx1"/>
+              </a:solidFill>
+              <a:latin typeface="07YsashisaGothicTegaki" charset="-128"/>
+              <a:ea typeface="07YsashisaGothicTegaki" charset="-128"/>
+              <a:cs typeface="07YsashisaGothicTegaki" charset="-128"/>
+            </a:endParaRPr>
+          </a:p>
+        </p:txBody>
+      </p:sp>
+      <p:sp>
+        <p:nvSpPr>
+          <p:cNvPr id="9" name="山形 8"/>
+          <p:cNvSpPr/>
+          <p:nvPr/>
+        </p:nvSpPr>
+        <p:spPr>
+          <a:xfrm>
+            <a:off x="9368886" y="1951464"/>
+            <a:ext cx="2029522" cy="691376"/>
+          </a:xfrm>
+          <a:prstGeom prst="chevron">
+            <a:avLst/>
+          </a:prstGeom>
+          <a:solidFill>
+            <a:srgbClr val="0B407C"/>
+          </a:solidFill>
+          <a:ln w="57150">
+            <a:solidFill>
+              <a:srgbClr val="0B407C"/>
+            </a:solidFill>
+          </a:ln>
+        </p:spPr>
+        <p:style>
+          <a:lnRef idx="2">
+            <a:schemeClr val="accent1">
+              <a:shade val="50000"/>
+            </a:schemeClr>
+          </a:lnRef>
+          <a:fillRef idx="1">
+            <a:schemeClr val="accent1"/>
+          </a:fillRef>
+          <a:effectRef idx="0">
+            <a:schemeClr val="accent1"/>
+          </a:effectRef>
+          <a:fontRef idx="minor">
+            <a:schemeClr val="lt1"/>
+          </a:fontRef>
+        </p:style>
+        <p:txBody>
+          <a:bodyPr rtlCol="0" anchor="ctr"/>
+          <a:lstStyle/>
+          <a:p>
+            <a:pPr algn="ctr"/>
+            <a:r>
+              <a:rPr kumimoji="1" lang="en-US" altLang="ja-JP" sz="2800" dirty="0" smtClean="0">
+                <a:solidFill>
+                  <a:schemeClr val="bg1"/>
+                </a:solidFill>
+                <a:latin typeface="07YsashisaGothicTegaki" charset="-128"/>
+                <a:ea typeface="07YsashisaGothicTegaki" charset="-128"/>
+                <a:cs typeface="07YsashisaGothicTegaki" charset="-128"/>
+              </a:rPr>
+              <a:t>9/26</a:t>
+            </a:r>
+            <a:endParaRPr kumimoji="1" lang="ja-JP" altLang="en-US" sz="2800" dirty="0">
+              <a:solidFill>
+                <a:schemeClr val="bg1"/>
+              </a:solidFill>
+              <a:latin typeface="07YsashisaGothicTegaki" charset="-128"/>
+              <a:ea typeface="07YsashisaGothicTegaki" charset="-128"/>
+              <a:cs typeface="07YsashisaGothicTegaki" charset="-128"/>
+            </a:endParaRPr>
+          </a:p>
+        </p:txBody>
+      </p:sp>
+      <p:sp>
+        <p:nvSpPr>
+          <p:cNvPr id="11" name="テキスト ボックス 10"/>
+          <p:cNvSpPr txBox="1"/>
+          <p:nvPr/>
+        </p:nvSpPr>
+        <p:spPr>
+          <a:xfrm>
+            <a:off x="1774206" y="3540510"/>
+            <a:ext cx="4339650" cy="2677656"/>
+          </a:xfrm>
+          <a:prstGeom prst="rect">
+            <a:avLst/>
+          </a:prstGeom>
+          <a:noFill/>
+        </p:spPr>
+        <p:txBody>
+          <a:bodyPr wrap="none" rtlCol="0">
+            <a:spAutoFit/>
+          </a:bodyPr>
+          <a:lstStyle/>
+          <a:p>
+            <a:r>
+              <a:rPr kumimoji="1" lang="en-US" altLang="ja-JP" sz="2800" dirty="0" smtClean="0">
+                <a:solidFill>
+                  <a:schemeClr val="bg1">
+                    <a:lumMod val="75000"/>
+                  </a:schemeClr>
+                </a:solidFill>
+                <a:latin typeface="Meiryo" charset="-128"/>
+                <a:ea typeface="Meiryo" charset="-128"/>
+                <a:cs typeface="Meiryo" charset="-128"/>
+              </a:rPr>
+              <a:t>【</a:t>
+            </a:r>
+            <a:r>
+              <a:rPr kumimoji="1" lang="ja-JP" altLang="en-US" sz="2800" dirty="0" smtClean="0">
+                <a:solidFill>
+                  <a:schemeClr val="bg1">
+                    <a:lumMod val="75000"/>
+                  </a:schemeClr>
+                </a:solidFill>
+                <a:latin typeface="Meiryo" charset="-128"/>
+                <a:ea typeface="Meiryo" charset="-128"/>
+                <a:cs typeface="Meiryo" charset="-128"/>
+              </a:rPr>
+              <a:t>実装</a:t>
+            </a:r>
+            <a:r>
+              <a:rPr kumimoji="1" lang="en-US" altLang="ja-JP" sz="2800" dirty="0" smtClean="0">
+                <a:solidFill>
+                  <a:schemeClr val="bg1">
+                    <a:lumMod val="75000"/>
+                  </a:schemeClr>
+                </a:solidFill>
+                <a:latin typeface="Meiryo" charset="-128"/>
+                <a:ea typeface="Meiryo" charset="-128"/>
+                <a:cs typeface="Meiryo" charset="-128"/>
+              </a:rPr>
+              <a:t>】</a:t>
+            </a:r>
+            <a:endParaRPr kumimoji="1" lang="ja-JP" altLang="en-US" sz="2800" dirty="0" smtClean="0">
+              <a:solidFill>
+                <a:schemeClr val="bg1">
+                  <a:lumMod val="75000"/>
+                </a:schemeClr>
+              </a:solidFill>
+              <a:latin typeface="Meiryo" charset="-128"/>
+              <a:ea typeface="Meiryo" charset="-128"/>
+              <a:cs typeface="Meiryo" charset="-128"/>
+            </a:endParaRPr>
+          </a:p>
+          <a:p>
+            <a:pPr marL="914400" lvl="1" indent="-457200">
+              <a:buFont typeface="Arial" charset="0"/>
+              <a:buChar char="•"/>
+            </a:pPr>
+            <a:r>
+              <a:rPr lang="ja-JP" altLang="en-US" sz="2800" dirty="0" smtClean="0">
+                <a:solidFill>
+                  <a:schemeClr val="bg1">
+                    <a:lumMod val="75000"/>
+                  </a:schemeClr>
+                </a:solidFill>
+                <a:latin typeface="Meiryo" charset="-128"/>
+                <a:ea typeface="Meiryo" charset="-128"/>
+                <a:cs typeface="Meiryo" charset="-128"/>
+              </a:rPr>
+              <a:t>クライアントサイド</a:t>
+            </a:r>
+          </a:p>
+          <a:p>
+            <a:pPr marL="914400" lvl="1" indent="-457200">
+              <a:buFont typeface="Arial" charset="0"/>
+              <a:buChar char="•"/>
+            </a:pPr>
+            <a:r>
+              <a:rPr lang="ja-JP" altLang="en-US" sz="2800" dirty="0" smtClean="0">
+                <a:solidFill>
+                  <a:schemeClr val="bg1">
+                    <a:lumMod val="75000"/>
+                  </a:schemeClr>
+                </a:solidFill>
+                <a:latin typeface="Meiryo" charset="-128"/>
+                <a:ea typeface="Meiryo" charset="-128"/>
+                <a:cs typeface="Meiryo" charset="-128"/>
+              </a:rPr>
+              <a:t>サーバーサイド</a:t>
+            </a:r>
+            <a:endParaRPr lang="en-US" altLang="ja-JP" sz="2800" dirty="0" smtClean="0">
+              <a:solidFill>
+                <a:schemeClr val="bg1">
+                  <a:lumMod val="75000"/>
+                </a:schemeClr>
+              </a:solidFill>
+              <a:latin typeface="Meiryo" charset="-128"/>
+              <a:ea typeface="Meiryo" charset="-128"/>
+              <a:cs typeface="Meiryo" charset="-128"/>
+            </a:endParaRPr>
+          </a:p>
+          <a:p>
+            <a:pPr marL="914400" lvl="1" indent="-457200">
+              <a:buFont typeface="Arial" charset="0"/>
+              <a:buChar char="•"/>
+            </a:pPr>
+            <a:r>
+              <a:rPr kumimoji="1" lang="ja-JP" altLang="en-US" sz="2800" dirty="0" smtClean="0">
+                <a:solidFill>
+                  <a:schemeClr val="bg1">
+                    <a:lumMod val="75000"/>
+                  </a:schemeClr>
+                </a:solidFill>
+                <a:latin typeface="Meiryo" charset="-128"/>
+                <a:ea typeface="Meiryo" charset="-128"/>
+                <a:cs typeface="Meiryo" charset="-128"/>
+              </a:rPr>
+              <a:t>学習モデル</a:t>
+            </a:r>
+          </a:p>
+          <a:p>
+            <a:pPr marL="457200" indent="-457200">
+              <a:buFont typeface="Arial" charset="0"/>
+              <a:buChar char="•"/>
+            </a:pPr>
+            <a:endParaRPr kumimoji="1" lang="ja-JP" altLang="en-US" sz="2800" dirty="0" smtClean="0">
+              <a:solidFill>
+                <a:schemeClr val="bg1">
+                  <a:lumMod val="75000"/>
+                </a:schemeClr>
+              </a:solidFill>
+              <a:latin typeface="Meiryo" charset="-128"/>
+              <a:ea typeface="Meiryo" charset="-128"/>
+              <a:cs typeface="Meiryo" charset="-128"/>
+            </a:endParaRPr>
+          </a:p>
+          <a:p>
+            <a:r>
+              <a:rPr kumimoji="1" lang="en-US" altLang="ja-JP" sz="2800" dirty="0" smtClean="0">
+                <a:solidFill>
+                  <a:schemeClr val="bg1">
+                    <a:lumMod val="75000"/>
+                  </a:schemeClr>
+                </a:solidFill>
+                <a:latin typeface="Meiryo" charset="-128"/>
+                <a:ea typeface="Meiryo" charset="-128"/>
+                <a:cs typeface="Meiryo" charset="-128"/>
+              </a:rPr>
+              <a:t>【</a:t>
+            </a:r>
+            <a:r>
+              <a:rPr kumimoji="1" lang="ja-JP" altLang="en-US" sz="2800" dirty="0" smtClean="0">
+                <a:solidFill>
+                  <a:schemeClr val="bg1">
+                    <a:lumMod val="75000"/>
+                  </a:schemeClr>
+                </a:solidFill>
+                <a:latin typeface="Meiryo" charset="-128"/>
+                <a:ea typeface="Meiryo" charset="-128"/>
+                <a:cs typeface="Meiryo" charset="-128"/>
+              </a:rPr>
+              <a:t>中間発表資料作成</a:t>
+            </a:r>
+            <a:r>
+              <a:rPr kumimoji="1" lang="en-US" altLang="ja-JP" sz="2800" dirty="0" smtClean="0">
+                <a:solidFill>
+                  <a:schemeClr val="bg1">
+                    <a:lumMod val="75000"/>
+                  </a:schemeClr>
+                </a:solidFill>
+                <a:latin typeface="Meiryo" charset="-128"/>
+                <a:ea typeface="Meiryo" charset="-128"/>
+                <a:cs typeface="Meiryo" charset="-128"/>
+              </a:rPr>
+              <a:t>】</a:t>
+            </a:r>
+            <a:endParaRPr kumimoji="1" lang="ja-JP" altLang="en-US" sz="2800" dirty="0">
+              <a:solidFill>
+                <a:schemeClr val="bg1">
+                  <a:lumMod val="75000"/>
+                </a:schemeClr>
+              </a:solidFill>
+              <a:latin typeface="Meiryo" charset="-128"/>
+              <a:ea typeface="Meiryo" charset="-128"/>
+              <a:cs typeface="Meiryo" charset="-128"/>
+            </a:endParaRPr>
+          </a:p>
+        </p:txBody>
+      </p:sp>
+      <p:sp>
+        <p:nvSpPr>
+          <p:cNvPr id="13" name="テキスト ボックス 12"/>
+          <p:cNvSpPr txBox="1"/>
+          <p:nvPr/>
+        </p:nvSpPr>
+        <p:spPr>
+          <a:xfrm>
+            <a:off x="7025275" y="3506256"/>
+            <a:ext cx="3603872" cy="2246769"/>
+          </a:xfrm>
+          <a:prstGeom prst="rect">
+            <a:avLst/>
+          </a:prstGeom>
+          <a:noFill/>
+        </p:spPr>
+        <p:txBody>
+          <a:bodyPr wrap="none" rtlCol="0">
+            <a:spAutoFit/>
+          </a:bodyPr>
+          <a:lstStyle/>
+          <a:p>
+            <a:r>
+              <a:rPr kumimoji="1" lang="en-US" altLang="ja-JP" sz="2800" dirty="0" smtClean="0">
+                <a:latin typeface="Meiryo" charset="-128"/>
+                <a:ea typeface="Meiryo" charset="-128"/>
+                <a:cs typeface="Meiryo" charset="-128"/>
+              </a:rPr>
+              <a:t>【</a:t>
+            </a:r>
+            <a:r>
+              <a:rPr kumimoji="1" lang="ja-JP" altLang="en-US" sz="2800" dirty="0" smtClean="0">
+                <a:latin typeface="Meiryo" charset="-128"/>
+                <a:ea typeface="Meiryo" charset="-128"/>
+                <a:cs typeface="Meiryo" charset="-128"/>
+              </a:rPr>
+              <a:t>実装</a:t>
+            </a:r>
+            <a:r>
+              <a:rPr kumimoji="1" lang="en-US" altLang="ja-JP" sz="2800" dirty="0" smtClean="0">
+                <a:latin typeface="Meiryo" charset="-128"/>
+                <a:ea typeface="Meiryo" charset="-128"/>
+                <a:cs typeface="Meiryo" charset="-128"/>
+              </a:rPr>
+              <a:t>】</a:t>
+            </a:r>
+            <a:endParaRPr kumimoji="1" lang="ja-JP" altLang="en-US" sz="2800" dirty="0" smtClean="0">
+              <a:latin typeface="Meiryo" charset="-128"/>
+              <a:ea typeface="Meiryo" charset="-128"/>
+              <a:cs typeface="Meiryo" charset="-128"/>
+            </a:endParaRPr>
+          </a:p>
+          <a:p>
+            <a:pPr marL="914400" lvl="1" indent="-457200">
+              <a:buFont typeface="Arial" charset="0"/>
+              <a:buChar char="•"/>
+            </a:pPr>
+            <a:r>
+              <a:rPr lang="ja-JP" altLang="en-US" sz="2800" dirty="0" smtClean="0">
+                <a:latin typeface="Meiryo" charset="-128"/>
+                <a:ea typeface="Meiryo" charset="-128"/>
+                <a:cs typeface="Meiryo" charset="-128"/>
+              </a:rPr>
+              <a:t>完成予定</a:t>
+            </a:r>
+            <a:r>
+              <a:rPr lang="ja-JP" altLang="en-US" sz="2800" b="1" dirty="0" smtClean="0">
+                <a:latin typeface="Meiryo" charset="-128"/>
+                <a:ea typeface="Meiryo" charset="-128"/>
+                <a:cs typeface="Meiryo" charset="-128"/>
+              </a:rPr>
+              <a:t>９</a:t>
+            </a:r>
+            <a:r>
+              <a:rPr lang="en-US" altLang="ja-JP" sz="2800" b="1" dirty="0" smtClean="0">
+                <a:latin typeface="Meiryo" charset="-128"/>
+                <a:ea typeface="Meiryo" charset="-128"/>
+                <a:cs typeface="Meiryo" charset="-128"/>
+              </a:rPr>
+              <a:t>/24</a:t>
+            </a:r>
+            <a:endParaRPr kumimoji="1" lang="ja-JP" altLang="en-US" sz="2800" b="1" dirty="0" smtClean="0">
+              <a:latin typeface="Meiryo" charset="-128"/>
+              <a:ea typeface="Meiryo" charset="-128"/>
+              <a:cs typeface="Meiryo" charset="-128"/>
+            </a:endParaRPr>
+          </a:p>
+          <a:p>
+            <a:pPr marL="457200" indent="-457200">
+              <a:buFont typeface="Arial" charset="0"/>
+              <a:buChar char="•"/>
+            </a:pPr>
+            <a:endParaRPr kumimoji="1" lang="ja-JP" altLang="en-US" sz="2800" dirty="0" smtClean="0">
+              <a:latin typeface="Meiryo" charset="-128"/>
+              <a:ea typeface="Meiryo" charset="-128"/>
+              <a:cs typeface="Meiryo" charset="-128"/>
+            </a:endParaRPr>
+          </a:p>
+          <a:p>
+            <a:r>
+              <a:rPr kumimoji="1" lang="en-US" altLang="ja-JP" sz="2800" dirty="0" smtClean="0">
+                <a:latin typeface="Meiryo" charset="-128"/>
+                <a:ea typeface="Meiryo" charset="-128"/>
+                <a:cs typeface="Meiryo" charset="-128"/>
+              </a:rPr>
+              <a:t>【</a:t>
+            </a:r>
+            <a:r>
+              <a:rPr kumimoji="1" lang="ja-JP" altLang="en-US" sz="2800" dirty="0" smtClean="0">
+                <a:latin typeface="Meiryo" charset="-128"/>
+                <a:ea typeface="Meiryo" charset="-128"/>
+                <a:cs typeface="Meiryo" charset="-128"/>
+              </a:rPr>
+              <a:t>発表資料作成</a:t>
+            </a:r>
+            <a:r>
+              <a:rPr kumimoji="1" lang="en-US" altLang="ja-JP" sz="2800" dirty="0" smtClean="0">
+                <a:latin typeface="Meiryo" charset="-128"/>
+                <a:ea typeface="Meiryo" charset="-128"/>
+                <a:cs typeface="Meiryo" charset="-128"/>
+              </a:rPr>
+              <a:t>】</a:t>
+            </a:r>
+            <a:endParaRPr lang="en-US" altLang="ja-JP" sz="2800" dirty="0">
+              <a:latin typeface="Meiryo" charset="-128"/>
+              <a:ea typeface="Meiryo" charset="-128"/>
+              <a:cs typeface="Meiryo" charset="-128"/>
+            </a:endParaRPr>
+          </a:p>
+          <a:p>
+            <a:pPr marL="914400" lvl="1" indent="-457200">
+              <a:buFont typeface="Arial" charset="0"/>
+              <a:buChar char="•"/>
+            </a:pPr>
+            <a:r>
+              <a:rPr kumimoji="1" lang="ja-JP" altLang="en-US" sz="2800" dirty="0" smtClean="0">
+                <a:latin typeface="Meiryo" charset="-128"/>
+                <a:ea typeface="Meiryo" charset="-128"/>
+                <a:cs typeface="Meiryo" charset="-128"/>
+              </a:rPr>
+              <a:t>デモ作成</a:t>
+            </a:r>
+            <a:endParaRPr kumimoji="1" lang="en-US" altLang="ja-JP" sz="2800" dirty="0" smtClean="0">
+              <a:latin typeface="Meiryo" charset="-128"/>
+              <a:ea typeface="Meiryo" charset="-128"/>
+              <a:cs typeface="Meiryo" charset="-128"/>
+            </a:endParaRPr>
+          </a:p>
+        </p:txBody>
+      </p:sp>
+      <p:sp>
+        <p:nvSpPr>
+          <p:cNvPr id="3" name="四角形吹き出し 2"/>
+          <p:cNvSpPr/>
+          <p:nvPr/>
+        </p:nvSpPr>
+        <p:spPr>
+          <a:xfrm>
+            <a:off x="1841113" y="3257464"/>
+            <a:ext cx="4321794" cy="3020728"/>
+          </a:xfrm>
+          <a:prstGeom prst="wedgeRectCallout">
+            <a:avLst>
+              <a:gd name="adj1" fmla="val -4320"/>
+              <a:gd name="adj2" fmla="val -63013"/>
+            </a:avLst>
+          </a:prstGeom>
+          <a:noFill/>
+          <a:ln>
+            <a:solidFill>
+              <a:schemeClr val="tx1"/>
+            </a:solidFill>
+          </a:ln>
+        </p:spPr>
+        <p:style>
+          <a:lnRef idx="2">
+            <a:schemeClr val="accent1">
+              <a:shade val="50000"/>
+            </a:schemeClr>
+          </a:lnRef>
+          <a:fillRef idx="1">
+            <a:schemeClr val="accent1"/>
+          </a:fillRef>
+          <a:effectRef idx="0">
+            <a:schemeClr val="accent1"/>
+          </a:effectRef>
+          <a:fontRef idx="minor">
+            <a:schemeClr val="lt1"/>
+          </a:fontRef>
+        </p:style>
+        <p:txBody>
+          <a:bodyPr rtlCol="0" anchor="ctr"/>
+          <a:lstStyle/>
+          <a:p>
+            <a:pPr algn="ctr"/>
+            <a:endParaRPr kumimoji="1" lang="ja-JP" altLang="en-US"/>
+          </a:p>
+        </p:txBody>
+      </p:sp>
+      <p:sp>
+        <p:nvSpPr>
+          <p:cNvPr id="14" name="四角形吹き出し 13"/>
+          <p:cNvSpPr/>
+          <p:nvPr/>
+        </p:nvSpPr>
+        <p:spPr>
+          <a:xfrm>
+            <a:off x="6895759" y="3257464"/>
+            <a:ext cx="4321794" cy="3020728"/>
+          </a:xfrm>
+          <a:prstGeom prst="wedgeRectCallout">
+            <a:avLst>
+              <a:gd name="adj1" fmla="val 1873"/>
+              <a:gd name="adj2" fmla="val -59321"/>
+            </a:avLst>
+          </a:prstGeom>
+          <a:noFill/>
+          <a:ln w="76200">
+            <a:solidFill>
+              <a:schemeClr val="accent2"/>
+            </a:solidFill>
+          </a:ln>
+        </p:spPr>
+        <p:style>
+          <a:lnRef idx="2">
+            <a:schemeClr val="accent1">
+              <a:shade val="50000"/>
+            </a:schemeClr>
+          </a:lnRef>
+          <a:fillRef idx="1">
+            <a:schemeClr val="accent1"/>
+          </a:fillRef>
+          <a:effectRef idx="0">
+            <a:schemeClr val="accent1"/>
+          </a:effectRef>
+          <a:fontRef idx="minor">
+            <a:schemeClr val="lt1"/>
+          </a:fontRef>
+        </p:style>
+        <p:txBody>
+          <a:bodyPr rtlCol="0" anchor="ctr"/>
+          <a:lstStyle/>
+          <a:p>
+            <a:pPr algn="ctr"/>
+            <a:endParaRPr kumimoji="1" lang="ja-JP" altLang="en-US"/>
+          </a:p>
+        </p:txBody>
+      </p:sp>
+    </p:spTree>
+    <p:extLst>
+      <p:ext uri="{BB962C8B-B14F-4D97-AF65-F5344CB8AC3E}">
+        <p14:creationId xmlns:p14="http://schemas.microsoft.com/office/powerpoint/2010/main" val="558885161"/>
+      </p:ext>
+    </p:extLst>
+  </p:cSld>
+  <p:clrMapOvr>
+    <a:masterClrMapping/>
+  </p:clrMapOvr>
+  <p:timing>
+    <p:tnLst>
+      <p:par>
+        <p:cTn id="1" dur="indefinite" restart="never" nodeType="tmRoot"/>
+      </p:par>
+    </p:tnLst>
+  </p:timing>
+</p:sld>
+</file>
+
+<file path=ppt/slides/slide9.xml><?xml version="1.0" encoding="utf-8"?>
+<p:sld xmlns:a="http://schemas.openxmlformats.org/drawingml/2006/main" xmlns:r="http://schemas.openxmlformats.org/officeDocument/2006/relationships" xmlns:p="http://schemas.openxmlformats.org/presentationml/2006/main" show="0">
+  <p:cSld>
+    <p:spTree>
+      <p:nvGrpSpPr>
+        <p:cNvPr id="1" name=""/>
+        <p:cNvGrpSpPr/>
+        <p:nvPr/>
+      </p:nvGrpSpPr>
+      <p:grpSpPr>
+        <a:xfrm>
+          <a:off x="0" y="0"/>
+          <a:ext cx="0" cy="0"/>
+          <a:chOff x="0" y="0"/>
+          <a:chExt cx="0" cy="0"/>
+        </a:xfrm>
+      </p:grpSpPr>
+      <p:sp>
+        <p:nvSpPr>
+          <p:cNvPr id="2" name="タイトル 1"/>
+          <p:cNvSpPr>
+            <a:spLocks noGrp="1"/>
+          </p:cNvSpPr>
+          <p:nvPr>
+            <p:ph type="title"/>
+          </p:nvPr>
+        </p:nvSpPr>
+        <p:spPr/>
+        <p:txBody>
+          <a:bodyPr/>
+          <a:lstStyle/>
+          <a:p>
+            <a:r>
+              <a:rPr kumimoji="1" lang="ja-JP" altLang="en-US" dirty="0" smtClean="0"/>
+              <a:t>システム構成</a:t>
+            </a:r>
+            <a:endParaRPr kumimoji="1" lang="ja-JP" altLang="en-US" dirty="0"/>
+          </a:p>
+        </p:txBody>
+      </p:sp>
+      <p:pic>
+        <p:nvPicPr>
+          <p:cNvPr id="9" name="コンテンツ プレースホルダー 8"/>
+          <p:cNvPicPr>
+            <a:picLocks noGrp="1"/>
+          </p:cNvPicPr>
+          <p:nvPr>
+            <p:ph idx="1"/>
+          </p:nvPr>
+        </p:nvPicPr>
+        <p:blipFill>
+          <a:blip r:embed="rId3" cstate="print">
+            <a:extLst>
+              <a:ext uri="{28A0092B-C50C-407E-A947-70E740481C1C}">
+                <a14:useLocalDpi xmlns:a14="http://schemas.microsoft.com/office/drawing/2010/main"/>
+              </a:ext>
+            </a:extLst>
+          </a:blip>
+          <a:stretch>
+            <a:fillRect/>
+          </a:stretch>
+        </p:blipFill>
+        <p:spPr>
+          <a:xfrm flipH="1">
+            <a:off x="3830954" y="3720006"/>
+            <a:ext cx="1260000" cy="1260000"/>
+          </a:xfrm>
+        </p:spPr>
+      </p:pic>
+      <p:sp>
+        <p:nvSpPr>
+          <p:cNvPr id="4" name="スライド番号プレースホルダー 3"/>
+          <p:cNvSpPr>
+            <a:spLocks noGrp="1"/>
+          </p:cNvSpPr>
+          <p:nvPr>
+            <p:ph type="sldNum" sz="quarter" idx="12"/>
+          </p:nvPr>
+        </p:nvSpPr>
+        <p:spPr/>
+        <p:txBody>
+          <a:bodyPr/>
+          <a:lstStyle/>
+          <a:p>
+            <a:fld id="{93ADDFFC-DF84-FE49-BEBB-D585AC897F6E}" type="slidenum">
+              <a:rPr lang="uk-UA" smtClean="0"/>
+              <a:pPr/>
+              <a:t>9</a:t>
             </a:fld>
             <a:endParaRPr lang="uk-UA"/>
           </a:p>
@@ -6881,2225 +12051,14 @@
   <p:clrMapOvr>
     <a:masterClrMapping/>
   </p:clrMapOvr>
-  <p:timing>
-    <p:tnLst>
-      <p:par>
-        <p:cTn id="1" dur="indefinite" restart="never" nodeType="tmRoot"/>
-      </p:par>
-    </p:tnLst>
-  </p:timing>
-</p:sld>
-</file>
-
-<file path=ppt/slides/slide5.xml><?xml version="1.0" encoding="utf-8"?>
-<p:sld xmlns:a="http://schemas.openxmlformats.org/drawingml/2006/main" xmlns:r="http://schemas.openxmlformats.org/officeDocument/2006/relationships" xmlns:p="http://schemas.openxmlformats.org/presentationml/2006/main">
-  <p:cSld>
-    <p:spTree>
-      <p:nvGrpSpPr>
-        <p:cNvPr id="1" name=""/>
-        <p:cNvGrpSpPr/>
-        <p:nvPr/>
-      </p:nvGrpSpPr>
-      <p:grpSpPr>
-        <a:xfrm>
-          <a:off x="0" y="0"/>
-          <a:ext cx="0" cy="0"/>
-          <a:chOff x="0" y="0"/>
-          <a:chExt cx="0" cy="0"/>
-        </a:xfrm>
-      </p:grpSpPr>
-      <p:sp>
-        <p:nvSpPr>
-          <p:cNvPr id="2" name="タイトル 1"/>
-          <p:cNvSpPr>
-            <a:spLocks noGrp="1"/>
-          </p:cNvSpPr>
-          <p:nvPr>
-            <p:ph type="title"/>
-          </p:nvPr>
-        </p:nvSpPr>
-        <p:spPr/>
-        <p:txBody>
-          <a:bodyPr/>
-          <a:lstStyle/>
-          <a:p>
-            <a:r>
-              <a:rPr kumimoji="1" lang="ja-JP" altLang="en-US" dirty="0" smtClean="0"/>
-              <a:t>要素技術</a:t>
-            </a:r>
-            <a:endParaRPr kumimoji="1" lang="ja-JP" altLang="en-US" dirty="0"/>
-          </a:p>
-        </p:txBody>
-      </p:sp>
-      <p:sp>
-        <p:nvSpPr>
-          <p:cNvPr id="3" name="コンテンツ プレースホルダー 2"/>
-          <p:cNvSpPr>
-            <a:spLocks noGrp="1"/>
-          </p:cNvSpPr>
-          <p:nvPr>
-            <p:ph idx="1"/>
-          </p:nvPr>
-        </p:nvSpPr>
-        <p:spPr/>
-        <p:txBody>
-          <a:bodyPr/>
-          <a:lstStyle/>
-          <a:p>
-            <a:r>
-              <a:rPr kumimoji="1" lang="ja-JP" altLang="en-US" dirty="0" smtClean="0"/>
-              <a:t>顔検出</a:t>
-            </a:r>
-            <a:endParaRPr kumimoji="1" lang="en-US" altLang="ja-JP" dirty="0" smtClean="0"/>
-          </a:p>
-          <a:p>
-            <a:pPr lvl="1"/>
-            <a:r>
-              <a:rPr lang="ja-JP" altLang="en-US" dirty="0" smtClean="0"/>
-              <a:t>検出：</a:t>
-            </a:r>
-            <a:r>
-              <a:rPr lang="en-US" altLang="ja-JP" dirty="0" err="1" smtClean="0"/>
-              <a:t>OpenCV</a:t>
-            </a:r>
-            <a:endParaRPr lang="en-US" altLang="ja-JP" dirty="0" smtClean="0"/>
-          </a:p>
-          <a:p>
-            <a:r>
-              <a:rPr lang="ja-JP" altLang="en-US" dirty="0" smtClean="0"/>
-              <a:t>ユーザ認証</a:t>
-            </a:r>
-            <a:endParaRPr lang="en-US" altLang="ja-JP" dirty="0" smtClean="0"/>
-          </a:p>
-          <a:p>
-            <a:pPr lvl="1"/>
-            <a:r>
-              <a:rPr kumimoji="1" lang="ja-JP" altLang="en-US" dirty="0" smtClean="0"/>
-              <a:t>顔認識：</a:t>
-            </a:r>
-            <a:r>
-              <a:rPr kumimoji="1" lang="en-US" altLang="ja-JP" dirty="0" smtClean="0"/>
-              <a:t>Convolutional Neural Network (</a:t>
-            </a:r>
-            <a:r>
-              <a:rPr kumimoji="1" lang="en-US" altLang="ja-JP" dirty="0" err="1" smtClean="0"/>
-              <a:t>AlexNet</a:t>
-            </a:r>
-            <a:r>
-              <a:rPr kumimoji="1" lang="en-US" altLang="ja-JP" dirty="0" smtClean="0"/>
-              <a:t>)</a:t>
-            </a:r>
-          </a:p>
-          <a:p>
-            <a:pPr lvl="1"/>
-            <a:r>
-              <a:rPr lang="ja-JP" altLang="en-US" dirty="0" smtClean="0"/>
-              <a:t>カード認証：</a:t>
-            </a:r>
-            <a:r>
-              <a:rPr lang="en-US" altLang="ja-JP" dirty="0" err="1" smtClean="0"/>
-              <a:t>Felica</a:t>
-            </a:r>
-            <a:endParaRPr kumimoji="1" lang="en-US" altLang="ja-JP" dirty="0" smtClean="0"/>
-          </a:p>
-          <a:p>
-            <a:r>
-              <a:rPr lang="en-US" altLang="ja-JP" dirty="0" err="1" smtClean="0"/>
-              <a:t>RaspberryPi</a:t>
-            </a:r>
-            <a:r>
-              <a:rPr lang="en-US" altLang="ja-JP" dirty="0" smtClean="0"/>
-              <a:t> </a:t>
-            </a:r>
-            <a:r>
-              <a:rPr lang="mr-IN" altLang="ja-JP" dirty="0" smtClean="0"/>
-              <a:t>–</a:t>
-            </a:r>
-            <a:r>
-              <a:rPr lang="en-US" altLang="ja-JP" dirty="0" smtClean="0"/>
-              <a:t> PC</a:t>
-            </a:r>
-            <a:r>
-              <a:rPr lang="ja-JP" altLang="en-US" dirty="0" smtClean="0"/>
-              <a:t>間</a:t>
-            </a:r>
-            <a:r>
-              <a:rPr kumimoji="1" lang="ja-JP" altLang="en-US" dirty="0" smtClean="0"/>
-              <a:t>通信</a:t>
-            </a:r>
-            <a:endParaRPr kumimoji="1" lang="en-US" altLang="ja-JP" dirty="0" smtClean="0"/>
-          </a:p>
-          <a:p>
-            <a:pPr lvl="1"/>
-            <a:r>
-              <a:rPr lang="en-US" altLang="ja-JP" dirty="0" smtClean="0"/>
-              <a:t>HTTP: </a:t>
-            </a:r>
-            <a:br>
-              <a:rPr lang="en-US" altLang="ja-JP" dirty="0" smtClean="0"/>
-            </a:br>
-            <a:r>
-              <a:rPr lang="en-US" altLang="ja-JP" dirty="0" smtClean="0"/>
-              <a:t>	[Client</a:t>
-            </a:r>
-            <a:r>
-              <a:rPr lang="en-US" altLang="ja-JP" dirty="0"/>
-              <a:t>]</a:t>
-            </a:r>
-            <a:r>
-              <a:rPr lang="en-US" altLang="ja-JP" dirty="0" smtClean="0"/>
-              <a:t> PC	 [Server</a:t>
-            </a:r>
-            <a:r>
-              <a:rPr lang="en-US" altLang="ja-JP" dirty="0"/>
-              <a:t>]</a:t>
-            </a:r>
-            <a:r>
-              <a:rPr lang="en-US" altLang="ja-JP" dirty="0" smtClean="0"/>
-              <a:t> </a:t>
-            </a:r>
-            <a:r>
-              <a:rPr lang="en-US" altLang="ja-JP" dirty="0" err="1" smtClean="0"/>
-              <a:t>RaspberryPi</a:t>
-            </a:r>
-            <a:endParaRPr kumimoji="1" lang="en-US" altLang="ja-JP" dirty="0" smtClean="0"/>
-          </a:p>
-          <a:p>
-            <a:r>
-              <a:rPr lang="ja-JP" altLang="en-US" dirty="0" smtClean="0"/>
-              <a:t>ユーザインターフェース</a:t>
-            </a:r>
-            <a:endParaRPr lang="en-US" altLang="ja-JP" dirty="0" smtClean="0"/>
-          </a:p>
-          <a:p>
-            <a:pPr lvl="1"/>
-            <a:r>
-              <a:rPr kumimoji="1" lang="en-US" altLang="ja-JP" dirty="0" smtClean="0"/>
-              <a:t>GUI: pyQt5</a:t>
-            </a:r>
-            <a:endParaRPr kumimoji="1" lang="ja-JP" altLang="en-US" dirty="0"/>
-          </a:p>
-        </p:txBody>
-      </p:sp>
-      <p:sp>
-        <p:nvSpPr>
-          <p:cNvPr id="4" name="スライド番号プレースホルダー 3"/>
-          <p:cNvSpPr>
-            <a:spLocks noGrp="1"/>
-          </p:cNvSpPr>
-          <p:nvPr>
-            <p:ph type="sldNum" sz="quarter" idx="12"/>
-          </p:nvPr>
-        </p:nvSpPr>
-        <p:spPr/>
-        <p:txBody>
-          <a:bodyPr/>
-          <a:lstStyle/>
-          <a:p>
-            <a:fld id="{93ADDFFC-DF84-FE49-BEBB-D585AC897F6E}" type="slidenum">
-              <a:rPr lang="uk-UA" smtClean="0"/>
-              <a:pPr/>
-              <a:t>5</a:t>
-            </a:fld>
-            <a:endParaRPr lang="uk-UA"/>
-          </a:p>
-        </p:txBody>
-      </p:sp>
-    </p:spTree>
-    <p:extLst>
-      <p:ext uri="{BB962C8B-B14F-4D97-AF65-F5344CB8AC3E}">
-        <p14:creationId xmlns:p14="http://schemas.microsoft.com/office/powerpoint/2010/main" val="940929648"/>
-      </p:ext>
-    </p:extLst>
-  </p:cSld>
-  <p:clrMapOvr>
-    <a:masterClrMapping/>
-  </p:clrMapOvr>
-  <p:timing>
-    <p:tnLst>
-      <p:par>
-        <p:cTn id="1" dur="indefinite" restart="never" nodeType="tmRoot"/>
-      </p:par>
-    </p:tnLst>
-  </p:timing>
-</p:sld>
-</file>
-
-<file path=ppt/slides/slide6.xml><?xml version="1.0" encoding="utf-8"?>
-<p:sld xmlns:a="http://schemas.openxmlformats.org/drawingml/2006/main" xmlns:r="http://schemas.openxmlformats.org/officeDocument/2006/relationships" xmlns:p="http://schemas.openxmlformats.org/presentationml/2006/main">
-  <p:cSld>
-    <p:spTree>
-      <p:nvGrpSpPr>
-        <p:cNvPr id="1" name=""/>
-        <p:cNvGrpSpPr/>
-        <p:nvPr/>
-      </p:nvGrpSpPr>
-      <p:grpSpPr>
-        <a:xfrm>
-          <a:off x="0" y="0"/>
-          <a:ext cx="0" cy="0"/>
-          <a:chOff x="0" y="0"/>
-          <a:chExt cx="0" cy="0"/>
-        </a:xfrm>
-      </p:grpSpPr>
-      <p:sp>
-        <p:nvSpPr>
-          <p:cNvPr id="2" name="タイトル 1"/>
-          <p:cNvSpPr>
-            <a:spLocks noGrp="1"/>
-          </p:cNvSpPr>
-          <p:nvPr>
-            <p:ph type="title"/>
-          </p:nvPr>
-        </p:nvSpPr>
-        <p:spPr/>
-        <p:txBody>
-          <a:bodyPr/>
-          <a:lstStyle/>
-          <a:p>
-            <a:r>
-              <a:rPr kumimoji="1" lang="ja-JP" altLang="en-US" dirty="0" smtClean="0"/>
-              <a:t>進捗</a:t>
-            </a:r>
-            <a:endParaRPr kumimoji="1" lang="ja-JP" altLang="en-US" dirty="0"/>
-          </a:p>
-        </p:txBody>
-      </p:sp>
-      <p:sp>
-        <p:nvSpPr>
-          <p:cNvPr id="4" name="スライド番号プレースホルダー 3"/>
-          <p:cNvSpPr>
-            <a:spLocks noGrp="1"/>
-          </p:cNvSpPr>
-          <p:nvPr>
-            <p:ph type="sldNum" sz="quarter" idx="12"/>
-          </p:nvPr>
-        </p:nvSpPr>
-        <p:spPr/>
-        <p:txBody>
-          <a:bodyPr/>
-          <a:lstStyle/>
-          <a:p>
-            <a:fld id="{93ADDFFC-DF84-FE49-BEBB-D585AC897F6E}" type="slidenum">
-              <a:rPr lang="uk-UA" smtClean="0"/>
-              <a:pPr/>
-              <a:t>6</a:t>
-            </a:fld>
-            <a:endParaRPr lang="uk-UA"/>
-          </a:p>
-        </p:txBody>
-      </p:sp>
-      <p:sp>
-        <p:nvSpPr>
-          <p:cNvPr id="10" name="正方形/長方形 9"/>
-          <p:cNvSpPr/>
-          <p:nvPr/>
-        </p:nvSpPr>
-        <p:spPr>
-          <a:xfrm>
-            <a:off x="869798" y="1378459"/>
-            <a:ext cx="5329354" cy="2666571"/>
-          </a:xfrm>
-          <a:prstGeom prst="rect">
-            <a:avLst/>
-          </a:prstGeom>
-          <a:solidFill>
-            <a:schemeClr val="accent5">
-              <a:lumMod val="50000"/>
-            </a:schemeClr>
-          </a:solidFill>
-          <a:ln>
-            <a:noFill/>
-          </a:ln>
-        </p:spPr>
-        <p:style>
-          <a:lnRef idx="2">
-            <a:schemeClr val="accent1">
-              <a:shade val="50000"/>
-            </a:schemeClr>
-          </a:lnRef>
-          <a:fillRef idx="1">
-            <a:schemeClr val="accent1"/>
-          </a:fillRef>
-          <a:effectRef idx="0">
-            <a:schemeClr val="accent1"/>
-          </a:effectRef>
-          <a:fontRef idx="minor">
-            <a:schemeClr val="lt1"/>
-          </a:fontRef>
-        </p:style>
-        <p:txBody>
-          <a:bodyPr rtlCol="0" anchor="ctr"/>
-          <a:lstStyle/>
-          <a:p>
-            <a:pPr algn="ctr"/>
-            <a:endParaRPr kumimoji="1" lang="ja-JP" altLang="en-US"/>
-          </a:p>
-        </p:txBody>
-      </p:sp>
-      <p:sp>
-        <p:nvSpPr>
-          <p:cNvPr id="15" name="正方形/長方形 14"/>
-          <p:cNvSpPr/>
-          <p:nvPr/>
-        </p:nvSpPr>
-        <p:spPr>
-          <a:xfrm>
-            <a:off x="869797" y="4136579"/>
-            <a:ext cx="5329354" cy="2464943"/>
-          </a:xfrm>
-          <a:prstGeom prst="rect">
-            <a:avLst/>
-          </a:prstGeom>
-          <a:solidFill>
-            <a:schemeClr val="accent5">
-              <a:lumMod val="50000"/>
-            </a:schemeClr>
-          </a:solidFill>
-          <a:ln>
-            <a:noFill/>
-          </a:ln>
-        </p:spPr>
-        <p:style>
-          <a:lnRef idx="2">
-            <a:schemeClr val="accent1">
-              <a:shade val="50000"/>
-            </a:schemeClr>
-          </a:lnRef>
-          <a:fillRef idx="1">
-            <a:schemeClr val="accent1"/>
-          </a:fillRef>
-          <a:effectRef idx="0">
-            <a:schemeClr val="accent1"/>
-          </a:effectRef>
-          <a:fontRef idx="minor">
-            <a:schemeClr val="lt1"/>
-          </a:fontRef>
-        </p:style>
-        <p:txBody>
-          <a:bodyPr rtlCol="0" anchor="ctr"/>
-          <a:lstStyle/>
-          <a:p>
-            <a:pPr algn="ctr"/>
-            <a:endParaRPr kumimoji="1" lang="ja-JP" altLang="en-US"/>
-          </a:p>
-        </p:txBody>
-      </p:sp>
-      <p:sp>
-        <p:nvSpPr>
-          <p:cNvPr id="16" name="正方形/長方形 15"/>
-          <p:cNvSpPr/>
-          <p:nvPr/>
-        </p:nvSpPr>
-        <p:spPr>
-          <a:xfrm>
-            <a:off x="6334819" y="1378459"/>
-            <a:ext cx="5329354" cy="2666571"/>
-          </a:xfrm>
-          <a:prstGeom prst="rect">
-            <a:avLst/>
-          </a:prstGeom>
-          <a:solidFill>
-            <a:schemeClr val="accent5">
-              <a:lumMod val="50000"/>
-            </a:schemeClr>
-          </a:solidFill>
-          <a:ln>
-            <a:noFill/>
-          </a:ln>
-        </p:spPr>
-        <p:style>
-          <a:lnRef idx="2">
-            <a:schemeClr val="accent1">
-              <a:shade val="50000"/>
-            </a:schemeClr>
-          </a:lnRef>
-          <a:fillRef idx="1">
-            <a:schemeClr val="accent1"/>
-          </a:fillRef>
-          <a:effectRef idx="0">
-            <a:schemeClr val="accent1"/>
-          </a:effectRef>
-          <a:fontRef idx="minor">
-            <a:schemeClr val="lt1"/>
-          </a:fontRef>
-        </p:style>
-        <p:txBody>
-          <a:bodyPr rtlCol="0" anchor="ctr"/>
-          <a:lstStyle/>
-          <a:p>
-            <a:pPr algn="ctr"/>
-            <a:endParaRPr kumimoji="1" lang="ja-JP" altLang="en-US"/>
-          </a:p>
-        </p:txBody>
-      </p:sp>
-      <p:sp>
-        <p:nvSpPr>
-          <p:cNvPr id="17" name="正方形/長方形 16"/>
-          <p:cNvSpPr/>
-          <p:nvPr/>
-        </p:nvSpPr>
-        <p:spPr>
-          <a:xfrm>
-            <a:off x="6334818" y="4136579"/>
-            <a:ext cx="5329354" cy="2464943"/>
-          </a:xfrm>
-          <a:prstGeom prst="rect">
-            <a:avLst/>
-          </a:prstGeom>
-          <a:solidFill>
-            <a:schemeClr val="accent5">
-              <a:lumMod val="50000"/>
-            </a:schemeClr>
-          </a:solidFill>
-          <a:ln>
-            <a:noFill/>
-          </a:ln>
-        </p:spPr>
-        <p:style>
-          <a:lnRef idx="2">
-            <a:schemeClr val="accent1">
-              <a:shade val="50000"/>
-            </a:schemeClr>
-          </a:lnRef>
-          <a:fillRef idx="1">
-            <a:schemeClr val="accent1"/>
-          </a:fillRef>
-          <a:effectRef idx="0">
-            <a:schemeClr val="accent1"/>
-          </a:effectRef>
-          <a:fontRef idx="minor">
-            <a:schemeClr val="lt1"/>
-          </a:fontRef>
-        </p:style>
-        <p:txBody>
-          <a:bodyPr rtlCol="0" anchor="ctr"/>
-          <a:lstStyle/>
-          <a:p>
-            <a:pPr algn="ctr"/>
-            <a:endParaRPr kumimoji="1" lang="ja-JP" altLang="en-US"/>
-          </a:p>
-        </p:txBody>
-      </p:sp>
-      <p:sp>
-        <p:nvSpPr>
-          <p:cNvPr id="12" name="テキスト ボックス 11"/>
-          <p:cNvSpPr txBox="1"/>
-          <p:nvPr/>
-        </p:nvSpPr>
-        <p:spPr>
-          <a:xfrm>
-            <a:off x="1099827" y="1485672"/>
-            <a:ext cx="2864887" cy="2215991"/>
-          </a:xfrm>
-          <a:prstGeom prst="rect">
-            <a:avLst/>
-          </a:prstGeom>
-          <a:noFill/>
-        </p:spPr>
-        <p:txBody>
-          <a:bodyPr wrap="none" rtlCol="0">
-            <a:spAutoFit/>
-          </a:bodyPr>
-          <a:lstStyle/>
-          <a:p>
-            <a:pPr>
-              <a:spcAft>
-                <a:spcPts val="1200"/>
-              </a:spcAft>
-            </a:pPr>
-            <a:r>
-              <a:rPr kumimoji="1" lang="ja-JP" altLang="en-US" sz="2800" b="1" u="sng" dirty="0" smtClean="0">
-                <a:solidFill>
-                  <a:schemeClr val="bg1"/>
-                </a:solidFill>
-                <a:latin typeface="Meiryo" charset="-128"/>
-                <a:ea typeface="Meiryo" charset="-128"/>
-                <a:cs typeface="Meiryo" charset="-128"/>
-              </a:rPr>
-              <a:t>顔検出</a:t>
-            </a:r>
-            <a:endParaRPr kumimoji="1" lang="en-US" altLang="ja-JP" sz="2800" b="1" u="sng" dirty="0" smtClean="0">
-              <a:solidFill>
-                <a:schemeClr val="bg1"/>
-              </a:solidFill>
-              <a:latin typeface="Meiryo" charset="-128"/>
-              <a:ea typeface="Meiryo" charset="-128"/>
-              <a:cs typeface="Meiryo" charset="-128"/>
-            </a:endParaRPr>
-          </a:p>
-          <a:p>
-            <a:pPr marL="457200" indent="-457200">
-              <a:buClr>
-                <a:schemeClr val="bg1"/>
-              </a:buClr>
-              <a:buFont typeface="Wingdings" charset="2"/>
-              <a:buChar char="u"/>
-            </a:pPr>
-            <a:r>
-              <a:rPr lang="ja-JP" altLang="en-US" sz="2800" b="1" dirty="0" smtClean="0">
-                <a:solidFill>
-                  <a:schemeClr val="bg1"/>
-                </a:solidFill>
-                <a:latin typeface="Meiryo" charset="-128"/>
-                <a:ea typeface="Meiryo" charset="-128"/>
-                <a:cs typeface="Meiryo" charset="-128"/>
-              </a:rPr>
-              <a:t>進捗：</a:t>
-            </a:r>
-            <a:r>
-              <a:rPr lang="en-US" altLang="ja-JP" sz="2800" b="1" dirty="0" smtClean="0">
-                <a:solidFill>
-                  <a:schemeClr val="bg1"/>
-                </a:solidFill>
-                <a:latin typeface="Meiryo" charset="-128"/>
-                <a:ea typeface="Meiryo" charset="-128"/>
-                <a:cs typeface="Meiryo" charset="-128"/>
-              </a:rPr>
-              <a:t>100%</a:t>
-            </a:r>
-          </a:p>
-          <a:p>
-            <a:pPr marL="914400" lvl="1" indent="-457200">
-              <a:buClr>
-                <a:schemeClr val="bg1"/>
-              </a:buClr>
-              <a:buFont typeface="Wingdings" charset="2"/>
-              <a:buChar char="ü"/>
-            </a:pPr>
-            <a:r>
-              <a:rPr kumimoji="1" lang="ja-JP" altLang="en-US" sz="2400" b="1" dirty="0" smtClean="0">
-                <a:solidFill>
-                  <a:schemeClr val="bg1"/>
-                </a:solidFill>
-                <a:latin typeface="Meiryo" charset="-128"/>
-                <a:ea typeface="Meiryo" charset="-128"/>
-                <a:cs typeface="Meiryo" charset="-128"/>
-              </a:rPr>
-              <a:t>顔検出</a:t>
-            </a:r>
-            <a:endParaRPr lang="en-US" altLang="ja-JP" sz="2400" b="1" dirty="0">
-              <a:solidFill>
-                <a:schemeClr val="bg1"/>
-              </a:solidFill>
-              <a:latin typeface="Meiryo" charset="-128"/>
-              <a:ea typeface="Meiryo" charset="-128"/>
-              <a:cs typeface="Meiryo" charset="-128"/>
-            </a:endParaRPr>
-          </a:p>
-          <a:p>
-            <a:pPr marL="914400" lvl="1" indent="-457200">
-              <a:buClr>
-                <a:schemeClr val="bg1"/>
-              </a:buClr>
-              <a:buFont typeface="Wingdings" charset="2"/>
-              <a:buChar char="ü"/>
-            </a:pPr>
-            <a:r>
-              <a:rPr kumimoji="1" lang="ja-JP" altLang="en-US" sz="2400" b="1" dirty="0" smtClean="0">
-                <a:solidFill>
-                  <a:schemeClr val="bg1"/>
-                </a:solidFill>
-                <a:latin typeface="Meiryo" charset="-128"/>
-                <a:ea typeface="Meiryo" charset="-128"/>
-                <a:cs typeface="Meiryo" charset="-128"/>
-              </a:rPr>
-              <a:t>顔抽出</a:t>
-            </a:r>
-            <a:endParaRPr lang="en-US" altLang="ja-JP" sz="2400" b="1" dirty="0">
-              <a:solidFill>
-                <a:schemeClr val="bg1"/>
-              </a:solidFill>
-              <a:latin typeface="Meiryo" charset="-128"/>
-              <a:ea typeface="Meiryo" charset="-128"/>
-              <a:cs typeface="Meiryo" charset="-128"/>
-            </a:endParaRPr>
-          </a:p>
-          <a:p>
-            <a:pPr marL="914400" lvl="1" indent="-457200">
-              <a:buClr>
-                <a:schemeClr val="bg1"/>
-              </a:buClr>
-              <a:buFont typeface="Wingdings" charset="2"/>
-              <a:buChar char="ü"/>
-            </a:pPr>
-            <a:r>
-              <a:rPr kumimoji="1" lang="ja-JP" altLang="en-US" sz="2400" b="1" dirty="0" smtClean="0">
-                <a:solidFill>
-                  <a:schemeClr val="bg1"/>
-                </a:solidFill>
-                <a:latin typeface="Meiryo" charset="-128"/>
-                <a:ea typeface="Meiryo" charset="-128"/>
-                <a:cs typeface="Meiryo" charset="-128"/>
-              </a:rPr>
-              <a:t>画像生成</a:t>
-            </a:r>
-            <a:endParaRPr kumimoji="1" lang="ja-JP" altLang="en-US" sz="2400" b="1" dirty="0">
-              <a:solidFill>
-                <a:schemeClr val="bg1"/>
-              </a:solidFill>
-              <a:latin typeface="Meiryo" charset="-128"/>
-              <a:ea typeface="Meiryo" charset="-128"/>
-              <a:cs typeface="Meiryo" charset="-128"/>
-            </a:endParaRPr>
-          </a:p>
-        </p:txBody>
-      </p:sp>
-      <p:sp>
-        <p:nvSpPr>
-          <p:cNvPr id="18" name="テキスト ボックス 17"/>
-          <p:cNvSpPr txBox="1"/>
-          <p:nvPr/>
-        </p:nvSpPr>
-        <p:spPr>
-          <a:xfrm>
-            <a:off x="6487998" y="1485672"/>
-            <a:ext cx="3733714" cy="2585323"/>
-          </a:xfrm>
-          <a:prstGeom prst="rect">
-            <a:avLst/>
-          </a:prstGeom>
-          <a:noFill/>
-        </p:spPr>
-        <p:txBody>
-          <a:bodyPr wrap="none" rtlCol="0">
-            <a:spAutoFit/>
-          </a:bodyPr>
-          <a:lstStyle/>
-          <a:p>
-            <a:pPr>
-              <a:spcAft>
-                <a:spcPts val="1200"/>
-              </a:spcAft>
-            </a:pPr>
-            <a:r>
-              <a:rPr lang="ja-JP" altLang="en-US" sz="2800" b="1" u="sng" dirty="0" smtClean="0">
-                <a:solidFill>
-                  <a:schemeClr val="bg1"/>
-                </a:solidFill>
-                <a:latin typeface="Meiryo" charset="-128"/>
-                <a:ea typeface="Meiryo" charset="-128"/>
-                <a:cs typeface="Meiryo" charset="-128"/>
-              </a:rPr>
-              <a:t>ユーザ認証</a:t>
-            </a:r>
-            <a:endParaRPr lang="en-US" altLang="ja-JP" sz="2800" b="1" u="sng" dirty="0" smtClean="0">
-              <a:solidFill>
-                <a:schemeClr val="bg1"/>
-              </a:solidFill>
-              <a:latin typeface="Meiryo" charset="-128"/>
-              <a:ea typeface="Meiryo" charset="-128"/>
-              <a:cs typeface="Meiryo" charset="-128"/>
-            </a:endParaRPr>
-          </a:p>
-          <a:p>
-            <a:pPr marL="457200" indent="-457200">
-              <a:buClr>
-                <a:schemeClr val="bg1"/>
-              </a:buClr>
-              <a:buFont typeface="Wingdings" charset="2"/>
-              <a:buChar char="u"/>
-            </a:pPr>
-            <a:r>
-              <a:rPr lang="ja-JP" altLang="en-US" sz="2400" b="1" dirty="0" smtClean="0">
-                <a:solidFill>
-                  <a:schemeClr val="bg1"/>
-                </a:solidFill>
-                <a:latin typeface="Meiryo" charset="-128"/>
-                <a:ea typeface="Meiryo" charset="-128"/>
-                <a:cs typeface="Meiryo" charset="-128"/>
-              </a:rPr>
-              <a:t>進捗</a:t>
-            </a:r>
-            <a:r>
-              <a:rPr lang="ja-JP" altLang="en-US" sz="2400" b="1" dirty="0" smtClean="0">
-                <a:solidFill>
-                  <a:schemeClr val="bg1"/>
-                </a:solidFill>
-                <a:latin typeface="Meiryo" charset="-128"/>
-                <a:ea typeface="Meiryo" charset="-128"/>
-                <a:cs typeface="Meiryo" charset="-128"/>
-              </a:rPr>
-              <a:t>：</a:t>
-            </a:r>
-            <a:r>
-              <a:rPr lang="en-US" altLang="ja-JP" sz="2400" b="1" dirty="0">
-                <a:solidFill>
-                  <a:schemeClr val="bg1"/>
-                </a:solidFill>
-                <a:latin typeface="Meiryo" charset="-128"/>
-                <a:ea typeface="Meiryo" charset="-128"/>
-                <a:cs typeface="Meiryo" charset="-128"/>
-              </a:rPr>
-              <a:t>8</a:t>
-            </a:r>
-            <a:r>
-              <a:rPr lang="en-US" altLang="ja-JP" sz="2400" b="1" dirty="0" smtClean="0">
-                <a:solidFill>
-                  <a:schemeClr val="bg1"/>
-                </a:solidFill>
-                <a:latin typeface="Meiryo" charset="-128"/>
-                <a:ea typeface="Meiryo" charset="-128"/>
-                <a:cs typeface="Meiryo" charset="-128"/>
-              </a:rPr>
-              <a:t>0</a:t>
-            </a:r>
-            <a:r>
-              <a:rPr lang="en-US" altLang="ja-JP" sz="2400" b="1" dirty="0" smtClean="0">
-                <a:solidFill>
-                  <a:schemeClr val="bg1"/>
-                </a:solidFill>
-                <a:latin typeface="Meiryo" charset="-128"/>
-                <a:ea typeface="Meiryo" charset="-128"/>
-                <a:cs typeface="Meiryo" charset="-128"/>
-              </a:rPr>
-              <a:t>%</a:t>
-            </a:r>
-          </a:p>
-          <a:p>
-            <a:pPr marL="914400" lvl="1" indent="-457200">
-              <a:buClr>
-                <a:schemeClr val="bg1"/>
-              </a:buClr>
-              <a:buFont typeface="Wingdings" charset="2"/>
-              <a:buChar char="ü"/>
-            </a:pPr>
-            <a:r>
-              <a:rPr lang="ja-JP" altLang="en-US" sz="2400" b="1" dirty="0" smtClean="0">
-                <a:solidFill>
-                  <a:schemeClr val="bg1"/>
-                </a:solidFill>
-                <a:latin typeface="Meiryo" charset="-128"/>
-                <a:ea typeface="Meiryo" charset="-128"/>
-                <a:cs typeface="Meiryo" charset="-128"/>
-              </a:rPr>
-              <a:t>固有顔法</a:t>
-            </a:r>
-            <a:endParaRPr lang="en-US" altLang="ja-JP" sz="2400" b="1" dirty="0" smtClean="0">
-              <a:solidFill>
-                <a:schemeClr val="bg1"/>
-              </a:solidFill>
-              <a:latin typeface="Meiryo" charset="-128"/>
-              <a:ea typeface="Meiryo" charset="-128"/>
-              <a:cs typeface="Meiryo" charset="-128"/>
-            </a:endParaRPr>
-          </a:p>
-          <a:p>
-            <a:pPr marL="914400" lvl="1" indent="-457200">
-              <a:buClr>
-                <a:schemeClr val="bg1"/>
-              </a:buClr>
-              <a:buFont typeface="Wingdings" charset="2"/>
-              <a:buChar char="ü"/>
-            </a:pPr>
-            <a:r>
-              <a:rPr lang="en-US" altLang="ja-JP" sz="2400" b="1" dirty="0" smtClean="0">
-                <a:solidFill>
-                  <a:schemeClr val="bg1"/>
-                </a:solidFill>
-                <a:latin typeface="Meiryo" charset="-128"/>
-                <a:ea typeface="Meiryo" charset="-128"/>
-                <a:cs typeface="Meiryo" charset="-128"/>
-              </a:rPr>
-              <a:t>CNN</a:t>
-            </a:r>
-          </a:p>
-          <a:p>
-            <a:pPr marL="914400" lvl="1" indent="-457200">
-              <a:buClr>
-                <a:schemeClr val="bg1"/>
-              </a:buClr>
-              <a:buFont typeface="Wingdings" charset="2"/>
-              <a:buChar char="p"/>
-            </a:pPr>
-            <a:r>
-              <a:rPr lang="en-US" altLang="ja-JP" sz="2400" b="1" dirty="0" smtClean="0">
-                <a:solidFill>
-                  <a:schemeClr val="bg1"/>
-                </a:solidFill>
-                <a:latin typeface="Meiryo" charset="-128"/>
-                <a:ea typeface="Meiryo" charset="-128"/>
-                <a:cs typeface="Meiryo" charset="-128"/>
-              </a:rPr>
-              <a:t>face recognition</a:t>
-            </a:r>
-            <a:endParaRPr lang="en-US" altLang="ja-JP" sz="2400" b="1" dirty="0" smtClean="0">
-              <a:solidFill>
-                <a:schemeClr val="bg1"/>
-              </a:solidFill>
-              <a:latin typeface="Meiryo" charset="-128"/>
-              <a:ea typeface="Meiryo" charset="-128"/>
-              <a:cs typeface="Meiryo" charset="-128"/>
-            </a:endParaRPr>
-          </a:p>
-          <a:p>
-            <a:pPr marL="914400" lvl="1" indent="-457200">
-              <a:buClr>
-                <a:schemeClr val="bg1"/>
-              </a:buClr>
-              <a:buFont typeface="Wingdings" charset="2"/>
-              <a:buChar char="p"/>
-            </a:pPr>
-            <a:r>
-              <a:rPr lang="en-US" altLang="ja-JP" sz="2400" b="1" dirty="0" smtClean="0">
-                <a:solidFill>
-                  <a:schemeClr val="bg1"/>
-                </a:solidFill>
-                <a:latin typeface="Meiryo" charset="-128"/>
-                <a:ea typeface="Meiryo" charset="-128"/>
-                <a:cs typeface="Meiryo" charset="-128"/>
-              </a:rPr>
-              <a:t>CNN (</a:t>
-            </a:r>
-            <a:r>
-              <a:rPr lang="ja-JP" altLang="en-US" sz="2400" b="1" dirty="0" smtClean="0">
-                <a:solidFill>
-                  <a:schemeClr val="bg1"/>
-                </a:solidFill>
-                <a:latin typeface="Meiryo" charset="-128"/>
-                <a:ea typeface="Meiryo" charset="-128"/>
-                <a:cs typeface="Meiryo" charset="-128"/>
-              </a:rPr>
-              <a:t>転移学習</a:t>
-            </a:r>
-            <a:r>
-              <a:rPr lang="en-US" altLang="ja-JP" sz="2400" b="1" dirty="0" smtClean="0">
-                <a:solidFill>
-                  <a:schemeClr val="bg1"/>
-                </a:solidFill>
-                <a:latin typeface="Meiryo" charset="-128"/>
-                <a:ea typeface="Meiryo" charset="-128"/>
-                <a:cs typeface="Meiryo" charset="-128"/>
-              </a:rPr>
-              <a:t>)</a:t>
-            </a:r>
-          </a:p>
-        </p:txBody>
-      </p:sp>
-      <p:sp>
-        <p:nvSpPr>
-          <p:cNvPr id="19" name="テキスト ボックス 18"/>
-          <p:cNvSpPr txBox="1"/>
-          <p:nvPr/>
-        </p:nvSpPr>
-        <p:spPr>
-          <a:xfrm>
-            <a:off x="1099827" y="4241450"/>
-            <a:ext cx="4662367" cy="2154436"/>
-          </a:xfrm>
-          <a:prstGeom prst="rect">
-            <a:avLst/>
-          </a:prstGeom>
-          <a:noFill/>
-        </p:spPr>
-        <p:txBody>
-          <a:bodyPr wrap="none" rtlCol="0">
-            <a:spAutoFit/>
-          </a:bodyPr>
-          <a:lstStyle/>
-          <a:p>
-            <a:pPr>
-              <a:spcAft>
-                <a:spcPts val="1200"/>
-              </a:spcAft>
-            </a:pPr>
-            <a:r>
-              <a:rPr lang="en-US" altLang="ja-JP" sz="2800" b="1" u="sng" dirty="0" err="1" smtClean="0">
-                <a:solidFill>
-                  <a:schemeClr val="bg1"/>
-                </a:solidFill>
-                <a:latin typeface="Meiryo" charset="-128"/>
-                <a:ea typeface="Meiryo" charset="-128"/>
-                <a:cs typeface="Meiryo" charset="-128"/>
-              </a:rPr>
-              <a:t>RaspberryPi</a:t>
-            </a:r>
-            <a:r>
-              <a:rPr lang="en-US" altLang="ja-JP" sz="2800" b="1" u="sng" dirty="0" smtClean="0">
-                <a:solidFill>
-                  <a:schemeClr val="bg1"/>
-                </a:solidFill>
-                <a:latin typeface="Meiryo" charset="-128"/>
-                <a:ea typeface="Meiryo" charset="-128"/>
-                <a:cs typeface="Meiryo" charset="-128"/>
-              </a:rPr>
-              <a:t> </a:t>
-            </a:r>
-            <a:r>
-              <a:rPr lang="mr-IN" altLang="ja-JP" sz="2800" b="1" u="sng" dirty="0" smtClean="0">
-                <a:solidFill>
-                  <a:schemeClr val="bg1"/>
-                </a:solidFill>
-                <a:latin typeface="Meiryo" charset="-128"/>
-                <a:ea typeface="Meiryo" charset="-128"/>
-                <a:cs typeface="Meiryo" charset="-128"/>
-              </a:rPr>
-              <a:t>–</a:t>
-            </a:r>
-            <a:r>
-              <a:rPr lang="en-US" altLang="ja-JP" sz="2800" b="1" u="sng" dirty="0" smtClean="0">
-                <a:solidFill>
-                  <a:schemeClr val="bg1"/>
-                </a:solidFill>
-                <a:latin typeface="Meiryo" charset="-128"/>
-                <a:ea typeface="Meiryo" charset="-128"/>
-                <a:cs typeface="Meiryo" charset="-128"/>
-              </a:rPr>
-              <a:t> PC </a:t>
-            </a:r>
-            <a:r>
-              <a:rPr lang="ja-JP" altLang="en-US" sz="2800" b="1" u="sng" dirty="0" smtClean="0">
-                <a:solidFill>
-                  <a:schemeClr val="bg1"/>
-                </a:solidFill>
-                <a:latin typeface="Meiryo" charset="-128"/>
-                <a:ea typeface="Meiryo" charset="-128"/>
-                <a:cs typeface="Meiryo" charset="-128"/>
-              </a:rPr>
-              <a:t>間通信</a:t>
-            </a:r>
-            <a:endParaRPr lang="en-US" altLang="ja-JP" sz="2800" b="1" u="sng" dirty="0" smtClean="0">
-              <a:solidFill>
-                <a:schemeClr val="bg1"/>
-              </a:solidFill>
-              <a:latin typeface="Meiryo" charset="-128"/>
-              <a:ea typeface="Meiryo" charset="-128"/>
-              <a:cs typeface="Meiryo" charset="-128"/>
-            </a:endParaRPr>
-          </a:p>
-          <a:p>
-            <a:pPr marL="457200" indent="-457200">
-              <a:buClr>
-                <a:schemeClr val="bg1"/>
-              </a:buClr>
-              <a:buFont typeface="Wingdings" charset="2"/>
-              <a:buChar char="u"/>
-            </a:pPr>
-            <a:r>
-              <a:rPr kumimoji="1" lang="ja-JP" altLang="en-US" sz="2400" b="1" dirty="0" smtClean="0">
-                <a:solidFill>
-                  <a:schemeClr val="bg1"/>
-                </a:solidFill>
-                <a:latin typeface="Meiryo" charset="-128"/>
-                <a:ea typeface="Meiryo" charset="-128"/>
-                <a:cs typeface="Meiryo" charset="-128"/>
-              </a:rPr>
-              <a:t>進捗</a:t>
-            </a:r>
-            <a:r>
-              <a:rPr lang="ja-JP" altLang="en-US" sz="2400" b="1" dirty="0" smtClean="0">
-                <a:solidFill>
-                  <a:schemeClr val="bg1"/>
-                </a:solidFill>
-                <a:latin typeface="Meiryo" charset="-128"/>
-                <a:ea typeface="Meiryo" charset="-128"/>
-                <a:cs typeface="Meiryo" charset="-128"/>
-              </a:rPr>
-              <a:t>：</a:t>
-            </a:r>
-            <a:r>
-              <a:rPr lang="en-US" altLang="ja-JP" sz="2400" b="1" dirty="0" smtClean="0">
-                <a:solidFill>
-                  <a:schemeClr val="bg1"/>
-                </a:solidFill>
-                <a:latin typeface="Meiryo" charset="-128"/>
-                <a:ea typeface="Meiryo" charset="-128"/>
-                <a:cs typeface="Meiryo" charset="-128"/>
-              </a:rPr>
-              <a:t>90</a:t>
-            </a:r>
-            <a:r>
-              <a:rPr kumimoji="1" lang="en-US" altLang="ja-JP" sz="2400" b="1" dirty="0" smtClean="0">
-                <a:solidFill>
-                  <a:schemeClr val="bg1"/>
-                </a:solidFill>
-                <a:latin typeface="Meiryo" charset="-128"/>
-                <a:ea typeface="Meiryo" charset="-128"/>
-                <a:cs typeface="Meiryo" charset="-128"/>
-              </a:rPr>
-              <a:t>%</a:t>
-            </a:r>
-            <a:endParaRPr kumimoji="1" lang="en-US" altLang="ja-JP" sz="2400" b="1" dirty="0" smtClean="0">
-              <a:solidFill>
-                <a:schemeClr val="bg1"/>
-              </a:solidFill>
-              <a:latin typeface="Meiryo" charset="-128"/>
-              <a:ea typeface="Meiryo" charset="-128"/>
-              <a:cs typeface="Meiryo" charset="-128"/>
-            </a:endParaRPr>
-          </a:p>
-          <a:p>
-            <a:pPr marL="914400" lvl="1" indent="-457200">
-              <a:buClr>
-                <a:schemeClr val="bg1"/>
-              </a:buClr>
-              <a:buFont typeface="Wingdings" charset="2"/>
-              <a:buChar char="p"/>
-            </a:pPr>
-            <a:r>
-              <a:rPr lang="ja-JP" altLang="en-US" sz="2400" b="1" dirty="0" smtClean="0">
-                <a:solidFill>
-                  <a:schemeClr val="bg1"/>
-                </a:solidFill>
-                <a:latin typeface="Meiryo" charset="-128"/>
-                <a:ea typeface="Meiryo" charset="-128"/>
-                <a:cs typeface="Meiryo" charset="-128"/>
-              </a:rPr>
-              <a:t>クライアント処理</a:t>
-            </a:r>
-            <a:r>
-              <a:rPr lang="en-US" altLang="ja-JP" sz="2400" b="1" dirty="0">
-                <a:solidFill>
-                  <a:schemeClr val="bg1"/>
-                </a:solidFill>
-                <a:latin typeface="Meiryo" charset="-128"/>
-                <a:ea typeface="Meiryo" charset="-128"/>
-                <a:cs typeface="Meiryo" charset="-128"/>
-              </a:rPr>
-              <a:t/>
-            </a:r>
-            <a:br>
-              <a:rPr lang="en-US" altLang="ja-JP" sz="2400" b="1" dirty="0">
-                <a:solidFill>
-                  <a:schemeClr val="bg1"/>
-                </a:solidFill>
-                <a:latin typeface="Meiryo" charset="-128"/>
-                <a:ea typeface="Meiryo" charset="-128"/>
-                <a:cs typeface="Meiryo" charset="-128"/>
-              </a:rPr>
-            </a:br>
-            <a:r>
-              <a:rPr lang="en-US" altLang="ja-JP" sz="2400" b="1" dirty="0" smtClean="0">
-                <a:solidFill>
-                  <a:schemeClr val="bg1"/>
-                </a:solidFill>
-                <a:latin typeface="Meiryo" charset="-128"/>
-                <a:ea typeface="Meiryo" charset="-128"/>
-                <a:cs typeface="Meiryo" charset="-128"/>
-              </a:rPr>
-              <a:t>	</a:t>
-            </a:r>
-            <a:r>
-              <a:rPr lang="ja-JP" altLang="en-US" sz="2400" b="1" dirty="0" smtClean="0">
-                <a:solidFill>
-                  <a:schemeClr val="bg1"/>
-                </a:solidFill>
-                <a:latin typeface="Meiryo" charset="-128"/>
-                <a:ea typeface="Meiryo" charset="-128"/>
-                <a:cs typeface="Meiryo" charset="-128"/>
-              </a:rPr>
-              <a:t>（ラズパイ）</a:t>
-            </a:r>
-            <a:endParaRPr lang="en-US" altLang="ja-JP" sz="2400" b="1" dirty="0" smtClean="0">
-              <a:solidFill>
-                <a:schemeClr val="bg1"/>
-              </a:solidFill>
-              <a:latin typeface="Meiryo" charset="-128"/>
-              <a:ea typeface="Meiryo" charset="-128"/>
-              <a:cs typeface="Meiryo" charset="-128"/>
-            </a:endParaRPr>
-          </a:p>
-          <a:p>
-            <a:pPr marL="914400" lvl="1" indent="-457200">
-              <a:buClr>
-                <a:schemeClr val="bg1"/>
-              </a:buClr>
-              <a:buFont typeface="Wingdings" charset="2"/>
-              <a:buChar char="p"/>
-            </a:pPr>
-            <a:r>
-              <a:rPr kumimoji="1" lang="ja-JP" altLang="en-US" sz="2400" b="1" dirty="0" smtClean="0">
-                <a:solidFill>
-                  <a:schemeClr val="bg1"/>
-                </a:solidFill>
-                <a:latin typeface="Meiryo" charset="-128"/>
-                <a:ea typeface="Meiryo" charset="-128"/>
-                <a:cs typeface="Meiryo" charset="-128"/>
-              </a:rPr>
-              <a:t>サーバ処理（</a:t>
-            </a:r>
-            <a:r>
-              <a:rPr kumimoji="1" lang="en-US" altLang="ja-JP" sz="2400" b="1" dirty="0" smtClean="0">
-                <a:solidFill>
-                  <a:schemeClr val="bg1"/>
-                </a:solidFill>
-                <a:latin typeface="Meiryo" charset="-128"/>
-                <a:ea typeface="Meiryo" charset="-128"/>
-                <a:cs typeface="Meiryo" charset="-128"/>
-              </a:rPr>
-              <a:t>PC</a:t>
-            </a:r>
-            <a:r>
-              <a:rPr kumimoji="1" lang="ja-JP" altLang="en-US" sz="2400" b="1" dirty="0" smtClean="0">
-                <a:solidFill>
-                  <a:schemeClr val="bg1"/>
-                </a:solidFill>
-                <a:latin typeface="Meiryo" charset="-128"/>
-                <a:ea typeface="Meiryo" charset="-128"/>
-                <a:cs typeface="Meiryo" charset="-128"/>
-              </a:rPr>
-              <a:t>）</a:t>
-            </a:r>
-            <a:endParaRPr kumimoji="1" lang="ja-JP" altLang="en-US" sz="2400" b="1" dirty="0">
-              <a:solidFill>
-                <a:schemeClr val="bg1"/>
-              </a:solidFill>
-              <a:latin typeface="Meiryo" charset="-128"/>
-              <a:ea typeface="Meiryo" charset="-128"/>
-              <a:cs typeface="Meiryo" charset="-128"/>
-            </a:endParaRPr>
-          </a:p>
-        </p:txBody>
-      </p:sp>
-      <p:sp>
-        <p:nvSpPr>
-          <p:cNvPr id="20" name="テキスト ボックス 19"/>
-          <p:cNvSpPr txBox="1"/>
-          <p:nvPr/>
-        </p:nvSpPr>
-        <p:spPr>
-          <a:xfrm>
-            <a:off x="6487998" y="4241450"/>
-            <a:ext cx="3775393" cy="2154436"/>
-          </a:xfrm>
-          <a:prstGeom prst="rect">
-            <a:avLst/>
-          </a:prstGeom>
-          <a:noFill/>
-        </p:spPr>
-        <p:txBody>
-          <a:bodyPr wrap="none" rtlCol="0">
-            <a:spAutoFit/>
-          </a:bodyPr>
-          <a:lstStyle/>
-          <a:p>
-            <a:pPr>
-              <a:spcAft>
-                <a:spcPts val="1200"/>
-              </a:spcAft>
-            </a:pPr>
-            <a:r>
-              <a:rPr lang="ja-JP" altLang="en-US" sz="2800" b="1" u="sng" dirty="0" smtClean="0">
-                <a:solidFill>
-                  <a:schemeClr val="bg1"/>
-                </a:solidFill>
-                <a:latin typeface="Meiryo" charset="-128"/>
-                <a:ea typeface="Meiryo" charset="-128"/>
-                <a:cs typeface="Meiryo" charset="-128"/>
-              </a:rPr>
-              <a:t>ユーザインタフェース</a:t>
-            </a:r>
-            <a:endParaRPr lang="en-US" altLang="ja-JP" sz="2800" b="1" u="sng" dirty="0" smtClean="0">
-              <a:solidFill>
-                <a:schemeClr val="bg1"/>
-              </a:solidFill>
-              <a:latin typeface="Meiryo" charset="-128"/>
-              <a:ea typeface="Meiryo" charset="-128"/>
-              <a:cs typeface="Meiryo" charset="-128"/>
-            </a:endParaRPr>
-          </a:p>
-          <a:p>
-            <a:pPr marL="457200" indent="-457200">
-              <a:buClr>
-                <a:schemeClr val="bg1"/>
-              </a:buClr>
-              <a:buFont typeface="Wingdings" charset="2"/>
-              <a:buChar char="u"/>
-            </a:pPr>
-            <a:r>
-              <a:rPr kumimoji="1" lang="ja-JP" altLang="en-US" sz="2400" b="1" u="sng" dirty="0" smtClean="0">
-                <a:solidFill>
-                  <a:schemeClr val="bg1"/>
-                </a:solidFill>
-                <a:latin typeface="Meiryo" charset="-128"/>
-                <a:ea typeface="Meiryo" charset="-128"/>
-                <a:cs typeface="Meiryo" charset="-128"/>
-              </a:rPr>
-              <a:t>進捗</a:t>
-            </a:r>
-            <a:r>
-              <a:rPr lang="ja-JP" altLang="en-US" sz="2400" b="1" u="sng" dirty="0" smtClean="0">
-                <a:solidFill>
-                  <a:schemeClr val="bg1"/>
-                </a:solidFill>
-                <a:latin typeface="Meiryo" charset="-128"/>
-                <a:ea typeface="Meiryo" charset="-128"/>
-                <a:cs typeface="Meiryo" charset="-128"/>
-              </a:rPr>
-              <a:t>：</a:t>
-            </a:r>
-            <a:r>
-              <a:rPr lang="en-US" altLang="ja-JP" sz="2400" b="1" u="sng" dirty="0" smtClean="0">
-                <a:solidFill>
-                  <a:schemeClr val="bg1"/>
-                </a:solidFill>
-                <a:latin typeface="Meiryo" charset="-128"/>
-                <a:ea typeface="Meiryo" charset="-128"/>
-                <a:cs typeface="Meiryo" charset="-128"/>
-              </a:rPr>
-              <a:t>40%</a:t>
-            </a:r>
-          </a:p>
-          <a:p>
-            <a:pPr marL="914400" lvl="1" indent="-457200">
-              <a:buClr>
-                <a:schemeClr val="bg1"/>
-              </a:buClr>
-              <a:buFont typeface="Wingdings" charset="2"/>
-              <a:buChar char="ü"/>
-            </a:pPr>
-            <a:r>
-              <a:rPr kumimoji="1" lang="ja-JP" altLang="en-US" sz="2400" b="1" u="sng" dirty="0" smtClean="0">
-                <a:solidFill>
-                  <a:schemeClr val="bg1"/>
-                </a:solidFill>
-                <a:latin typeface="Meiryo" charset="-128"/>
-                <a:ea typeface="Meiryo" charset="-128"/>
-                <a:cs typeface="Meiryo" charset="-128"/>
-              </a:rPr>
-              <a:t>座席読み込み</a:t>
-            </a:r>
-            <a:endParaRPr kumimoji="1" lang="en-US" altLang="ja-JP" sz="2400" b="1" u="sng" dirty="0" smtClean="0">
-              <a:solidFill>
-                <a:schemeClr val="bg1"/>
-              </a:solidFill>
-              <a:latin typeface="Meiryo" charset="-128"/>
-              <a:ea typeface="Meiryo" charset="-128"/>
-              <a:cs typeface="Meiryo" charset="-128"/>
-            </a:endParaRPr>
-          </a:p>
-          <a:p>
-            <a:pPr marL="914400" lvl="1" indent="-457200">
-              <a:buClr>
-                <a:schemeClr val="bg1"/>
-              </a:buClr>
-              <a:buFont typeface="Wingdings" charset="2"/>
-              <a:buChar char="p"/>
-            </a:pPr>
-            <a:r>
-              <a:rPr lang="ja-JP" altLang="en-US" sz="2400" b="1" u="sng" dirty="0" smtClean="0">
-                <a:solidFill>
-                  <a:schemeClr val="bg1"/>
-                </a:solidFill>
-                <a:latin typeface="Meiryo" charset="-128"/>
-                <a:ea typeface="Meiryo" charset="-128"/>
-                <a:cs typeface="Meiryo" charset="-128"/>
-              </a:rPr>
-              <a:t>座席決定</a:t>
-            </a:r>
-            <a:endParaRPr lang="en-US" altLang="ja-JP" sz="2400" b="1" u="sng" dirty="0" smtClean="0">
-              <a:solidFill>
-                <a:schemeClr val="bg1"/>
-              </a:solidFill>
-              <a:latin typeface="Meiryo" charset="-128"/>
-              <a:ea typeface="Meiryo" charset="-128"/>
-              <a:cs typeface="Meiryo" charset="-128"/>
-            </a:endParaRPr>
-          </a:p>
-          <a:p>
-            <a:pPr marL="914400" lvl="1" indent="-457200">
-              <a:buClr>
-                <a:schemeClr val="bg1"/>
-              </a:buClr>
-              <a:buFont typeface="Wingdings" charset="2"/>
-              <a:buChar char="p"/>
-            </a:pPr>
-            <a:r>
-              <a:rPr lang="ja-JP" altLang="en-US" sz="2400" b="1" u="sng" dirty="0" smtClean="0">
-                <a:solidFill>
-                  <a:schemeClr val="bg1"/>
-                </a:solidFill>
-                <a:latin typeface="Meiryo" charset="-128"/>
-                <a:ea typeface="Meiryo" charset="-128"/>
-                <a:cs typeface="Meiryo" charset="-128"/>
-              </a:rPr>
-              <a:t>名前を反映</a:t>
-            </a:r>
-            <a:endParaRPr lang="en-US" altLang="ja-JP" sz="2400" b="1" u="sng" dirty="0" smtClean="0">
-              <a:solidFill>
-                <a:schemeClr val="bg1"/>
-              </a:solidFill>
-              <a:latin typeface="Meiryo" charset="-128"/>
-              <a:ea typeface="Meiryo" charset="-128"/>
-              <a:cs typeface="Meiryo" charset="-128"/>
-            </a:endParaRPr>
-          </a:p>
-        </p:txBody>
-      </p:sp>
-    </p:spTree>
-    <p:extLst>
-      <p:ext uri="{BB962C8B-B14F-4D97-AF65-F5344CB8AC3E}">
-        <p14:creationId xmlns:p14="http://schemas.microsoft.com/office/powerpoint/2010/main" val="796729791"/>
-      </p:ext>
-    </p:extLst>
-  </p:cSld>
-  <p:clrMapOvr>
-    <a:masterClrMapping/>
-  </p:clrMapOvr>
-  <p:timing>
-    <p:tnLst>
-      <p:par>
-        <p:cTn id="1" dur="indefinite" restart="never" nodeType="tmRoot"/>
-      </p:par>
-    </p:tnLst>
-  </p:timing>
-</p:sld>
-</file>
-
-<file path=ppt/slides/slide7.xml><?xml version="1.0" encoding="utf-8"?>
-<p:sld xmlns:a="http://schemas.openxmlformats.org/drawingml/2006/main" xmlns:r="http://schemas.openxmlformats.org/officeDocument/2006/relationships" xmlns:p="http://schemas.openxmlformats.org/presentationml/2006/main">
-  <p:cSld>
-    <p:spTree>
-      <p:nvGrpSpPr>
-        <p:cNvPr id="1" name=""/>
-        <p:cNvGrpSpPr/>
-        <p:nvPr/>
-      </p:nvGrpSpPr>
-      <p:grpSpPr>
-        <a:xfrm>
-          <a:off x="0" y="0"/>
-          <a:ext cx="0" cy="0"/>
-          <a:chOff x="0" y="0"/>
-          <a:chExt cx="0" cy="0"/>
-        </a:xfrm>
-      </p:grpSpPr>
-      <p:sp>
-        <p:nvSpPr>
-          <p:cNvPr id="2" name="タイトル 1"/>
-          <p:cNvSpPr>
-            <a:spLocks noGrp="1"/>
-          </p:cNvSpPr>
-          <p:nvPr>
-            <p:ph type="title"/>
-          </p:nvPr>
-        </p:nvSpPr>
-        <p:spPr/>
-        <p:txBody>
-          <a:bodyPr/>
-          <a:lstStyle/>
-          <a:p>
-            <a:r>
-              <a:rPr kumimoji="1" lang="ja-JP" altLang="en-US" dirty="0" smtClean="0"/>
-              <a:t>開発計画</a:t>
-            </a:r>
-            <a:endParaRPr kumimoji="1" lang="ja-JP" altLang="en-US" dirty="0"/>
-          </a:p>
-        </p:txBody>
-      </p:sp>
-      <p:sp>
-        <p:nvSpPr>
-          <p:cNvPr id="4" name="スライド番号プレースホルダー 3"/>
-          <p:cNvSpPr>
-            <a:spLocks noGrp="1"/>
-          </p:cNvSpPr>
-          <p:nvPr>
-            <p:ph type="sldNum" sz="quarter" idx="12"/>
-          </p:nvPr>
-        </p:nvSpPr>
-        <p:spPr/>
-        <p:txBody>
-          <a:bodyPr/>
-          <a:lstStyle/>
-          <a:p>
-            <a:fld id="{93ADDFFC-DF84-FE49-BEBB-D585AC897F6E}" type="slidenum">
-              <a:rPr lang="uk-UA" smtClean="0"/>
-              <a:pPr/>
-              <a:t>7</a:t>
-            </a:fld>
-            <a:endParaRPr lang="uk-UA"/>
-          </a:p>
-        </p:txBody>
-      </p:sp>
-      <p:sp>
-        <p:nvSpPr>
-          <p:cNvPr id="5" name="山形 4"/>
-          <p:cNvSpPr/>
-          <p:nvPr/>
-        </p:nvSpPr>
-        <p:spPr>
-          <a:xfrm>
-            <a:off x="1248939" y="1962615"/>
-            <a:ext cx="2029522" cy="691376"/>
-          </a:xfrm>
-          <a:prstGeom prst="chevron">
-            <a:avLst/>
-          </a:prstGeom>
-          <a:solidFill>
-            <a:srgbClr val="0B407C"/>
-          </a:solidFill>
-          <a:ln w="57150">
-            <a:solidFill>
-              <a:srgbClr val="0B407C"/>
-            </a:solidFill>
-          </a:ln>
-        </p:spPr>
-        <p:style>
-          <a:lnRef idx="2">
-            <a:schemeClr val="accent1">
-              <a:shade val="50000"/>
-            </a:schemeClr>
-          </a:lnRef>
-          <a:fillRef idx="1">
-            <a:schemeClr val="accent1"/>
-          </a:fillRef>
-          <a:effectRef idx="0">
-            <a:schemeClr val="accent1"/>
-          </a:effectRef>
-          <a:fontRef idx="minor">
-            <a:schemeClr val="lt1"/>
-          </a:fontRef>
-        </p:style>
-        <p:txBody>
-          <a:bodyPr rtlCol="0" anchor="ctr"/>
-          <a:lstStyle/>
-          <a:p>
-            <a:pPr algn="ctr"/>
-            <a:r>
-              <a:rPr lang="en-US" altLang="ja-JP" sz="2800" dirty="0" smtClean="0">
-                <a:solidFill>
-                  <a:schemeClr val="bg1"/>
-                </a:solidFill>
-                <a:latin typeface="07YsashisaGothicTegaki" charset="-128"/>
-                <a:ea typeface="07YsashisaGothicTegaki" charset="-128"/>
-                <a:cs typeface="07YsashisaGothicTegaki" charset="-128"/>
-              </a:rPr>
-              <a:t>9/15</a:t>
-            </a:r>
-            <a:endParaRPr kumimoji="1" lang="ja-JP" altLang="en-US" sz="2800" dirty="0">
-              <a:solidFill>
-                <a:schemeClr val="bg1"/>
-              </a:solidFill>
-              <a:latin typeface="07YsashisaGothicTegaki" charset="-128"/>
-              <a:ea typeface="07YsashisaGothicTegaki" charset="-128"/>
-              <a:cs typeface="07YsashisaGothicTegaki" charset="-128"/>
-            </a:endParaRPr>
-          </a:p>
-        </p:txBody>
-      </p:sp>
-      <p:sp>
-        <p:nvSpPr>
-          <p:cNvPr id="6" name="山形 5"/>
-          <p:cNvSpPr/>
-          <p:nvPr/>
-        </p:nvSpPr>
-        <p:spPr>
-          <a:xfrm>
-            <a:off x="3278461" y="1962615"/>
-            <a:ext cx="2029522" cy="691376"/>
-          </a:xfrm>
-          <a:prstGeom prst="chevron">
-            <a:avLst/>
-          </a:prstGeom>
-          <a:solidFill>
-            <a:srgbClr val="F4F7FF"/>
-          </a:solidFill>
-          <a:ln w="57150">
-            <a:solidFill>
-              <a:srgbClr val="0B407C"/>
-            </a:solidFill>
-          </a:ln>
-        </p:spPr>
-        <p:style>
-          <a:lnRef idx="2">
-            <a:schemeClr val="accent1">
-              <a:shade val="50000"/>
-            </a:schemeClr>
-          </a:lnRef>
-          <a:fillRef idx="1">
-            <a:schemeClr val="accent1"/>
-          </a:fillRef>
-          <a:effectRef idx="0">
-            <a:schemeClr val="accent1"/>
-          </a:effectRef>
-          <a:fontRef idx="minor">
-            <a:schemeClr val="lt1"/>
-          </a:fontRef>
-        </p:style>
-        <p:txBody>
-          <a:bodyPr rtlCol="0" anchor="ctr"/>
-          <a:lstStyle/>
-          <a:p>
-            <a:pPr algn="ctr"/>
-            <a:endParaRPr kumimoji="1" lang="ja-JP" altLang="en-US" sz="2800">
-              <a:solidFill>
-                <a:schemeClr val="tx1"/>
-              </a:solidFill>
-              <a:latin typeface="07YsashisaGothicTegaki" charset="-128"/>
-              <a:ea typeface="07YsashisaGothicTegaki" charset="-128"/>
-              <a:cs typeface="07YsashisaGothicTegaki" charset="-128"/>
-            </a:endParaRPr>
-          </a:p>
-        </p:txBody>
-      </p:sp>
-      <p:sp>
-        <p:nvSpPr>
-          <p:cNvPr id="7" name="山形 6"/>
-          <p:cNvSpPr/>
-          <p:nvPr/>
-        </p:nvSpPr>
-        <p:spPr>
-          <a:xfrm>
-            <a:off x="5307983" y="1962615"/>
-            <a:ext cx="2029522" cy="691376"/>
-          </a:xfrm>
-          <a:prstGeom prst="chevron">
-            <a:avLst/>
-          </a:prstGeom>
-          <a:solidFill>
-            <a:srgbClr val="0B407C"/>
-          </a:solidFill>
-          <a:ln w="57150">
-            <a:solidFill>
-              <a:srgbClr val="0B407C"/>
-            </a:solidFill>
-          </a:ln>
-        </p:spPr>
-        <p:style>
-          <a:lnRef idx="2">
-            <a:schemeClr val="accent1">
-              <a:shade val="50000"/>
-            </a:schemeClr>
-          </a:lnRef>
-          <a:fillRef idx="1">
-            <a:schemeClr val="accent1"/>
-          </a:fillRef>
-          <a:effectRef idx="0">
-            <a:schemeClr val="accent1"/>
-          </a:effectRef>
-          <a:fontRef idx="minor">
-            <a:schemeClr val="lt1"/>
-          </a:fontRef>
-        </p:style>
-        <p:txBody>
-          <a:bodyPr rtlCol="0" anchor="ctr"/>
-          <a:lstStyle/>
-          <a:p>
-            <a:pPr algn="ctr"/>
-            <a:r>
-              <a:rPr kumimoji="1" lang="en-US" altLang="ja-JP" sz="2800" dirty="0" smtClean="0">
-                <a:solidFill>
-                  <a:schemeClr val="bg1"/>
-                </a:solidFill>
-                <a:latin typeface="07YsashisaGothicTegaki" charset="-128"/>
-                <a:ea typeface="07YsashisaGothicTegaki" charset="-128"/>
-                <a:cs typeface="07YsashisaGothicTegaki" charset="-128"/>
-              </a:rPr>
-              <a:t>9/21</a:t>
-            </a:r>
-            <a:endParaRPr kumimoji="1" lang="ja-JP" altLang="en-US" sz="2800" dirty="0">
-              <a:solidFill>
-                <a:schemeClr val="bg1"/>
-              </a:solidFill>
-              <a:latin typeface="07YsashisaGothicTegaki" charset="-128"/>
-              <a:ea typeface="07YsashisaGothicTegaki" charset="-128"/>
-              <a:cs typeface="07YsashisaGothicTegaki" charset="-128"/>
-            </a:endParaRPr>
-          </a:p>
-        </p:txBody>
-      </p:sp>
-      <p:sp>
-        <p:nvSpPr>
-          <p:cNvPr id="8" name="山形 7"/>
-          <p:cNvSpPr/>
-          <p:nvPr/>
-        </p:nvSpPr>
-        <p:spPr>
-          <a:xfrm>
-            <a:off x="7339364" y="1951464"/>
-            <a:ext cx="2029522" cy="691376"/>
-          </a:xfrm>
-          <a:prstGeom prst="chevron">
-            <a:avLst/>
-          </a:prstGeom>
-          <a:solidFill>
-            <a:schemeClr val="accent2">
-              <a:lumMod val="20000"/>
-              <a:lumOff val="80000"/>
-            </a:schemeClr>
-          </a:solidFill>
-          <a:ln w="57150">
-            <a:solidFill>
-              <a:schemeClr val="accent2"/>
-            </a:solidFill>
-          </a:ln>
-        </p:spPr>
-        <p:style>
-          <a:lnRef idx="2">
-            <a:schemeClr val="accent1">
-              <a:shade val="50000"/>
-            </a:schemeClr>
-          </a:lnRef>
-          <a:fillRef idx="1">
-            <a:schemeClr val="accent1"/>
-          </a:fillRef>
-          <a:effectRef idx="0">
-            <a:schemeClr val="accent1"/>
-          </a:effectRef>
-          <a:fontRef idx="minor">
-            <a:schemeClr val="lt1"/>
-          </a:fontRef>
-        </p:style>
-        <p:txBody>
-          <a:bodyPr rtlCol="0" anchor="ctr"/>
-          <a:lstStyle/>
-          <a:p>
-            <a:pPr algn="ctr"/>
-            <a:endParaRPr kumimoji="1" lang="ja-JP" altLang="en-US" sz="2800">
-              <a:solidFill>
-                <a:schemeClr val="tx1"/>
-              </a:solidFill>
-              <a:latin typeface="07YsashisaGothicTegaki" charset="-128"/>
-              <a:ea typeface="07YsashisaGothicTegaki" charset="-128"/>
-              <a:cs typeface="07YsashisaGothicTegaki" charset="-128"/>
-            </a:endParaRPr>
-          </a:p>
-        </p:txBody>
-      </p:sp>
-      <p:sp>
-        <p:nvSpPr>
-          <p:cNvPr id="9" name="山形 8"/>
-          <p:cNvSpPr/>
-          <p:nvPr/>
-        </p:nvSpPr>
-        <p:spPr>
-          <a:xfrm>
-            <a:off x="9368886" y="1951464"/>
-            <a:ext cx="2029522" cy="691376"/>
-          </a:xfrm>
-          <a:prstGeom prst="chevron">
-            <a:avLst/>
-          </a:prstGeom>
-          <a:solidFill>
-            <a:srgbClr val="0B407C"/>
-          </a:solidFill>
-          <a:ln w="57150">
-            <a:solidFill>
-              <a:srgbClr val="0B407C"/>
-            </a:solidFill>
-          </a:ln>
-        </p:spPr>
-        <p:style>
-          <a:lnRef idx="2">
-            <a:schemeClr val="accent1">
-              <a:shade val="50000"/>
-            </a:schemeClr>
-          </a:lnRef>
-          <a:fillRef idx="1">
-            <a:schemeClr val="accent1"/>
-          </a:fillRef>
-          <a:effectRef idx="0">
-            <a:schemeClr val="accent1"/>
-          </a:effectRef>
-          <a:fontRef idx="minor">
-            <a:schemeClr val="lt1"/>
-          </a:fontRef>
-        </p:style>
-        <p:txBody>
-          <a:bodyPr rtlCol="0" anchor="ctr"/>
-          <a:lstStyle/>
-          <a:p>
-            <a:pPr algn="ctr"/>
-            <a:r>
-              <a:rPr kumimoji="1" lang="en-US" altLang="ja-JP" sz="2800" dirty="0" smtClean="0">
-                <a:solidFill>
-                  <a:schemeClr val="bg1"/>
-                </a:solidFill>
-                <a:latin typeface="07YsashisaGothicTegaki" charset="-128"/>
-                <a:ea typeface="07YsashisaGothicTegaki" charset="-128"/>
-                <a:cs typeface="07YsashisaGothicTegaki" charset="-128"/>
-              </a:rPr>
-              <a:t>9/26</a:t>
-            </a:r>
-            <a:endParaRPr kumimoji="1" lang="ja-JP" altLang="en-US" sz="2800" dirty="0">
-              <a:solidFill>
-                <a:schemeClr val="bg1"/>
-              </a:solidFill>
-              <a:latin typeface="07YsashisaGothicTegaki" charset="-128"/>
-              <a:ea typeface="07YsashisaGothicTegaki" charset="-128"/>
-              <a:cs typeface="07YsashisaGothicTegaki" charset="-128"/>
-            </a:endParaRPr>
-          </a:p>
-        </p:txBody>
-      </p:sp>
-      <p:sp>
-        <p:nvSpPr>
-          <p:cNvPr id="11" name="テキスト ボックス 10"/>
-          <p:cNvSpPr txBox="1"/>
-          <p:nvPr/>
-        </p:nvSpPr>
-        <p:spPr>
-          <a:xfrm>
-            <a:off x="1774206" y="3540510"/>
-            <a:ext cx="4339650" cy="2677656"/>
-          </a:xfrm>
-          <a:prstGeom prst="rect">
-            <a:avLst/>
-          </a:prstGeom>
-          <a:noFill/>
-        </p:spPr>
-        <p:txBody>
-          <a:bodyPr wrap="none" rtlCol="0">
-            <a:spAutoFit/>
-          </a:bodyPr>
-          <a:lstStyle/>
-          <a:p>
-            <a:r>
-              <a:rPr kumimoji="1" lang="en-US" altLang="ja-JP" sz="2800" dirty="0" smtClean="0">
-                <a:solidFill>
-                  <a:schemeClr val="tx1">
-                    <a:lumMod val="65000"/>
-                    <a:lumOff val="35000"/>
-                  </a:schemeClr>
-                </a:solidFill>
-                <a:latin typeface="Meiryo" charset="-128"/>
-                <a:ea typeface="Meiryo" charset="-128"/>
-                <a:cs typeface="Meiryo" charset="-128"/>
-              </a:rPr>
-              <a:t>【</a:t>
-            </a:r>
-            <a:r>
-              <a:rPr kumimoji="1" lang="ja-JP" altLang="en-US" sz="2800" dirty="0" smtClean="0">
-                <a:solidFill>
-                  <a:schemeClr val="tx1">
-                    <a:lumMod val="65000"/>
-                    <a:lumOff val="35000"/>
-                  </a:schemeClr>
-                </a:solidFill>
-                <a:latin typeface="Meiryo" charset="-128"/>
-                <a:ea typeface="Meiryo" charset="-128"/>
-                <a:cs typeface="Meiryo" charset="-128"/>
-              </a:rPr>
-              <a:t>実装</a:t>
-            </a:r>
-            <a:r>
-              <a:rPr kumimoji="1" lang="en-US" altLang="ja-JP" sz="2800" dirty="0" smtClean="0">
-                <a:solidFill>
-                  <a:schemeClr val="tx1">
-                    <a:lumMod val="65000"/>
-                    <a:lumOff val="35000"/>
-                  </a:schemeClr>
-                </a:solidFill>
-                <a:latin typeface="Meiryo" charset="-128"/>
-                <a:ea typeface="Meiryo" charset="-128"/>
-                <a:cs typeface="Meiryo" charset="-128"/>
-              </a:rPr>
-              <a:t>】</a:t>
-            </a:r>
-            <a:endParaRPr kumimoji="1" lang="ja-JP" altLang="en-US" sz="2800" dirty="0" smtClean="0">
-              <a:solidFill>
-                <a:schemeClr val="tx1">
-                  <a:lumMod val="65000"/>
-                  <a:lumOff val="35000"/>
-                </a:schemeClr>
-              </a:solidFill>
-              <a:latin typeface="Meiryo" charset="-128"/>
-              <a:ea typeface="Meiryo" charset="-128"/>
-              <a:cs typeface="Meiryo" charset="-128"/>
-            </a:endParaRPr>
-          </a:p>
-          <a:p>
-            <a:pPr marL="914400" lvl="1" indent="-457200">
-              <a:buFont typeface="Arial" charset="0"/>
-              <a:buChar char="•"/>
-            </a:pPr>
-            <a:r>
-              <a:rPr lang="ja-JP" altLang="en-US" sz="2800" dirty="0" smtClean="0">
-                <a:solidFill>
-                  <a:schemeClr val="tx1">
-                    <a:lumMod val="65000"/>
-                    <a:lumOff val="35000"/>
-                  </a:schemeClr>
-                </a:solidFill>
-                <a:latin typeface="Meiryo" charset="-128"/>
-                <a:ea typeface="Meiryo" charset="-128"/>
-                <a:cs typeface="Meiryo" charset="-128"/>
-              </a:rPr>
-              <a:t>クライアントサイド</a:t>
-            </a:r>
-          </a:p>
-          <a:p>
-            <a:pPr marL="914400" lvl="1" indent="-457200">
-              <a:buFont typeface="Arial" charset="0"/>
-              <a:buChar char="•"/>
-            </a:pPr>
-            <a:r>
-              <a:rPr lang="ja-JP" altLang="en-US" sz="2800" dirty="0" smtClean="0">
-                <a:solidFill>
-                  <a:schemeClr val="tx1">
-                    <a:lumMod val="65000"/>
-                    <a:lumOff val="35000"/>
-                  </a:schemeClr>
-                </a:solidFill>
-                <a:latin typeface="Meiryo" charset="-128"/>
-                <a:ea typeface="Meiryo" charset="-128"/>
-                <a:cs typeface="Meiryo" charset="-128"/>
-              </a:rPr>
-              <a:t>サーバーサイド</a:t>
-            </a:r>
-            <a:endParaRPr lang="en-US" altLang="ja-JP" sz="2800" dirty="0" smtClean="0">
-              <a:solidFill>
-                <a:schemeClr val="tx1">
-                  <a:lumMod val="65000"/>
-                  <a:lumOff val="35000"/>
-                </a:schemeClr>
-              </a:solidFill>
-              <a:latin typeface="Meiryo" charset="-128"/>
-              <a:ea typeface="Meiryo" charset="-128"/>
-              <a:cs typeface="Meiryo" charset="-128"/>
-            </a:endParaRPr>
-          </a:p>
-          <a:p>
-            <a:pPr marL="914400" lvl="1" indent="-457200">
-              <a:buFont typeface="Arial" charset="0"/>
-              <a:buChar char="•"/>
-            </a:pPr>
-            <a:r>
-              <a:rPr kumimoji="1" lang="ja-JP" altLang="en-US" sz="2800" dirty="0" smtClean="0">
-                <a:solidFill>
-                  <a:schemeClr val="tx1">
-                    <a:lumMod val="65000"/>
-                    <a:lumOff val="35000"/>
-                  </a:schemeClr>
-                </a:solidFill>
-                <a:latin typeface="Meiryo" charset="-128"/>
-                <a:ea typeface="Meiryo" charset="-128"/>
-                <a:cs typeface="Meiryo" charset="-128"/>
-              </a:rPr>
-              <a:t>学習モデル</a:t>
-            </a:r>
-          </a:p>
-          <a:p>
-            <a:pPr marL="457200" indent="-457200">
-              <a:buFont typeface="Arial" charset="0"/>
-              <a:buChar char="•"/>
-            </a:pPr>
-            <a:endParaRPr kumimoji="1" lang="ja-JP" altLang="en-US" sz="2800" dirty="0" smtClean="0">
-              <a:solidFill>
-                <a:schemeClr val="tx1">
-                  <a:lumMod val="65000"/>
-                  <a:lumOff val="35000"/>
-                </a:schemeClr>
-              </a:solidFill>
-              <a:latin typeface="Meiryo" charset="-128"/>
-              <a:ea typeface="Meiryo" charset="-128"/>
-              <a:cs typeface="Meiryo" charset="-128"/>
-            </a:endParaRPr>
-          </a:p>
-          <a:p>
-            <a:r>
-              <a:rPr kumimoji="1" lang="en-US" altLang="ja-JP" sz="2800" dirty="0" smtClean="0">
-                <a:solidFill>
-                  <a:schemeClr val="tx1">
-                    <a:lumMod val="65000"/>
-                    <a:lumOff val="35000"/>
-                  </a:schemeClr>
-                </a:solidFill>
-                <a:latin typeface="Meiryo" charset="-128"/>
-                <a:ea typeface="Meiryo" charset="-128"/>
-                <a:cs typeface="Meiryo" charset="-128"/>
-              </a:rPr>
-              <a:t>【</a:t>
-            </a:r>
-            <a:r>
-              <a:rPr kumimoji="1" lang="ja-JP" altLang="en-US" sz="2800" dirty="0" smtClean="0">
-                <a:solidFill>
-                  <a:schemeClr val="tx1">
-                    <a:lumMod val="65000"/>
-                    <a:lumOff val="35000"/>
-                  </a:schemeClr>
-                </a:solidFill>
-                <a:latin typeface="Meiryo" charset="-128"/>
-                <a:ea typeface="Meiryo" charset="-128"/>
-                <a:cs typeface="Meiryo" charset="-128"/>
-              </a:rPr>
-              <a:t>中間発表資料作成</a:t>
-            </a:r>
-            <a:r>
-              <a:rPr kumimoji="1" lang="en-US" altLang="ja-JP" sz="2800" dirty="0" smtClean="0">
-                <a:solidFill>
-                  <a:schemeClr val="tx1">
-                    <a:lumMod val="65000"/>
-                    <a:lumOff val="35000"/>
-                  </a:schemeClr>
-                </a:solidFill>
-                <a:latin typeface="Meiryo" charset="-128"/>
-                <a:ea typeface="Meiryo" charset="-128"/>
-                <a:cs typeface="Meiryo" charset="-128"/>
-              </a:rPr>
-              <a:t>】</a:t>
-            </a:r>
-            <a:endParaRPr kumimoji="1" lang="ja-JP" altLang="en-US" sz="2800" dirty="0">
-              <a:solidFill>
-                <a:schemeClr val="tx1">
-                  <a:lumMod val="65000"/>
-                  <a:lumOff val="35000"/>
-                </a:schemeClr>
-              </a:solidFill>
-              <a:latin typeface="Meiryo" charset="-128"/>
-              <a:ea typeface="Meiryo" charset="-128"/>
-              <a:cs typeface="Meiryo" charset="-128"/>
-            </a:endParaRPr>
-          </a:p>
-        </p:txBody>
-      </p:sp>
-      <p:sp>
-        <p:nvSpPr>
-          <p:cNvPr id="13" name="テキスト ボックス 12"/>
-          <p:cNvSpPr txBox="1"/>
-          <p:nvPr/>
-        </p:nvSpPr>
-        <p:spPr>
-          <a:xfrm>
-            <a:off x="7025275" y="3506256"/>
-            <a:ext cx="3603872" cy="2246769"/>
-          </a:xfrm>
-          <a:prstGeom prst="rect">
-            <a:avLst/>
-          </a:prstGeom>
-          <a:noFill/>
-        </p:spPr>
-        <p:txBody>
-          <a:bodyPr wrap="none" rtlCol="0">
-            <a:spAutoFit/>
-          </a:bodyPr>
-          <a:lstStyle/>
-          <a:p>
-            <a:r>
-              <a:rPr kumimoji="1" lang="en-US" altLang="ja-JP" sz="2800" dirty="0" smtClean="0">
-                <a:latin typeface="Meiryo" charset="-128"/>
-                <a:ea typeface="Meiryo" charset="-128"/>
-                <a:cs typeface="Meiryo" charset="-128"/>
-              </a:rPr>
-              <a:t>【</a:t>
-            </a:r>
-            <a:r>
-              <a:rPr kumimoji="1" lang="ja-JP" altLang="en-US" sz="2800" dirty="0" smtClean="0">
-                <a:latin typeface="Meiryo" charset="-128"/>
-                <a:ea typeface="Meiryo" charset="-128"/>
-                <a:cs typeface="Meiryo" charset="-128"/>
-              </a:rPr>
-              <a:t>実装</a:t>
-            </a:r>
-            <a:r>
-              <a:rPr kumimoji="1" lang="en-US" altLang="ja-JP" sz="2800" dirty="0" smtClean="0">
-                <a:latin typeface="Meiryo" charset="-128"/>
-                <a:ea typeface="Meiryo" charset="-128"/>
-                <a:cs typeface="Meiryo" charset="-128"/>
-              </a:rPr>
-              <a:t>】</a:t>
-            </a:r>
-            <a:endParaRPr kumimoji="1" lang="ja-JP" altLang="en-US" sz="2800" dirty="0" smtClean="0">
-              <a:latin typeface="Meiryo" charset="-128"/>
-              <a:ea typeface="Meiryo" charset="-128"/>
-              <a:cs typeface="Meiryo" charset="-128"/>
-            </a:endParaRPr>
-          </a:p>
-          <a:p>
-            <a:pPr marL="914400" lvl="1" indent="-457200">
-              <a:buFont typeface="Arial" charset="0"/>
-              <a:buChar char="•"/>
-            </a:pPr>
-            <a:r>
-              <a:rPr lang="ja-JP" altLang="en-US" sz="2800" dirty="0" smtClean="0">
-                <a:latin typeface="Meiryo" charset="-128"/>
-                <a:ea typeface="Meiryo" charset="-128"/>
-                <a:cs typeface="Meiryo" charset="-128"/>
-              </a:rPr>
-              <a:t>完成予定</a:t>
-            </a:r>
-            <a:r>
-              <a:rPr lang="ja-JP" altLang="en-US" sz="2800" b="1" dirty="0" smtClean="0">
-                <a:latin typeface="Meiryo" charset="-128"/>
-                <a:ea typeface="Meiryo" charset="-128"/>
-                <a:cs typeface="Meiryo" charset="-128"/>
-              </a:rPr>
-              <a:t>９</a:t>
-            </a:r>
-            <a:r>
-              <a:rPr lang="en-US" altLang="ja-JP" sz="2800" b="1" dirty="0" smtClean="0">
-                <a:latin typeface="Meiryo" charset="-128"/>
-                <a:ea typeface="Meiryo" charset="-128"/>
-                <a:cs typeface="Meiryo" charset="-128"/>
-              </a:rPr>
-              <a:t>/24</a:t>
-            </a:r>
-            <a:endParaRPr kumimoji="1" lang="ja-JP" altLang="en-US" sz="2800" b="1" dirty="0" smtClean="0">
-              <a:latin typeface="Meiryo" charset="-128"/>
-              <a:ea typeface="Meiryo" charset="-128"/>
-              <a:cs typeface="Meiryo" charset="-128"/>
-            </a:endParaRPr>
-          </a:p>
-          <a:p>
-            <a:pPr marL="457200" indent="-457200">
-              <a:buFont typeface="Arial" charset="0"/>
-              <a:buChar char="•"/>
-            </a:pPr>
-            <a:endParaRPr kumimoji="1" lang="ja-JP" altLang="en-US" sz="2800" dirty="0" smtClean="0">
-              <a:latin typeface="Meiryo" charset="-128"/>
-              <a:ea typeface="Meiryo" charset="-128"/>
-              <a:cs typeface="Meiryo" charset="-128"/>
-            </a:endParaRPr>
-          </a:p>
-          <a:p>
-            <a:r>
-              <a:rPr kumimoji="1" lang="en-US" altLang="ja-JP" sz="2800" dirty="0" smtClean="0">
-                <a:latin typeface="Meiryo" charset="-128"/>
-                <a:ea typeface="Meiryo" charset="-128"/>
-                <a:cs typeface="Meiryo" charset="-128"/>
-              </a:rPr>
-              <a:t>【</a:t>
-            </a:r>
-            <a:r>
-              <a:rPr kumimoji="1" lang="ja-JP" altLang="en-US" sz="2800" dirty="0" smtClean="0">
-                <a:latin typeface="Meiryo" charset="-128"/>
-                <a:ea typeface="Meiryo" charset="-128"/>
-                <a:cs typeface="Meiryo" charset="-128"/>
-              </a:rPr>
-              <a:t>発表資料作成</a:t>
-            </a:r>
-            <a:r>
-              <a:rPr kumimoji="1" lang="en-US" altLang="ja-JP" sz="2800" dirty="0" smtClean="0">
-                <a:latin typeface="Meiryo" charset="-128"/>
-                <a:ea typeface="Meiryo" charset="-128"/>
-                <a:cs typeface="Meiryo" charset="-128"/>
-              </a:rPr>
-              <a:t>】</a:t>
-            </a:r>
-            <a:endParaRPr lang="en-US" altLang="ja-JP" sz="2800" dirty="0">
-              <a:latin typeface="Meiryo" charset="-128"/>
-              <a:ea typeface="Meiryo" charset="-128"/>
-              <a:cs typeface="Meiryo" charset="-128"/>
-            </a:endParaRPr>
-          </a:p>
-          <a:p>
-            <a:pPr marL="914400" lvl="1" indent="-457200">
-              <a:buFont typeface="Arial" charset="0"/>
-              <a:buChar char="•"/>
-            </a:pPr>
-            <a:r>
-              <a:rPr kumimoji="1" lang="ja-JP" altLang="en-US" sz="2800" dirty="0" smtClean="0">
-                <a:latin typeface="Meiryo" charset="-128"/>
-                <a:ea typeface="Meiryo" charset="-128"/>
-                <a:cs typeface="Meiryo" charset="-128"/>
-              </a:rPr>
-              <a:t>デモ作成</a:t>
-            </a:r>
-            <a:endParaRPr kumimoji="1" lang="en-US" altLang="ja-JP" sz="2800" dirty="0" smtClean="0">
-              <a:latin typeface="Meiryo" charset="-128"/>
-              <a:ea typeface="Meiryo" charset="-128"/>
-              <a:cs typeface="Meiryo" charset="-128"/>
-            </a:endParaRPr>
-          </a:p>
-        </p:txBody>
-      </p:sp>
-      <p:sp>
-        <p:nvSpPr>
-          <p:cNvPr id="3" name="四角形吹き出し 2"/>
-          <p:cNvSpPr/>
-          <p:nvPr/>
-        </p:nvSpPr>
-        <p:spPr>
-          <a:xfrm>
-            <a:off x="1841113" y="3257464"/>
-            <a:ext cx="4321794" cy="3020728"/>
-          </a:xfrm>
-          <a:prstGeom prst="wedgeRectCallout">
-            <a:avLst>
-              <a:gd name="adj1" fmla="val -4320"/>
-              <a:gd name="adj2" fmla="val -63013"/>
-            </a:avLst>
-          </a:prstGeom>
-          <a:noFill/>
-          <a:ln>
-            <a:solidFill>
-              <a:schemeClr val="tx1"/>
-            </a:solidFill>
-          </a:ln>
-        </p:spPr>
-        <p:style>
-          <a:lnRef idx="2">
-            <a:schemeClr val="accent1">
-              <a:shade val="50000"/>
-            </a:schemeClr>
-          </a:lnRef>
-          <a:fillRef idx="1">
-            <a:schemeClr val="accent1"/>
-          </a:fillRef>
-          <a:effectRef idx="0">
-            <a:schemeClr val="accent1"/>
-          </a:effectRef>
-          <a:fontRef idx="minor">
-            <a:schemeClr val="lt1"/>
-          </a:fontRef>
-        </p:style>
-        <p:txBody>
-          <a:bodyPr rtlCol="0" anchor="ctr"/>
-          <a:lstStyle/>
-          <a:p>
-            <a:pPr algn="ctr"/>
-            <a:endParaRPr kumimoji="1" lang="ja-JP" altLang="en-US"/>
-          </a:p>
-        </p:txBody>
-      </p:sp>
-      <p:sp>
-        <p:nvSpPr>
-          <p:cNvPr id="14" name="四角形吹き出し 13"/>
-          <p:cNvSpPr/>
-          <p:nvPr/>
-        </p:nvSpPr>
-        <p:spPr>
-          <a:xfrm>
-            <a:off x="6895759" y="3257464"/>
-            <a:ext cx="4321794" cy="3020728"/>
-          </a:xfrm>
-          <a:prstGeom prst="wedgeRectCallout">
-            <a:avLst>
-              <a:gd name="adj1" fmla="val 1873"/>
-              <a:gd name="adj2" fmla="val -59321"/>
-            </a:avLst>
-          </a:prstGeom>
-          <a:noFill/>
-          <a:ln w="76200">
-            <a:solidFill>
-              <a:schemeClr val="accent2"/>
-            </a:solidFill>
-          </a:ln>
-        </p:spPr>
-        <p:style>
-          <a:lnRef idx="2">
-            <a:schemeClr val="accent1">
-              <a:shade val="50000"/>
-            </a:schemeClr>
-          </a:lnRef>
-          <a:fillRef idx="1">
-            <a:schemeClr val="accent1"/>
-          </a:fillRef>
-          <a:effectRef idx="0">
-            <a:schemeClr val="accent1"/>
-          </a:effectRef>
-          <a:fontRef idx="minor">
-            <a:schemeClr val="lt1"/>
-          </a:fontRef>
-        </p:style>
-        <p:txBody>
-          <a:bodyPr rtlCol="0" anchor="ctr"/>
-          <a:lstStyle/>
-          <a:p>
-            <a:pPr algn="ctr"/>
-            <a:endParaRPr kumimoji="1" lang="ja-JP" altLang="en-US"/>
-          </a:p>
-        </p:txBody>
-      </p:sp>
-    </p:spTree>
-    <p:extLst>
-      <p:ext uri="{BB962C8B-B14F-4D97-AF65-F5344CB8AC3E}">
-        <p14:creationId xmlns:p14="http://schemas.microsoft.com/office/powerpoint/2010/main" val="558885161"/>
-      </p:ext>
-    </p:extLst>
-  </p:cSld>
-  <p:clrMapOvr>
-    <a:masterClrMapping/>
-  </p:clrMapOvr>
+  <mc:AlternateContent xmlns:mc="http://schemas.openxmlformats.org/markup-compatibility/2006">
+    <mc:Choice xmlns:p14="http://schemas.microsoft.com/office/powerpoint/2010/main" Requires="p14">
+      <p:transition spd="slow" p14:dur="2000"/>
+    </mc:Choice>
+    <mc:Fallback>
+      <p:transition spd="slow"/>
+    </mc:Fallback>
+  </mc:AlternateContent>
   <p:timing>
     <p:tnLst>
       <p:par>
